--- a/mypaper/thesis/Research2.pptx
+++ b/mypaper/thesis/Research2.pptx
@@ -2,21 +2,24 @@
 <file path=ppt/presentation.xml><?xml version="1.0" encoding="utf-8"?>
 <p:presentation xmlns:a="http://schemas.openxmlformats.org/drawingml/2006/main" xmlns:r="http://schemas.openxmlformats.org/officeDocument/2006/relationships" xmlns:p="http://schemas.openxmlformats.org/presentationml/2006/main" saveSubsetFonts="1">
   <p:sldMasterIdLst>
-    <p:sldMasterId id="2147483672" r:id="rId1"/>
+    <p:sldMasterId id="2147483648" r:id="rId1"/>
   </p:sldMasterIdLst>
+  <p:notesMasterIdLst>
+    <p:notesMasterId r:id="rId14"/>
+  </p:notesMasterIdLst>
   <p:sldIdLst>
-    <p:sldId id="256" r:id="rId2"/>
-    <p:sldId id="257" r:id="rId3"/>
-    <p:sldId id="258" r:id="rId4"/>
-    <p:sldId id="259" r:id="rId5"/>
-    <p:sldId id="260" r:id="rId6"/>
-    <p:sldId id="261" r:id="rId7"/>
-    <p:sldId id="262" r:id="rId8"/>
-    <p:sldId id="263" r:id="rId9"/>
-    <p:sldId id="264" r:id="rId10"/>
-    <p:sldId id="265" r:id="rId11"/>
-    <p:sldId id="266" r:id="rId12"/>
-    <p:sldId id="267" r:id="rId13"/>
+    <p:sldId id="257" r:id="rId2"/>
+    <p:sldId id="259" r:id="rId3"/>
+    <p:sldId id="261" r:id="rId4"/>
+    <p:sldId id="262" r:id="rId5"/>
+    <p:sldId id="263" r:id="rId6"/>
+    <p:sldId id="264" r:id="rId7"/>
+    <p:sldId id="265" r:id="rId8"/>
+    <p:sldId id="260" r:id="rId9"/>
+    <p:sldId id="266" r:id="rId10"/>
+    <p:sldId id="267" r:id="rId11"/>
+    <p:sldId id="268" r:id="rId12"/>
+    <p:sldId id="269" r:id="rId13"/>
   </p:sldIdLst>
   <p:sldSz cx="12192000" cy="6858000"/>
   <p:notesSz cx="6858000" cy="9144000"/>
@@ -123,6 +126,439 @@
 </p:presentation>
 </file>
 
+<file path=ppt/notesMasters/notesMaster1.xml><?xml version="1.0" encoding="utf-8"?>
+<p:notesMaster xmlns:a="http://schemas.openxmlformats.org/drawingml/2006/main" xmlns:r="http://schemas.openxmlformats.org/officeDocument/2006/relationships" xmlns:p="http://schemas.openxmlformats.org/presentationml/2006/main">
+  <p:cSld>
+    <p:bg>
+      <p:bgRef idx="1001">
+        <a:schemeClr val="bg1"/>
+      </p:bgRef>
+    </p:bg>
+    <p:spTree>
+      <p:nvGrpSpPr>
+        <p:cNvPr id="1" name=""/>
+        <p:cNvGrpSpPr/>
+        <p:nvPr/>
+      </p:nvGrpSpPr>
+      <p:grpSpPr>
+        <a:xfrm>
+          <a:off x="0" y="0"/>
+          <a:ext cx="0" cy="0"/>
+          <a:chOff x="0" y="0"/>
+          <a:chExt cx="0" cy="0"/>
+        </a:xfrm>
+      </p:grpSpPr>
+      <p:sp>
+        <p:nvSpPr>
+          <p:cNvPr id="2" name="页眉占位符 1"/>
+          <p:cNvSpPr>
+            <a:spLocks noGrp="1"/>
+          </p:cNvSpPr>
+          <p:nvPr>
+            <p:ph type="hdr" sz="quarter"/>
+          </p:nvPr>
+        </p:nvSpPr>
+        <p:spPr>
+          <a:xfrm>
+            <a:off x="0" y="0"/>
+            <a:ext cx="2971800" cy="458788"/>
+          </a:xfrm>
+          <a:prstGeom prst="rect">
+            <a:avLst/>
+          </a:prstGeom>
+        </p:spPr>
+        <p:txBody>
+          <a:bodyPr vert="horz" lIns="91440" tIns="45720" rIns="91440" bIns="45720" rtlCol="0"/>
+          <a:lstStyle>
+            <a:lvl1pPr algn="l">
+              <a:defRPr sz="1200"/>
+            </a:lvl1pPr>
+          </a:lstStyle>
+          <a:p>
+            <a:endParaRPr lang="zh-CN" altLang="en-US"/>
+          </a:p>
+        </p:txBody>
+      </p:sp>
+      <p:sp>
+        <p:nvSpPr>
+          <p:cNvPr id="3" name="日期占位符 2"/>
+          <p:cNvSpPr>
+            <a:spLocks noGrp="1"/>
+          </p:cNvSpPr>
+          <p:nvPr>
+            <p:ph type="dt" idx="1"/>
+          </p:nvPr>
+        </p:nvSpPr>
+        <p:spPr>
+          <a:xfrm>
+            <a:off x="3884613" y="0"/>
+            <a:ext cx="2971800" cy="458788"/>
+          </a:xfrm>
+          <a:prstGeom prst="rect">
+            <a:avLst/>
+          </a:prstGeom>
+        </p:spPr>
+        <p:txBody>
+          <a:bodyPr vert="horz" lIns="91440" tIns="45720" rIns="91440" bIns="45720" rtlCol="0"/>
+          <a:lstStyle>
+            <a:lvl1pPr algn="r">
+              <a:defRPr sz="1200"/>
+            </a:lvl1pPr>
+          </a:lstStyle>
+          <a:p>
+            <a:fld id="{94CE8993-793D-4733-90C8-425A02FD87B3}" type="datetimeFigureOut">
+              <a:rPr lang="zh-CN" altLang="en-US" smtClean="0"/>
+              <a:t>2024/11/23</a:t>
+            </a:fld>
+            <a:endParaRPr lang="zh-CN" altLang="en-US"/>
+          </a:p>
+        </p:txBody>
+      </p:sp>
+      <p:sp>
+        <p:nvSpPr>
+          <p:cNvPr id="4" name="幻灯片图像占位符 3"/>
+          <p:cNvSpPr>
+            <a:spLocks noGrp="1" noRot="1" noChangeAspect="1"/>
+          </p:cNvSpPr>
+          <p:nvPr>
+            <p:ph type="sldImg" idx="2"/>
+          </p:nvPr>
+        </p:nvSpPr>
+        <p:spPr>
+          <a:xfrm>
+            <a:off x="685800" y="1143000"/>
+            <a:ext cx="5486400" cy="3086100"/>
+          </a:xfrm>
+          <a:prstGeom prst="rect">
+            <a:avLst/>
+          </a:prstGeom>
+          <a:noFill/>
+          <a:ln w="12700">
+            <a:solidFill>
+              <a:prstClr val="black"/>
+            </a:solidFill>
+          </a:ln>
+        </p:spPr>
+        <p:txBody>
+          <a:bodyPr vert="horz" lIns="91440" tIns="45720" rIns="91440" bIns="45720" rtlCol="0" anchor="ctr"/>
+          <a:lstStyle/>
+          <a:p>
+            <a:endParaRPr lang="zh-CN" altLang="en-US"/>
+          </a:p>
+        </p:txBody>
+      </p:sp>
+      <p:sp>
+        <p:nvSpPr>
+          <p:cNvPr id="5" name="备注占位符 4"/>
+          <p:cNvSpPr>
+            <a:spLocks noGrp="1"/>
+          </p:cNvSpPr>
+          <p:nvPr>
+            <p:ph type="body" sz="quarter" idx="3"/>
+          </p:nvPr>
+        </p:nvSpPr>
+        <p:spPr>
+          <a:xfrm>
+            <a:off x="685800" y="4400550"/>
+            <a:ext cx="5486400" cy="3600450"/>
+          </a:xfrm>
+          <a:prstGeom prst="rect">
+            <a:avLst/>
+          </a:prstGeom>
+        </p:spPr>
+        <p:txBody>
+          <a:bodyPr vert="horz" lIns="91440" tIns="45720" rIns="91440" bIns="45720" rtlCol="0"/>
+          <a:lstStyle/>
+          <a:p>
+            <a:pPr lvl="0"/>
+            <a:r>
+              <a:rPr lang="zh-CN" altLang="en-US"/>
+              <a:t>单击此处编辑母版文本样式</a:t>
+            </a:r>
+          </a:p>
+          <a:p>
+            <a:pPr lvl="1"/>
+            <a:r>
+              <a:rPr lang="zh-CN" altLang="en-US"/>
+              <a:t>二级</a:t>
+            </a:r>
+          </a:p>
+          <a:p>
+            <a:pPr lvl="2"/>
+            <a:r>
+              <a:rPr lang="zh-CN" altLang="en-US"/>
+              <a:t>三级</a:t>
+            </a:r>
+          </a:p>
+          <a:p>
+            <a:pPr lvl="3"/>
+            <a:r>
+              <a:rPr lang="zh-CN" altLang="en-US"/>
+              <a:t>四级</a:t>
+            </a:r>
+          </a:p>
+          <a:p>
+            <a:pPr lvl="4"/>
+            <a:r>
+              <a:rPr lang="zh-CN" altLang="en-US"/>
+              <a:t>五级</a:t>
+            </a:r>
+          </a:p>
+        </p:txBody>
+      </p:sp>
+      <p:sp>
+        <p:nvSpPr>
+          <p:cNvPr id="6" name="页脚占位符 5"/>
+          <p:cNvSpPr>
+            <a:spLocks noGrp="1"/>
+          </p:cNvSpPr>
+          <p:nvPr>
+            <p:ph type="ftr" sz="quarter" idx="4"/>
+          </p:nvPr>
+        </p:nvSpPr>
+        <p:spPr>
+          <a:xfrm>
+            <a:off x="0" y="8685213"/>
+            <a:ext cx="2971800" cy="458787"/>
+          </a:xfrm>
+          <a:prstGeom prst="rect">
+            <a:avLst/>
+          </a:prstGeom>
+        </p:spPr>
+        <p:txBody>
+          <a:bodyPr vert="horz" lIns="91440" tIns="45720" rIns="91440" bIns="45720" rtlCol="0" anchor="b"/>
+          <a:lstStyle>
+            <a:lvl1pPr algn="l">
+              <a:defRPr sz="1200"/>
+            </a:lvl1pPr>
+          </a:lstStyle>
+          <a:p>
+            <a:endParaRPr lang="zh-CN" altLang="en-US"/>
+          </a:p>
+        </p:txBody>
+      </p:sp>
+      <p:sp>
+        <p:nvSpPr>
+          <p:cNvPr id="7" name="灯片编号占位符 6"/>
+          <p:cNvSpPr>
+            <a:spLocks noGrp="1"/>
+          </p:cNvSpPr>
+          <p:nvPr>
+            <p:ph type="sldNum" sz="quarter" idx="5"/>
+          </p:nvPr>
+        </p:nvSpPr>
+        <p:spPr>
+          <a:xfrm>
+            <a:off x="3884613" y="8685213"/>
+            <a:ext cx="2971800" cy="458787"/>
+          </a:xfrm>
+          <a:prstGeom prst="rect">
+            <a:avLst/>
+          </a:prstGeom>
+        </p:spPr>
+        <p:txBody>
+          <a:bodyPr vert="horz" lIns="91440" tIns="45720" rIns="91440" bIns="45720" rtlCol="0" anchor="b"/>
+          <a:lstStyle>
+            <a:lvl1pPr algn="r">
+              <a:defRPr sz="1200"/>
+            </a:lvl1pPr>
+          </a:lstStyle>
+          <a:p>
+            <a:fld id="{74703927-0ADE-4D7A-8FB2-8725BB3A76D8}" type="slidenum">
+              <a:rPr lang="zh-CN" altLang="en-US" smtClean="0"/>
+              <a:t>‹#›</a:t>
+            </a:fld>
+            <a:endParaRPr lang="zh-CN" altLang="en-US"/>
+          </a:p>
+        </p:txBody>
+      </p:sp>
+    </p:spTree>
+    <p:extLst>
+      <p:ext uri="{BB962C8B-B14F-4D97-AF65-F5344CB8AC3E}">
+        <p14:creationId xmlns:p14="http://schemas.microsoft.com/office/powerpoint/2010/main" val="2575155512"/>
+      </p:ext>
+    </p:extLst>
+  </p:cSld>
+  <p:clrMap bg1="lt1" tx1="dk1" bg2="lt2" tx2="dk2" accent1="accent1" accent2="accent2" accent3="accent3" accent4="accent4" accent5="accent5" accent6="accent6" hlink="hlink" folHlink="folHlink"/>
+  <p:notesStyle>
+    <a:lvl1pPr marL="0" algn="l" defTabSz="914400" rtl="0" eaLnBrk="1" latinLnBrk="0" hangingPunct="1">
+      <a:defRPr sz="1200" kern="1200">
+        <a:solidFill>
+          <a:schemeClr val="tx1"/>
+        </a:solidFill>
+        <a:latin typeface="+mn-lt"/>
+        <a:ea typeface="+mn-ea"/>
+        <a:cs typeface="+mn-cs"/>
+      </a:defRPr>
+    </a:lvl1pPr>
+    <a:lvl2pPr marL="457200" algn="l" defTabSz="914400" rtl="0" eaLnBrk="1" latinLnBrk="0" hangingPunct="1">
+      <a:defRPr sz="1200" kern="1200">
+        <a:solidFill>
+          <a:schemeClr val="tx1"/>
+        </a:solidFill>
+        <a:latin typeface="+mn-lt"/>
+        <a:ea typeface="+mn-ea"/>
+        <a:cs typeface="+mn-cs"/>
+      </a:defRPr>
+    </a:lvl2pPr>
+    <a:lvl3pPr marL="914400" algn="l" defTabSz="914400" rtl="0" eaLnBrk="1" latinLnBrk="0" hangingPunct="1">
+      <a:defRPr sz="1200" kern="1200">
+        <a:solidFill>
+          <a:schemeClr val="tx1"/>
+        </a:solidFill>
+        <a:latin typeface="+mn-lt"/>
+        <a:ea typeface="+mn-ea"/>
+        <a:cs typeface="+mn-cs"/>
+      </a:defRPr>
+    </a:lvl3pPr>
+    <a:lvl4pPr marL="1371600" algn="l" defTabSz="914400" rtl="0" eaLnBrk="1" latinLnBrk="0" hangingPunct="1">
+      <a:defRPr sz="1200" kern="1200">
+        <a:solidFill>
+          <a:schemeClr val="tx1"/>
+        </a:solidFill>
+        <a:latin typeface="+mn-lt"/>
+        <a:ea typeface="+mn-ea"/>
+        <a:cs typeface="+mn-cs"/>
+      </a:defRPr>
+    </a:lvl4pPr>
+    <a:lvl5pPr marL="1828800" algn="l" defTabSz="914400" rtl="0" eaLnBrk="1" latinLnBrk="0" hangingPunct="1">
+      <a:defRPr sz="1200" kern="1200">
+        <a:solidFill>
+          <a:schemeClr val="tx1"/>
+        </a:solidFill>
+        <a:latin typeface="+mn-lt"/>
+        <a:ea typeface="+mn-ea"/>
+        <a:cs typeface="+mn-cs"/>
+      </a:defRPr>
+    </a:lvl5pPr>
+    <a:lvl6pPr marL="2286000" algn="l" defTabSz="914400" rtl="0" eaLnBrk="1" latinLnBrk="0" hangingPunct="1">
+      <a:defRPr sz="1200" kern="1200">
+        <a:solidFill>
+          <a:schemeClr val="tx1"/>
+        </a:solidFill>
+        <a:latin typeface="+mn-lt"/>
+        <a:ea typeface="+mn-ea"/>
+        <a:cs typeface="+mn-cs"/>
+      </a:defRPr>
+    </a:lvl6pPr>
+    <a:lvl7pPr marL="2743200" algn="l" defTabSz="914400" rtl="0" eaLnBrk="1" latinLnBrk="0" hangingPunct="1">
+      <a:defRPr sz="1200" kern="1200">
+        <a:solidFill>
+          <a:schemeClr val="tx1"/>
+        </a:solidFill>
+        <a:latin typeface="+mn-lt"/>
+        <a:ea typeface="+mn-ea"/>
+        <a:cs typeface="+mn-cs"/>
+      </a:defRPr>
+    </a:lvl7pPr>
+    <a:lvl8pPr marL="3200400" algn="l" defTabSz="914400" rtl="0" eaLnBrk="1" latinLnBrk="0" hangingPunct="1">
+      <a:defRPr sz="1200" kern="1200">
+        <a:solidFill>
+          <a:schemeClr val="tx1"/>
+        </a:solidFill>
+        <a:latin typeface="+mn-lt"/>
+        <a:ea typeface="+mn-ea"/>
+        <a:cs typeface="+mn-cs"/>
+      </a:defRPr>
+    </a:lvl8pPr>
+    <a:lvl9pPr marL="3657600" algn="l" defTabSz="914400" rtl="0" eaLnBrk="1" latinLnBrk="0" hangingPunct="1">
+      <a:defRPr sz="1200" kern="1200">
+        <a:solidFill>
+          <a:schemeClr val="tx1"/>
+        </a:solidFill>
+        <a:latin typeface="+mn-lt"/>
+        <a:ea typeface="+mn-ea"/>
+        <a:cs typeface="+mn-cs"/>
+      </a:defRPr>
+    </a:lvl9pPr>
+  </p:notesStyle>
+</p:notesMaster>
+</file>
+
+<file path=ppt/notesSlides/notesSlide1.xml><?xml version="1.0" encoding="utf-8"?>
+<p:notes xmlns:a="http://schemas.openxmlformats.org/drawingml/2006/main" xmlns:r="http://schemas.openxmlformats.org/officeDocument/2006/relationships" xmlns:p="http://schemas.openxmlformats.org/presentationml/2006/main">
+  <p:cSld>
+    <p:spTree>
+      <p:nvGrpSpPr>
+        <p:cNvPr id="1" name=""/>
+        <p:cNvGrpSpPr/>
+        <p:nvPr/>
+      </p:nvGrpSpPr>
+      <p:grpSpPr>
+        <a:xfrm>
+          <a:off x="0" y="0"/>
+          <a:ext cx="0" cy="0"/>
+          <a:chOff x="0" y="0"/>
+          <a:chExt cx="0" cy="0"/>
+        </a:xfrm>
+      </p:grpSpPr>
+      <p:sp>
+        <p:nvSpPr>
+          <p:cNvPr id="2" name="幻灯片图像占位符 1"/>
+          <p:cNvSpPr>
+            <a:spLocks noGrp="1" noRot="1" noChangeAspect="1"/>
+          </p:cNvSpPr>
+          <p:nvPr>
+            <p:ph type="sldImg"/>
+          </p:nvPr>
+        </p:nvSpPr>
+        <p:spPr/>
+      </p:sp>
+      <p:sp>
+        <p:nvSpPr>
+          <p:cNvPr id="3" name="备注占位符 2"/>
+          <p:cNvSpPr>
+            <a:spLocks noGrp="1"/>
+          </p:cNvSpPr>
+          <p:nvPr>
+            <p:ph type="body" idx="1"/>
+          </p:nvPr>
+        </p:nvSpPr>
+        <p:spPr/>
+        <p:txBody>
+          <a:bodyPr/>
+          <a:lstStyle/>
+          <a:p>
+            <a:endParaRPr lang="zh-CN" altLang="en-US" dirty="0"/>
+          </a:p>
+        </p:txBody>
+      </p:sp>
+      <p:sp>
+        <p:nvSpPr>
+          <p:cNvPr id="4" name="灯片编号占位符 3"/>
+          <p:cNvSpPr>
+            <a:spLocks noGrp="1"/>
+          </p:cNvSpPr>
+          <p:nvPr>
+            <p:ph type="sldNum" sz="quarter" idx="5"/>
+          </p:nvPr>
+        </p:nvSpPr>
+        <p:spPr/>
+        <p:txBody>
+          <a:bodyPr/>
+          <a:lstStyle/>
+          <a:p>
+            <a:fld id="{74703927-0ADE-4D7A-8FB2-8725BB3A76D8}" type="slidenum">
+              <a:rPr lang="zh-CN" altLang="en-US" smtClean="0"/>
+              <a:t>7</a:t>
+            </a:fld>
+            <a:endParaRPr lang="zh-CN" altLang="en-US"/>
+          </a:p>
+        </p:txBody>
+      </p:sp>
+    </p:spTree>
+    <p:extLst>
+      <p:ext uri="{BB962C8B-B14F-4D97-AF65-F5344CB8AC3E}">
+        <p14:creationId xmlns:p14="http://schemas.microsoft.com/office/powerpoint/2010/main" val="504333705"/>
+      </p:ext>
+    </p:extLst>
+  </p:cSld>
+  <p:clrMapOvr>
+    <a:masterClrMapping/>
+  </p:clrMapOvr>
+</p:notes>
+</file>
+
 <file path=ppt/slideLayouts/slideLayout1.xml><?xml version="1.0" encoding="utf-8"?>
 <p:sldLayout xmlns:a="http://schemas.openxmlformats.org/drawingml/2006/main" xmlns:r="http://schemas.openxmlformats.org/officeDocument/2006/relationships" xmlns:p="http://schemas.openxmlformats.org/presentationml/2006/main" type="title" preserve="1">
   <p:cSld name="标题幻灯片">
@@ -145,7 +581,7 @@
           <p:cNvPr id="2" name="标题 1">
             <a:extLst>
               <a:ext uri="{FF2B5EF4-FFF2-40B4-BE49-F238E27FC236}">
-                <a16:creationId xmlns:a16="http://schemas.microsoft.com/office/drawing/2014/main" id="{A8CA6D26-3B9A-4D83-818B-D03783A46B60}"/>
+                <a16:creationId xmlns:a16="http://schemas.microsoft.com/office/drawing/2014/main" id="{4CC6956B-BF53-4C07-BB48-826A31F424C1}"/>
               </a:ext>
             </a:extLst>
           </p:cNvPr>
@@ -182,7 +618,7 @@
           <p:cNvPr id="3" name="副标题 2">
             <a:extLst>
               <a:ext uri="{FF2B5EF4-FFF2-40B4-BE49-F238E27FC236}">
-                <a16:creationId xmlns:a16="http://schemas.microsoft.com/office/drawing/2014/main" id="{57589FC3-5BAD-434D-9971-BA7B4469B29F}"/>
+                <a16:creationId xmlns:a16="http://schemas.microsoft.com/office/drawing/2014/main" id="{0EB31580-8316-471F-BB54-BC0A05359526}"/>
               </a:ext>
             </a:extLst>
           </p:cNvPr>
@@ -252,7 +688,7 @@
           <p:cNvPr id="4" name="日期占位符 3">
             <a:extLst>
               <a:ext uri="{FF2B5EF4-FFF2-40B4-BE49-F238E27FC236}">
-                <a16:creationId xmlns:a16="http://schemas.microsoft.com/office/drawing/2014/main" id="{A3C25A73-0B5B-467B-97B8-C370CACDFF6F}"/>
+                <a16:creationId xmlns:a16="http://schemas.microsoft.com/office/drawing/2014/main" id="{6F06CBC0-F7E9-46CE-AA49-72B1AEF32CD6}"/>
               </a:ext>
             </a:extLst>
           </p:cNvPr>
@@ -268,9 +704,9 @@
           <a:bodyPr/>
           <a:lstStyle/>
           <a:p>
-            <a:fld id="{BD6F928D-C15F-4A93-A3B9-C0BA77327B50}" type="datetimeFigureOut">
+            <a:fld id="{D51152E2-A90B-4A10-BAB2-A0BA915797FF}" type="datetimeFigureOut">
               <a:rPr lang="zh-CN" altLang="en-US" smtClean="0"/>
-              <a:t>2024/10/17</a:t>
+              <a:t>2024/11/23</a:t>
             </a:fld>
             <a:endParaRPr lang="zh-CN" altLang="en-US"/>
           </a:p>
@@ -281,7 +717,7 @@
           <p:cNvPr id="5" name="页脚占位符 4">
             <a:extLst>
               <a:ext uri="{FF2B5EF4-FFF2-40B4-BE49-F238E27FC236}">
-                <a16:creationId xmlns:a16="http://schemas.microsoft.com/office/drawing/2014/main" id="{BFF26C22-6B86-49CC-897B-BFDFE97D7E5F}"/>
+                <a16:creationId xmlns:a16="http://schemas.microsoft.com/office/drawing/2014/main" id="{8A2206FC-C164-4946-B6DB-49B2BF5844BE}"/>
               </a:ext>
             </a:extLst>
           </p:cNvPr>
@@ -306,7 +742,7 @@
           <p:cNvPr id="6" name="灯片编号占位符 5">
             <a:extLst>
               <a:ext uri="{FF2B5EF4-FFF2-40B4-BE49-F238E27FC236}">
-                <a16:creationId xmlns:a16="http://schemas.microsoft.com/office/drawing/2014/main" id="{3A402371-18EF-417D-B178-B1412782701D}"/>
+                <a16:creationId xmlns:a16="http://schemas.microsoft.com/office/drawing/2014/main" id="{4187E50B-72A7-4DF4-8EBF-77C29ABE9CBD}"/>
               </a:ext>
             </a:extLst>
           </p:cNvPr>
@@ -322,7 +758,7 @@
           <a:bodyPr/>
           <a:lstStyle/>
           <a:p>
-            <a:fld id="{DCF9F7DE-F3F8-4128-81C0-8BA386605225}" type="slidenum">
+            <a:fld id="{9B3D60AC-2F6B-4ED5-9389-D4B6ECBDCF90}" type="slidenum">
               <a:rPr lang="zh-CN" altLang="en-US" smtClean="0"/>
               <a:t>‹#›</a:t>
             </a:fld>
@@ -333,7 +769,7 @@
     </p:spTree>
     <p:extLst>
       <p:ext uri="{BB962C8B-B14F-4D97-AF65-F5344CB8AC3E}">
-        <p14:creationId xmlns:p14="http://schemas.microsoft.com/office/powerpoint/2010/main" val="75956398"/>
+        <p14:creationId xmlns:p14="http://schemas.microsoft.com/office/powerpoint/2010/main" val="1146636785"/>
       </p:ext>
     </p:extLst>
   </p:cSld>
@@ -365,7 +801,7 @@
           <p:cNvPr id="2" name="标题 1">
             <a:extLst>
               <a:ext uri="{FF2B5EF4-FFF2-40B4-BE49-F238E27FC236}">
-                <a16:creationId xmlns:a16="http://schemas.microsoft.com/office/drawing/2014/main" id="{2C9B4E45-CE5B-4665-AC36-6E923FF41EAF}"/>
+                <a16:creationId xmlns:a16="http://schemas.microsoft.com/office/drawing/2014/main" id="{216AE1D5-58D8-4796-8A03-CDA1449EA236}"/>
               </a:ext>
             </a:extLst>
           </p:cNvPr>
@@ -393,7 +829,7 @@
           <p:cNvPr id="3" name="竖排文字占位符 2">
             <a:extLst>
               <a:ext uri="{FF2B5EF4-FFF2-40B4-BE49-F238E27FC236}">
-                <a16:creationId xmlns:a16="http://schemas.microsoft.com/office/drawing/2014/main" id="{2E571720-5E74-4149-B787-87AD030E7237}"/>
+                <a16:creationId xmlns:a16="http://schemas.microsoft.com/office/drawing/2014/main" id="{0643CB6B-0F0F-4399-8D45-E45F4B234F9C}"/>
               </a:ext>
             </a:extLst>
           </p:cNvPr>
@@ -450,7 +886,7 @@
           <p:cNvPr id="4" name="日期占位符 3">
             <a:extLst>
               <a:ext uri="{FF2B5EF4-FFF2-40B4-BE49-F238E27FC236}">
-                <a16:creationId xmlns:a16="http://schemas.microsoft.com/office/drawing/2014/main" id="{9AD805BF-95AB-45D5-9033-86CBBA25FCBD}"/>
+                <a16:creationId xmlns:a16="http://schemas.microsoft.com/office/drawing/2014/main" id="{473473EC-55AE-4982-8B2D-B4CE3E6116A5}"/>
               </a:ext>
             </a:extLst>
           </p:cNvPr>
@@ -466,9 +902,9 @@
           <a:bodyPr/>
           <a:lstStyle/>
           <a:p>
-            <a:fld id="{BD6F928D-C15F-4A93-A3B9-C0BA77327B50}" type="datetimeFigureOut">
+            <a:fld id="{D51152E2-A90B-4A10-BAB2-A0BA915797FF}" type="datetimeFigureOut">
               <a:rPr lang="zh-CN" altLang="en-US" smtClean="0"/>
-              <a:t>2024/10/17</a:t>
+              <a:t>2024/11/23</a:t>
             </a:fld>
             <a:endParaRPr lang="zh-CN" altLang="en-US"/>
           </a:p>
@@ -479,7 +915,7 @@
           <p:cNvPr id="5" name="页脚占位符 4">
             <a:extLst>
               <a:ext uri="{FF2B5EF4-FFF2-40B4-BE49-F238E27FC236}">
-                <a16:creationId xmlns:a16="http://schemas.microsoft.com/office/drawing/2014/main" id="{CCA67226-F865-4281-979B-14D2D4567656}"/>
+                <a16:creationId xmlns:a16="http://schemas.microsoft.com/office/drawing/2014/main" id="{69658635-077B-4BF4-8339-158A7FC58624}"/>
               </a:ext>
             </a:extLst>
           </p:cNvPr>
@@ -504,7 +940,7 @@
           <p:cNvPr id="6" name="灯片编号占位符 5">
             <a:extLst>
               <a:ext uri="{FF2B5EF4-FFF2-40B4-BE49-F238E27FC236}">
-                <a16:creationId xmlns:a16="http://schemas.microsoft.com/office/drawing/2014/main" id="{44BB7CBF-82F8-4F28-860C-8144AF141B31}"/>
+                <a16:creationId xmlns:a16="http://schemas.microsoft.com/office/drawing/2014/main" id="{CA9DC575-AC39-4674-8E2E-221B84DE5544}"/>
               </a:ext>
             </a:extLst>
           </p:cNvPr>
@@ -520,7 +956,7 @@
           <a:bodyPr/>
           <a:lstStyle/>
           <a:p>
-            <a:fld id="{DCF9F7DE-F3F8-4128-81C0-8BA386605225}" type="slidenum">
+            <a:fld id="{9B3D60AC-2F6B-4ED5-9389-D4B6ECBDCF90}" type="slidenum">
               <a:rPr lang="zh-CN" altLang="en-US" smtClean="0"/>
               <a:t>‹#›</a:t>
             </a:fld>
@@ -531,7 +967,7 @@
     </p:spTree>
     <p:extLst>
       <p:ext uri="{BB962C8B-B14F-4D97-AF65-F5344CB8AC3E}">
-        <p14:creationId xmlns:p14="http://schemas.microsoft.com/office/powerpoint/2010/main" val="1542812877"/>
+        <p14:creationId xmlns:p14="http://schemas.microsoft.com/office/powerpoint/2010/main" val="552515218"/>
       </p:ext>
     </p:extLst>
   </p:cSld>
@@ -563,7 +999,7 @@
           <p:cNvPr id="2" name="竖排标题 1">
             <a:extLst>
               <a:ext uri="{FF2B5EF4-FFF2-40B4-BE49-F238E27FC236}">
-                <a16:creationId xmlns:a16="http://schemas.microsoft.com/office/drawing/2014/main" id="{23B75FAF-83F1-4B59-ADC2-C979D5EBCE47}"/>
+                <a16:creationId xmlns:a16="http://schemas.microsoft.com/office/drawing/2014/main" id="{A34AA68D-C6B9-431E-84EB-43C4D24D3FF1}"/>
               </a:ext>
             </a:extLst>
           </p:cNvPr>
@@ -596,7 +1032,7 @@
           <p:cNvPr id="3" name="竖排文字占位符 2">
             <a:extLst>
               <a:ext uri="{FF2B5EF4-FFF2-40B4-BE49-F238E27FC236}">
-                <a16:creationId xmlns:a16="http://schemas.microsoft.com/office/drawing/2014/main" id="{83DC2639-E9D4-45F8-8B3F-A02D8F1BA970}"/>
+                <a16:creationId xmlns:a16="http://schemas.microsoft.com/office/drawing/2014/main" id="{252F65C0-3CEC-4F34-9FED-DDDE31303A05}"/>
               </a:ext>
             </a:extLst>
           </p:cNvPr>
@@ -658,7 +1094,7 @@
           <p:cNvPr id="4" name="日期占位符 3">
             <a:extLst>
               <a:ext uri="{FF2B5EF4-FFF2-40B4-BE49-F238E27FC236}">
-                <a16:creationId xmlns:a16="http://schemas.microsoft.com/office/drawing/2014/main" id="{F0662943-55BD-46CB-856C-2D70079E57AD}"/>
+                <a16:creationId xmlns:a16="http://schemas.microsoft.com/office/drawing/2014/main" id="{070F92C8-46DB-4087-810C-D0336C3CF5E6}"/>
               </a:ext>
             </a:extLst>
           </p:cNvPr>
@@ -674,9 +1110,9 @@
           <a:bodyPr/>
           <a:lstStyle/>
           <a:p>
-            <a:fld id="{BD6F928D-C15F-4A93-A3B9-C0BA77327B50}" type="datetimeFigureOut">
+            <a:fld id="{D51152E2-A90B-4A10-BAB2-A0BA915797FF}" type="datetimeFigureOut">
               <a:rPr lang="zh-CN" altLang="en-US" smtClean="0"/>
-              <a:t>2024/10/17</a:t>
+              <a:t>2024/11/23</a:t>
             </a:fld>
             <a:endParaRPr lang="zh-CN" altLang="en-US"/>
           </a:p>
@@ -687,7 +1123,7 @@
           <p:cNvPr id="5" name="页脚占位符 4">
             <a:extLst>
               <a:ext uri="{FF2B5EF4-FFF2-40B4-BE49-F238E27FC236}">
-                <a16:creationId xmlns:a16="http://schemas.microsoft.com/office/drawing/2014/main" id="{BEFA57A1-09CD-4BEA-B881-90016252A7AA}"/>
+                <a16:creationId xmlns:a16="http://schemas.microsoft.com/office/drawing/2014/main" id="{A951FBB4-4B53-45A8-9DFE-D6740BBE8336}"/>
               </a:ext>
             </a:extLst>
           </p:cNvPr>
@@ -712,7 +1148,7 @@
           <p:cNvPr id="6" name="灯片编号占位符 5">
             <a:extLst>
               <a:ext uri="{FF2B5EF4-FFF2-40B4-BE49-F238E27FC236}">
-                <a16:creationId xmlns:a16="http://schemas.microsoft.com/office/drawing/2014/main" id="{6DCE1268-1484-4E26-AADE-8F43DCCB5B83}"/>
+                <a16:creationId xmlns:a16="http://schemas.microsoft.com/office/drawing/2014/main" id="{3CBCE6F3-2244-48C5-94DE-00A31550132C}"/>
               </a:ext>
             </a:extLst>
           </p:cNvPr>
@@ -728,7 +1164,7 @@
           <a:bodyPr/>
           <a:lstStyle/>
           <a:p>
-            <a:fld id="{DCF9F7DE-F3F8-4128-81C0-8BA386605225}" type="slidenum">
+            <a:fld id="{9B3D60AC-2F6B-4ED5-9389-D4B6ECBDCF90}" type="slidenum">
               <a:rPr lang="zh-CN" altLang="en-US" smtClean="0"/>
               <a:t>‹#›</a:t>
             </a:fld>
@@ -739,7 +1175,7 @@
     </p:spTree>
     <p:extLst>
       <p:ext uri="{BB962C8B-B14F-4D97-AF65-F5344CB8AC3E}">
-        <p14:creationId xmlns:p14="http://schemas.microsoft.com/office/powerpoint/2010/main" val="3438246866"/>
+        <p14:creationId xmlns:p14="http://schemas.microsoft.com/office/powerpoint/2010/main" val="1644013445"/>
       </p:ext>
     </p:extLst>
   </p:cSld>
@@ -771,7 +1207,7 @@
           <p:cNvPr id="2" name="标题 1">
             <a:extLst>
               <a:ext uri="{FF2B5EF4-FFF2-40B4-BE49-F238E27FC236}">
-                <a16:creationId xmlns:a16="http://schemas.microsoft.com/office/drawing/2014/main" id="{B23832DB-3092-436F-892E-77315DBD76B0}"/>
+                <a16:creationId xmlns:a16="http://schemas.microsoft.com/office/drawing/2014/main" id="{CFF29726-AEFA-48E8-88F7-A661896FF8B9}"/>
               </a:ext>
             </a:extLst>
           </p:cNvPr>
@@ -799,7 +1235,7 @@
           <p:cNvPr id="3" name="内容占位符 2">
             <a:extLst>
               <a:ext uri="{FF2B5EF4-FFF2-40B4-BE49-F238E27FC236}">
-                <a16:creationId xmlns:a16="http://schemas.microsoft.com/office/drawing/2014/main" id="{B9A15017-A70A-44B7-A1EA-F2AEB4A9818B}"/>
+                <a16:creationId xmlns:a16="http://schemas.microsoft.com/office/drawing/2014/main" id="{7EDD6BC9-2E45-45D4-A357-490206C2B51E}"/>
               </a:ext>
             </a:extLst>
           </p:cNvPr>
@@ -856,7 +1292,7 @@
           <p:cNvPr id="4" name="日期占位符 3">
             <a:extLst>
               <a:ext uri="{FF2B5EF4-FFF2-40B4-BE49-F238E27FC236}">
-                <a16:creationId xmlns:a16="http://schemas.microsoft.com/office/drawing/2014/main" id="{D6F19644-5505-4501-8F77-5902E4800626}"/>
+                <a16:creationId xmlns:a16="http://schemas.microsoft.com/office/drawing/2014/main" id="{C08BD110-AA04-4EA3-A74E-C1DD6B6A73C0}"/>
               </a:ext>
             </a:extLst>
           </p:cNvPr>
@@ -872,9 +1308,9 @@
           <a:bodyPr/>
           <a:lstStyle/>
           <a:p>
-            <a:fld id="{BD6F928D-C15F-4A93-A3B9-C0BA77327B50}" type="datetimeFigureOut">
+            <a:fld id="{D51152E2-A90B-4A10-BAB2-A0BA915797FF}" type="datetimeFigureOut">
               <a:rPr lang="zh-CN" altLang="en-US" smtClean="0"/>
-              <a:t>2024/10/17</a:t>
+              <a:t>2024/11/23</a:t>
             </a:fld>
             <a:endParaRPr lang="zh-CN" altLang="en-US"/>
           </a:p>
@@ -885,7 +1321,7 @@
           <p:cNvPr id="5" name="页脚占位符 4">
             <a:extLst>
               <a:ext uri="{FF2B5EF4-FFF2-40B4-BE49-F238E27FC236}">
-                <a16:creationId xmlns:a16="http://schemas.microsoft.com/office/drawing/2014/main" id="{69E8CF77-6CAA-4CBE-998F-C983542EBF93}"/>
+                <a16:creationId xmlns:a16="http://schemas.microsoft.com/office/drawing/2014/main" id="{ED08DF1E-F3D4-4544-815D-03122528D587}"/>
               </a:ext>
             </a:extLst>
           </p:cNvPr>
@@ -910,7 +1346,7 @@
           <p:cNvPr id="6" name="灯片编号占位符 5">
             <a:extLst>
               <a:ext uri="{FF2B5EF4-FFF2-40B4-BE49-F238E27FC236}">
-                <a16:creationId xmlns:a16="http://schemas.microsoft.com/office/drawing/2014/main" id="{F0C735FB-F8A3-4FB9-AC1E-D46B699EC2A7}"/>
+                <a16:creationId xmlns:a16="http://schemas.microsoft.com/office/drawing/2014/main" id="{B4A57038-F55C-4F78-BA3D-4F3795FED8A3}"/>
               </a:ext>
             </a:extLst>
           </p:cNvPr>
@@ -926,7 +1362,7 @@
           <a:bodyPr/>
           <a:lstStyle/>
           <a:p>
-            <a:fld id="{DCF9F7DE-F3F8-4128-81C0-8BA386605225}" type="slidenum">
+            <a:fld id="{9B3D60AC-2F6B-4ED5-9389-D4B6ECBDCF90}" type="slidenum">
               <a:rPr lang="zh-CN" altLang="en-US" smtClean="0"/>
               <a:t>‹#›</a:t>
             </a:fld>
@@ -937,7 +1373,7 @@
     </p:spTree>
     <p:extLst>
       <p:ext uri="{BB962C8B-B14F-4D97-AF65-F5344CB8AC3E}">
-        <p14:creationId xmlns:p14="http://schemas.microsoft.com/office/powerpoint/2010/main" val="2593461601"/>
+        <p14:creationId xmlns:p14="http://schemas.microsoft.com/office/powerpoint/2010/main" val="4069055800"/>
       </p:ext>
     </p:extLst>
   </p:cSld>
@@ -969,7 +1405,7 @@
           <p:cNvPr id="2" name="标题 1">
             <a:extLst>
               <a:ext uri="{FF2B5EF4-FFF2-40B4-BE49-F238E27FC236}">
-                <a16:creationId xmlns:a16="http://schemas.microsoft.com/office/drawing/2014/main" id="{8F7275F9-1B4E-4B13-B1F7-90B03ABCC25F}"/>
+                <a16:creationId xmlns:a16="http://schemas.microsoft.com/office/drawing/2014/main" id="{41484BB0-91B7-4A1F-9B27-0FF04126E0E7}"/>
               </a:ext>
             </a:extLst>
           </p:cNvPr>
@@ -1006,7 +1442,7 @@
           <p:cNvPr id="3" name="文本占位符 2">
             <a:extLst>
               <a:ext uri="{FF2B5EF4-FFF2-40B4-BE49-F238E27FC236}">
-                <a16:creationId xmlns:a16="http://schemas.microsoft.com/office/drawing/2014/main" id="{53B7E9F4-ED5F-45A9-870C-05C3ECA231A5}"/>
+                <a16:creationId xmlns:a16="http://schemas.microsoft.com/office/drawing/2014/main" id="{C8785DF3-51F3-4A37-B1B9-5AB2E66CEEAB}"/>
               </a:ext>
             </a:extLst>
           </p:cNvPr>
@@ -1131,7 +1567,7 @@
           <p:cNvPr id="4" name="日期占位符 3">
             <a:extLst>
               <a:ext uri="{FF2B5EF4-FFF2-40B4-BE49-F238E27FC236}">
-                <a16:creationId xmlns:a16="http://schemas.microsoft.com/office/drawing/2014/main" id="{984DCC83-263F-43AB-91B0-E41301483048}"/>
+                <a16:creationId xmlns:a16="http://schemas.microsoft.com/office/drawing/2014/main" id="{32FE184F-A133-441C-B3AC-1C78E9886ACB}"/>
               </a:ext>
             </a:extLst>
           </p:cNvPr>
@@ -1147,9 +1583,9 @@
           <a:bodyPr/>
           <a:lstStyle/>
           <a:p>
-            <a:fld id="{BD6F928D-C15F-4A93-A3B9-C0BA77327B50}" type="datetimeFigureOut">
+            <a:fld id="{D51152E2-A90B-4A10-BAB2-A0BA915797FF}" type="datetimeFigureOut">
               <a:rPr lang="zh-CN" altLang="en-US" smtClean="0"/>
-              <a:t>2024/10/17</a:t>
+              <a:t>2024/11/23</a:t>
             </a:fld>
             <a:endParaRPr lang="zh-CN" altLang="en-US"/>
           </a:p>
@@ -1160,7 +1596,7 @@
           <p:cNvPr id="5" name="页脚占位符 4">
             <a:extLst>
               <a:ext uri="{FF2B5EF4-FFF2-40B4-BE49-F238E27FC236}">
-                <a16:creationId xmlns:a16="http://schemas.microsoft.com/office/drawing/2014/main" id="{42BA59F5-DC00-4AC8-9289-64AD9035942E}"/>
+                <a16:creationId xmlns:a16="http://schemas.microsoft.com/office/drawing/2014/main" id="{A0EA12D1-4312-4693-8330-1C8DC45A33AB}"/>
               </a:ext>
             </a:extLst>
           </p:cNvPr>
@@ -1185,7 +1621,7 @@
           <p:cNvPr id="6" name="灯片编号占位符 5">
             <a:extLst>
               <a:ext uri="{FF2B5EF4-FFF2-40B4-BE49-F238E27FC236}">
-                <a16:creationId xmlns:a16="http://schemas.microsoft.com/office/drawing/2014/main" id="{07D22916-C5B8-436B-BB98-4E1E95C724BE}"/>
+                <a16:creationId xmlns:a16="http://schemas.microsoft.com/office/drawing/2014/main" id="{25B08E8D-E18A-4485-A687-B2CA582C0C4E}"/>
               </a:ext>
             </a:extLst>
           </p:cNvPr>
@@ -1201,7 +1637,7 @@
           <a:bodyPr/>
           <a:lstStyle/>
           <a:p>
-            <a:fld id="{DCF9F7DE-F3F8-4128-81C0-8BA386605225}" type="slidenum">
+            <a:fld id="{9B3D60AC-2F6B-4ED5-9389-D4B6ECBDCF90}" type="slidenum">
               <a:rPr lang="zh-CN" altLang="en-US" smtClean="0"/>
               <a:t>‹#›</a:t>
             </a:fld>
@@ -1212,7 +1648,7 @@
     </p:spTree>
     <p:extLst>
       <p:ext uri="{BB962C8B-B14F-4D97-AF65-F5344CB8AC3E}">
-        <p14:creationId xmlns:p14="http://schemas.microsoft.com/office/powerpoint/2010/main" val="728634800"/>
+        <p14:creationId xmlns:p14="http://schemas.microsoft.com/office/powerpoint/2010/main" val="1214037120"/>
       </p:ext>
     </p:extLst>
   </p:cSld>
@@ -1244,7 +1680,7 @@
           <p:cNvPr id="2" name="标题 1">
             <a:extLst>
               <a:ext uri="{FF2B5EF4-FFF2-40B4-BE49-F238E27FC236}">
-                <a16:creationId xmlns:a16="http://schemas.microsoft.com/office/drawing/2014/main" id="{BDECF068-9A11-48C9-8208-B32663A4C0AF}"/>
+                <a16:creationId xmlns:a16="http://schemas.microsoft.com/office/drawing/2014/main" id="{3A7EC6AD-152C-4CC2-8EB6-48CC02028134}"/>
               </a:ext>
             </a:extLst>
           </p:cNvPr>
@@ -1272,7 +1708,7 @@
           <p:cNvPr id="3" name="内容占位符 2">
             <a:extLst>
               <a:ext uri="{FF2B5EF4-FFF2-40B4-BE49-F238E27FC236}">
-                <a16:creationId xmlns:a16="http://schemas.microsoft.com/office/drawing/2014/main" id="{D42C4059-E3A7-4362-8E6D-FB78FFDB99EC}"/>
+                <a16:creationId xmlns:a16="http://schemas.microsoft.com/office/drawing/2014/main" id="{6504E59F-65B3-4D4E-8009-D8C609E288BF}"/>
               </a:ext>
             </a:extLst>
           </p:cNvPr>
@@ -1334,7 +1770,7 @@
           <p:cNvPr id="4" name="内容占位符 3">
             <a:extLst>
               <a:ext uri="{FF2B5EF4-FFF2-40B4-BE49-F238E27FC236}">
-                <a16:creationId xmlns:a16="http://schemas.microsoft.com/office/drawing/2014/main" id="{0FF0DDC8-83AB-408E-9A15-061C02C72042}"/>
+                <a16:creationId xmlns:a16="http://schemas.microsoft.com/office/drawing/2014/main" id="{7A3CFE63-0820-4828-A90C-C6E53139C1BF}"/>
               </a:ext>
             </a:extLst>
           </p:cNvPr>
@@ -1396,7 +1832,7 @@
           <p:cNvPr id="5" name="日期占位符 4">
             <a:extLst>
               <a:ext uri="{FF2B5EF4-FFF2-40B4-BE49-F238E27FC236}">
-                <a16:creationId xmlns:a16="http://schemas.microsoft.com/office/drawing/2014/main" id="{3B17FF66-8295-47AA-904D-45DCC54BEA35}"/>
+                <a16:creationId xmlns:a16="http://schemas.microsoft.com/office/drawing/2014/main" id="{4D65FC28-6D95-453E-AC99-91D72AE3BAE4}"/>
               </a:ext>
             </a:extLst>
           </p:cNvPr>
@@ -1412,9 +1848,9 @@
           <a:bodyPr/>
           <a:lstStyle/>
           <a:p>
-            <a:fld id="{BD6F928D-C15F-4A93-A3B9-C0BA77327B50}" type="datetimeFigureOut">
+            <a:fld id="{D51152E2-A90B-4A10-BAB2-A0BA915797FF}" type="datetimeFigureOut">
               <a:rPr lang="zh-CN" altLang="en-US" smtClean="0"/>
-              <a:t>2024/10/17</a:t>
+              <a:t>2024/11/23</a:t>
             </a:fld>
             <a:endParaRPr lang="zh-CN" altLang="en-US"/>
           </a:p>
@@ -1425,7 +1861,7 @@
           <p:cNvPr id="6" name="页脚占位符 5">
             <a:extLst>
               <a:ext uri="{FF2B5EF4-FFF2-40B4-BE49-F238E27FC236}">
-                <a16:creationId xmlns:a16="http://schemas.microsoft.com/office/drawing/2014/main" id="{E76EA7F5-3877-4E29-AD68-84C8CDA7620A}"/>
+                <a16:creationId xmlns:a16="http://schemas.microsoft.com/office/drawing/2014/main" id="{FA921C9D-4884-4722-A7B7-D9BA512E5795}"/>
               </a:ext>
             </a:extLst>
           </p:cNvPr>
@@ -1450,7 +1886,7 @@
           <p:cNvPr id="7" name="灯片编号占位符 6">
             <a:extLst>
               <a:ext uri="{FF2B5EF4-FFF2-40B4-BE49-F238E27FC236}">
-                <a16:creationId xmlns:a16="http://schemas.microsoft.com/office/drawing/2014/main" id="{516919D0-77C4-48CC-AC11-8D0719EB3ACF}"/>
+                <a16:creationId xmlns:a16="http://schemas.microsoft.com/office/drawing/2014/main" id="{4002EECE-E689-4070-9156-494F265E61FF}"/>
               </a:ext>
             </a:extLst>
           </p:cNvPr>
@@ -1466,7 +1902,7 @@
           <a:bodyPr/>
           <a:lstStyle/>
           <a:p>
-            <a:fld id="{DCF9F7DE-F3F8-4128-81C0-8BA386605225}" type="slidenum">
+            <a:fld id="{9B3D60AC-2F6B-4ED5-9389-D4B6ECBDCF90}" type="slidenum">
               <a:rPr lang="zh-CN" altLang="en-US" smtClean="0"/>
               <a:t>‹#›</a:t>
             </a:fld>
@@ -1477,7 +1913,7 @@
     </p:spTree>
     <p:extLst>
       <p:ext uri="{BB962C8B-B14F-4D97-AF65-F5344CB8AC3E}">
-        <p14:creationId xmlns:p14="http://schemas.microsoft.com/office/powerpoint/2010/main" val="564534166"/>
+        <p14:creationId xmlns:p14="http://schemas.microsoft.com/office/powerpoint/2010/main" val="2159020064"/>
       </p:ext>
     </p:extLst>
   </p:cSld>
@@ -1509,7 +1945,7 @@
           <p:cNvPr id="2" name="标题 1">
             <a:extLst>
               <a:ext uri="{FF2B5EF4-FFF2-40B4-BE49-F238E27FC236}">
-                <a16:creationId xmlns:a16="http://schemas.microsoft.com/office/drawing/2014/main" id="{1595F986-345E-45EC-A666-5E057C048898}"/>
+                <a16:creationId xmlns:a16="http://schemas.microsoft.com/office/drawing/2014/main" id="{6EB1B2A4-CEEB-4CF0-80F2-74CB800F1A36}"/>
               </a:ext>
             </a:extLst>
           </p:cNvPr>
@@ -1542,7 +1978,7 @@
           <p:cNvPr id="3" name="文本占位符 2">
             <a:extLst>
               <a:ext uri="{FF2B5EF4-FFF2-40B4-BE49-F238E27FC236}">
-                <a16:creationId xmlns:a16="http://schemas.microsoft.com/office/drawing/2014/main" id="{5EBA4052-61A1-416E-A71E-95845347620C}"/>
+                <a16:creationId xmlns:a16="http://schemas.microsoft.com/office/drawing/2014/main" id="{726094AD-9B8F-428B-96E9-C9A0AA840D66}"/>
               </a:ext>
             </a:extLst>
           </p:cNvPr>
@@ -1613,7 +2049,7 @@
           <p:cNvPr id="4" name="内容占位符 3">
             <a:extLst>
               <a:ext uri="{FF2B5EF4-FFF2-40B4-BE49-F238E27FC236}">
-                <a16:creationId xmlns:a16="http://schemas.microsoft.com/office/drawing/2014/main" id="{10029E8B-9A92-4818-8C01-4DB8E0A05E99}"/>
+                <a16:creationId xmlns:a16="http://schemas.microsoft.com/office/drawing/2014/main" id="{A19591CF-D899-433D-90FB-486E47F371BF}"/>
               </a:ext>
             </a:extLst>
           </p:cNvPr>
@@ -1675,7 +2111,7 @@
           <p:cNvPr id="5" name="文本占位符 4">
             <a:extLst>
               <a:ext uri="{FF2B5EF4-FFF2-40B4-BE49-F238E27FC236}">
-                <a16:creationId xmlns:a16="http://schemas.microsoft.com/office/drawing/2014/main" id="{3D4E6B9F-27CC-4B28-BBE1-6F9F7BB46C52}"/>
+                <a16:creationId xmlns:a16="http://schemas.microsoft.com/office/drawing/2014/main" id="{22E08BA7-F352-4E4C-9A8E-54C9DEEF267F}"/>
               </a:ext>
             </a:extLst>
           </p:cNvPr>
@@ -1746,7 +2182,7 @@
           <p:cNvPr id="6" name="内容占位符 5">
             <a:extLst>
               <a:ext uri="{FF2B5EF4-FFF2-40B4-BE49-F238E27FC236}">
-                <a16:creationId xmlns:a16="http://schemas.microsoft.com/office/drawing/2014/main" id="{94C5C449-16BE-40B6-8BC2-8A6C33F1FC5D}"/>
+                <a16:creationId xmlns:a16="http://schemas.microsoft.com/office/drawing/2014/main" id="{F92F7FD6-F6E2-456D-A7B4-771ED0C127DC}"/>
               </a:ext>
             </a:extLst>
           </p:cNvPr>
@@ -1808,7 +2244,7 @@
           <p:cNvPr id="7" name="日期占位符 6">
             <a:extLst>
               <a:ext uri="{FF2B5EF4-FFF2-40B4-BE49-F238E27FC236}">
-                <a16:creationId xmlns:a16="http://schemas.microsoft.com/office/drawing/2014/main" id="{199E7011-6609-4EB3-BF42-4130EE9FE4A9}"/>
+                <a16:creationId xmlns:a16="http://schemas.microsoft.com/office/drawing/2014/main" id="{24A41056-8FCB-4BCC-8D70-4A280A163A82}"/>
               </a:ext>
             </a:extLst>
           </p:cNvPr>
@@ -1824,9 +2260,9 @@
           <a:bodyPr/>
           <a:lstStyle/>
           <a:p>
-            <a:fld id="{BD6F928D-C15F-4A93-A3B9-C0BA77327B50}" type="datetimeFigureOut">
+            <a:fld id="{D51152E2-A90B-4A10-BAB2-A0BA915797FF}" type="datetimeFigureOut">
               <a:rPr lang="zh-CN" altLang="en-US" smtClean="0"/>
-              <a:t>2024/10/17</a:t>
+              <a:t>2024/11/23</a:t>
             </a:fld>
             <a:endParaRPr lang="zh-CN" altLang="en-US"/>
           </a:p>
@@ -1837,7 +2273,7 @@
           <p:cNvPr id="8" name="页脚占位符 7">
             <a:extLst>
               <a:ext uri="{FF2B5EF4-FFF2-40B4-BE49-F238E27FC236}">
-                <a16:creationId xmlns:a16="http://schemas.microsoft.com/office/drawing/2014/main" id="{E7BB1041-BD45-403B-B87B-6D0C250B670E}"/>
+                <a16:creationId xmlns:a16="http://schemas.microsoft.com/office/drawing/2014/main" id="{FFB15086-94EB-42C3-A507-90631514AFA9}"/>
               </a:ext>
             </a:extLst>
           </p:cNvPr>
@@ -1862,7 +2298,7 @@
           <p:cNvPr id="9" name="灯片编号占位符 8">
             <a:extLst>
               <a:ext uri="{FF2B5EF4-FFF2-40B4-BE49-F238E27FC236}">
-                <a16:creationId xmlns:a16="http://schemas.microsoft.com/office/drawing/2014/main" id="{134BCDF1-F134-4DDD-925C-18EBCE49E187}"/>
+                <a16:creationId xmlns:a16="http://schemas.microsoft.com/office/drawing/2014/main" id="{E9A107BC-C288-48DD-A1E4-D2DF986584F0}"/>
               </a:ext>
             </a:extLst>
           </p:cNvPr>
@@ -1878,7 +2314,7 @@
           <a:bodyPr/>
           <a:lstStyle/>
           <a:p>
-            <a:fld id="{DCF9F7DE-F3F8-4128-81C0-8BA386605225}" type="slidenum">
+            <a:fld id="{9B3D60AC-2F6B-4ED5-9389-D4B6ECBDCF90}" type="slidenum">
               <a:rPr lang="zh-CN" altLang="en-US" smtClean="0"/>
               <a:t>‹#›</a:t>
             </a:fld>
@@ -1889,7 +2325,7 @@
     </p:spTree>
     <p:extLst>
       <p:ext uri="{BB962C8B-B14F-4D97-AF65-F5344CB8AC3E}">
-        <p14:creationId xmlns:p14="http://schemas.microsoft.com/office/powerpoint/2010/main" val="1877734990"/>
+        <p14:creationId xmlns:p14="http://schemas.microsoft.com/office/powerpoint/2010/main" val="4187989406"/>
       </p:ext>
     </p:extLst>
   </p:cSld>
@@ -1921,7 +2357,7 @@
           <p:cNvPr id="2" name="标题 1">
             <a:extLst>
               <a:ext uri="{FF2B5EF4-FFF2-40B4-BE49-F238E27FC236}">
-                <a16:creationId xmlns:a16="http://schemas.microsoft.com/office/drawing/2014/main" id="{B0BDEECD-04DE-41CA-9ACB-297223422AC6}"/>
+                <a16:creationId xmlns:a16="http://schemas.microsoft.com/office/drawing/2014/main" id="{58CB4FA2-26FE-432B-B1F6-A70EB98CD6F0}"/>
               </a:ext>
             </a:extLst>
           </p:cNvPr>
@@ -1949,7 +2385,7 @@
           <p:cNvPr id="3" name="日期占位符 2">
             <a:extLst>
               <a:ext uri="{FF2B5EF4-FFF2-40B4-BE49-F238E27FC236}">
-                <a16:creationId xmlns:a16="http://schemas.microsoft.com/office/drawing/2014/main" id="{E24B6673-CE11-42CC-945A-A51CDFF3952B}"/>
+                <a16:creationId xmlns:a16="http://schemas.microsoft.com/office/drawing/2014/main" id="{529862B9-5289-40C5-A3D0-68543167157C}"/>
               </a:ext>
             </a:extLst>
           </p:cNvPr>
@@ -1965,9 +2401,9 @@
           <a:bodyPr/>
           <a:lstStyle/>
           <a:p>
-            <a:fld id="{BD6F928D-C15F-4A93-A3B9-C0BA77327B50}" type="datetimeFigureOut">
+            <a:fld id="{D51152E2-A90B-4A10-BAB2-A0BA915797FF}" type="datetimeFigureOut">
               <a:rPr lang="zh-CN" altLang="en-US" smtClean="0"/>
-              <a:t>2024/10/17</a:t>
+              <a:t>2024/11/23</a:t>
             </a:fld>
             <a:endParaRPr lang="zh-CN" altLang="en-US"/>
           </a:p>
@@ -1978,7 +2414,7 @@
           <p:cNvPr id="4" name="页脚占位符 3">
             <a:extLst>
               <a:ext uri="{FF2B5EF4-FFF2-40B4-BE49-F238E27FC236}">
-                <a16:creationId xmlns:a16="http://schemas.microsoft.com/office/drawing/2014/main" id="{B95CA090-EFB4-45DB-8CEB-002A979CE305}"/>
+                <a16:creationId xmlns:a16="http://schemas.microsoft.com/office/drawing/2014/main" id="{35309D2B-DB7A-4BF7-A644-FFBA6FE15314}"/>
               </a:ext>
             </a:extLst>
           </p:cNvPr>
@@ -2003,7 +2439,7 @@
           <p:cNvPr id="5" name="灯片编号占位符 4">
             <a:extLst>
               <a:ext uri="{FF2B5EF4-FFF2-40B4-BE49-F238E27FC236}">
-                <a16:creationId xmlns:a16="http://schemas.microsoft.com/office/drawing/2014/main" id="{B4BE0012-7FFD-48C5-BC08-664F16C3B1FF}"/>
+                <a16:creationId xmlns:a16="http://schemas.microsoft.com/office/drawing/2014/main" id="{1DE95FE3-1EE3-4CFF-B04D-91BE60B26FB9}"/>
               </a:ext>
             </a:extLst>
           </p:cNvPr>
@@ -2019,7 +2455,7 @@
           <a:bodyPr/>
           <a:lstStyle/>
           <a:p>
-            <a:fld id="{DCF9F7DE-F3F8-4128-81C0-8BA386605225}" type="slidenum">
+            <a:fld id="{9B3D60AC-2F6B-4ED5-9389-D4B6ECBDCF90}" type="slidenum">
               <a:rPr lang="zh-CN" altLang="en-US" smtClean="0"/>
               <a:t>‹#›</a:t>
             </a:fld>
@@ -2030,7 +2466,7 @@
     </p:spTree>
     <p:extLst>
       <p:ext uri="{BB962C8B-B14F-4D97-AF65-F5344CB8AC3E}">
-        <p14:creationId xmlns:p14="http://schemas.microsoft.com/office/powerpoint/2010/main" val="1286436706"/>
+        <p14:creationId xmlns:p14="http://schemas.microsoft.com/office/powerpoint/2010/main" val="2160395538"/>
       </p:ext>
     </p:extLst>
   </p:cSld>
@@ -2062,7 +2498,7 @@
           <p:cNvPr id="2" name="日期占位符 1">
             <a:extLst>
               <a:ext uri="{FF2B5EF4-FFF2-40B4-BE49-F238E27FC236}">
-                <a16:creationId xmlns:a16="http://schemas.microsoft.com/office/drawing/2014/main" id="{92DFDA32-FBBD-4462-9D1B-FE4690F790AF}"/>
+                <a16:creationId xmlns:a16="http://schemas.microsoft.com/office/drawing/2014/main" id="{F178795F-BB69-4808-ACEB-E5660D6A119E}"/>
               </a:ext>
             </a:extLst>
           </p:cNvPr>
@@ -2078,9 +2514,9 @@
           <a:bodyPr/>
           <a:lstStyle/>
           <a:p>
-            <a:fld id="{BD6F928D-C15F-4A93-A3B9-C0BA77327B50}" type="datetimeFigureOut">
+            <a:fld id="{D51152E2-A90B-4A10-BAB2-A0BA915797FF}" type="datetimeFigureOut">
               <a:rPr lang="zh-CN" altLang="en-US" smtClean="0"/>
-              <a:t>2024/10/17</a:t>
+              <a:t>2024/11/23</a:t>
             </a:fld>
             <a:endParaRPr lang="zh-CN" altLang="en-US"/>
           </a:p>
@@ -2091,7 +2527,7 @@
           <p:cNvPr id="3" name="页脚占位符 2">
             <a:extLst>
               <a:ext uri="{FF2B5EF4-FFF2-40B4-BE49-F238E27FC236}">
-                <a16:creationId xmlns:a16="http://schemas.microsoft.com/office/drawing/2014/main" id="{884DA725-08E2-4785-B387-5356C3B87722}"/>
+                <a16:creationId xmlns:a16="http://schemas.microsoft.com/office/drawing/2014/main" id="{309A7B45-1DD8-4A01-9B38-313D3D1E569C}"/>
               </a:ext>
             </a:extLst>
           </p:cNvPr>
@@ -2116,7 +2552,7 @@
           <p:cNvPr id="4" name="灯片编号占位符 3">
             <a:extLst>
               <a:ext uri="{FF2B5EF4-FFF2-40B4-BE49-F238E27FC236}">
-                <a16:creationId xmlns:a16="http://schemas.microsoft.com/office/drawing/2014/main" id="{4F4E7135-C2A8-4A4C-B2D7-D3FC3D73634E}"/>
+                <a16:creationId xmlns:a16="http://schemas.microsoft.com/office/drawing/2014/main" id="{EF8DF7FE-1A7E-4CF6-ADE7-626EF1F37A84}"/>
               </a:ext>
             </a:extLst>
           </p:cNvPr>
@@ -2132,7 +2568,7 @@
           <a:bodyPr/>
           <a:lstStyle/>
           <a:p>
-            <a:fld id="{DCF9F7DE-F3F8-4128-81C0-8BA386605225}" type="slidenum">
+            <a:fld id="{9B3D60AC-2F6B-4ED5-9389-D4B6ECBDCF90}" type="slidenum">
               <a:rPr lang="zh-CN" altLang="en-US" smtClean="0"/>
               <a:t>‹#›</a:t>
             </a:fld>
@@ -2143,7 +2579,7 @@
     </p:spTree>
     <p:extLst>
       <p:ext uri="{BB962C8B-B14F-4D97-AF65-F5344CB8AC3E}">
-        <p14:creationId xmlns:p14="http://schemas.microsoft.com/office/powerpoint/2010/main" val="3811307380"/>
+        <p14:creationId xmlns:p14="http://schemas.microsoft.com/office/powerpoint/2010/main" val="1972932881"/>
       </p:ext>
     </p:extLst>
   </p:cSld>
@@ -2175,7 +2611,7 @@
           <p:cNvPr id="2" name="标题 1">
             <a:extLst>
               <a:ext uri="{FF2B5EF4-FFF2-40B4-BE49-F238E27FC236}">
-                <a16:creationId xmlns:a16="http://schemas.microsoft.com/office/drawing/2014/main" id="{F62DB867-CAF5-40B4-9850-B75CB0C0836C}"/>
+                <a16:creationId xmlns:a16="http://schemas.microsoft.com/office/drawing/2014/main" id="{AEEC0EE9-EC58-4D31-957A-6BCBD2AB66B2}"/>
               </a:ext>
             </a:extLst>
           </p:cNvPr>
@@ -2212,7 +2648,7 @@
           <p:cNvPr id="3" name="内容占位符 2">
             <a:extLst>
               <a:ext uri="{FF2B5EF4-FFF2-40B4-BE49-F238E27FC236}">
-                <a16:creationId xmlns:a16="http://schemas.microsoft.com/office/drawing/2014/main" id="{EA50BAFC-A365-48A6-AB2D-6FD2FF142BCE}"/>
+                <a16:creationId xmlns:a16="http://schemas.microsoft.com/office/drawing/2014/main" id="{4D45093B-E73B-4B15-B4FB-35ABC51C04F9}"/>
               </a:ext>
             </a:extLst>
           </p:cNvPr>
@@ -2302,7 +2738,7 @@
           <p:cNvPr id="4" name="文本占位符 3">
             <a:extLst>
               <a:ext uri="{FF2B5EF4-FFF2-40B4-BE49-F238E27FC236}">
-                <a16:creationId xmlns:a16="http://schemas.microsoft.com/office/drawing/2014/main" id="{B8E4F4D0-C853-47B9-A684-A651D7A2AD47}"/>
+                <a16:creationId xmlns:a16="http://schemas.microsoft.com/office/drawing/2014/main" id="{016B4477-B079-4D2B-A780-920B6CD112D4}"/>
               </a:ext>
             </a:extLst>
           </p:cNvPr>
@@ -2373,7 +2809,7 @@
           <p:cNvPr id="5" name="日期占位符 4">
             <a:extLst>
               <a:ext uri="{FF2B5EF4-FFF2-40B4-BE49-F238E27FC236}">
-                <a16:creationId xmlns:a16="http://schemas.microsoft.com/office/drawing/2014/main" id="{D1A35C8A-F633-47C9-BFF3-677057C99C4A}"/>
+                <a16:creationId xmlns:a16="http://schemas.microsoft.com/office/drawing/2014/main" id="{F916AF1F-6875-4193-BB2E-C0431DF0CAF7}"/>
               </a:ext>
             </a:extLst>
           </p:cNvPr>
@@ -2389,9 +2825,9 @@
           <a:bodyPr/>
           <a:lstStyle/>
           <a:p>
-            <a:fld id="{BD6F928D-C15F-4A93-A3B9-C0BA77327B50}" type="datetimeFigureOut">
+            <a:fld id="{D51152E2-A90B-4A10-BAB2-A0BA915797FF}" type="datetimeFigureOut">
               <a:rPr lang="zh-CN" altLang="en-US" smtClean="0"/>
-              <a:t>2024/10/17</a:t>
+              <a:t>2024/11/23</a:t>
             </a:fld>
             <a:endParaRPr lang="zh-CN" altLang="en-US"/>
           </a:p>
@@ -2402,7 +2838,7 @@
           <p:cNvPr id="6" name="页脚占位符 5">
             <a:extLst>
               <a:ext uri="{FF2B5EF4-FFF2-40B4-BE49-F238E27FC236}">
-                <a16:creationId xmlns:a16="http://schemas.microsoft.com/office/drawing/2014/main" id="{F48D04CD-1DC3-48F1-95A1-C588509FDFF5}"/>
+                <a16:creationId xmlns:a16="http://schemas.microsoft.com/office/drawing/2014/main" id="{415F48C9-0A4E-4404-8C3F-F4FFD7915D1C}"/>
               </a:ext>
             </a:extLst>
           </p:cNvPr>
@@ -2427,7 +2863,7 @@
           <p:cNvPr id="7" name="灯片编号占位符 6">
             <a:extLst>
               <a:ext uri="{FF2B5EF4-FFF2-40B4-BE49-F238E27FC236}">
-                <a16:creationId xmlns:a16="http://schemas.microsoft.com/office/drawing/2014/main" id="{5756CEE8-0E31-496E-9B87-D4AA258D6F4A}"/>
+                <a16:creationId xmlns:a16="http://schemas.microsoft.com/office/drawing/2014/main" id="{139E2D65-F0C0-445C-BC0F-E956F2ECEA8C}"/>
               </a:ext>
             </a:extLst>
           </p:cNvPr>
@@ -2443,7 +2879,7 @@
           <a:bodyPr/>
           <a:lstStyle/>
           <a:p>
-            <a:fld id="{DCF9F7DE-F3F8-4128-81C0-8BA386605225}" type="slidenum">
+            <a:fld id="{9B3D60AC-2F6B-4ED5-9389-D4B6ECBDCF90}" type="slidenum">
               <a:rPr lang="zh-CN" altLang="en-US" smtClean="0"/>
               <a:t>‹#›</a:t>
             </a:fld>
@@ -2454,7 +2890,7 @@
     </p:spTree>
     <p:extLst>
       <p:ext uri="{BB962C8B-B14F-4D97-AF65-F5344CB8AC3E}">
-        <p14:creationId xmlns:p14="http://schemas.microsoft.com/office/powerpoint/2010/main" val="2863010320"/>
+        <p14:creationId xmlns:p14="http://schemas.microsoft.com/office/powerpoint/2010/main" val="1791128378"/>
       </p:ext>
     </p:extLst>
   </p:cSld>
@@ -2486,7 +2922,7 @@
           <p:cNvPr id="2" name="标题 1">
             <a:extLst>
               <a:ext uri="{FF2B5EF4-FFF2-40B4-BE49-F238E27FC236}">
-                <a16:creationId xmlns:a16="http://schemas.microsoft.com/office/drawing/2014/main" id="{3D0F3510-4218-43F8-ACBC-CBB7083624EA}"/>
+                <a16:creationId xmlns:a16="http://schemas.microsoft.com/office/drawing/2014/main" id="{65BC4B5F-C602-4D93-A036-BC746DAE50D1}"/>
               </a:ext>
             </a:extLst>
           </p:cNvPr>
@@ -2523,7 +2959,7 @@
           <p:cNvPr id="3" name="图片占位符 2">
             <a:extLst>
               <a:ext uri="{FF2B5EF4-FFF2-40B4-BE49-F238E27FC236}">
-                <a16:creationId xmlns:a16="http://schemas.microsoft.com/office/drawing/2014/main" id="{27A4B096-011E-4C61-95CF-4EFFF77E8F5B}"/>
+                <a16:creationId xmlns:a16="http://schemas.microsoft.com/office/drawing/2014/main" id="{005016E5-5AD0-4A0B-AB3A-5B016A47ED7D}"/>
               </a:ext>
             </a:extLst>
           </p:cNvPr>
@@ -2590,7 +3026,7 @@
           <p:cNvPr id="4" name="文本占位符 3">
             <a:extLst>
               <a:ext uri="{FF2B5EF4-FFF2-40B4-BE49-F238E27FC236}">
-                <a16:creationId xmlns:a16="http://schemas.microsoft.com/office/drawing/2014/main" id="{C6047E04-9C87-4D7F-B762-D6AEB98EDDF0}"/>
+                <a16:creationId xmlns:a16="http://schemas.microsoft.com/office/drawing/2014/main" id="{07A93042-AE0C-406A-827E-C3502D944B7F}"/>
               </a:ext>
             </a:extLst>
           </p:cNvPr>
@@ -2661,7 +3097,7 @@
           <p:cNvPr id="5" name="日期占位符 4">
             <a:extLst>
               <a:ext uri="{FF2B5EF4-FFF2-40B4-BE49-F238E27FC236}">
-                <a16:creationId xmlns:a16="http://schemas.microsoft.com/office/drawing/2014/main" id="{98A81219-C6DA-48D4-A680-54BE99F9F02B}"/>
+                <a16:creationId xmlns:a16="http://schemas.microsoft.com/office/drawing/2014/main" id="{2ACD33B7-BDC1-4DB2-8E0F-B83C5AFE2BA2}"/>
               </a:ext>
             </a:extLst>
           </p:cNvPr>
@@ -2677,9 +3113,9 @@
           <a:bodyPr/>
           <a:lstStyle/>
           <a:p>
-            <a:fld id="{BD6F928D-C15F-4A93-A3B9-C0BA77327B50}" type="datetimeFigureOut">
+            <a:fld id="{D51152E2-A90B-4A10-BAB2-A0BA915797FF}" type="datetimeFigureOut">
               <a:rPr lang="zh-CN" altLang="en-US" smtClean="0"/>
-              <a:t>2024/10/17</a:t>
+              <a:t>2024/11/23</a:t>
             </a:fld>
             <a:endParaRPr lang="zh-CN" altLang="en-US"/>
           </a:p>
@@ -2690,7 +3126,7 @@
           <p:cNvPr id="6" name="页脚占位符 5">
             <a:extLst>
               <a:ext uri="{FF2B5EF4-FFF2-40B4-BE49-F238E27FC236}">
-                <a16:creationId xmlns:a16="http://schemas.microsoft.com/office/drawing/2014/main" id="{C55848DB-F743-4B24-9D9F-629D114CEAE0}"/>
+                <a16:creationId xmlns:a16="http://schemas.microsoft.com/office/drawing/2014/main" id="{1530FD5E-D21D-4ADC-81A1-6A53C776520E}"/>
               </a:ext>
             </a:extLst>
           </p:cNvPr>
@@ -2715,7 +3151,7 @@
           <p:cNvPr id="7" name="灯片编号占位符 6">
             <a:extLst>
               <a:ext uri="{FF2B5EF4-FFF2-40B4-BE49-F238E27FC236}">
-                <a16:creationId xmlns:a16="http://schemas.microsoft.com/office/drawing/2014/main" id="{B810A518-C997-4943-9EE9-8D6057DB8CD5}"/>
+                <a16:creationId xmlns:a16="http://schemas.microsoft.com/office/drawing/2014/main" id="{BABC8F6E-288B-4499-9371-14DDCB318AFA}"/>
               </a:ext>
             </a:extLst>
           </p:cNvPr>
@@ -2731,7 +3167,7 @@
           <a:bodyPr/>
           <a:lstStyle/>
           <a:p>
-            <a:fld id="{DCF9F7DE-F3F8-4128-81C0-8BA386605225}" type="slidenum">
+            <a:fld id="{9B3D60AC-2F6B-4ED5-9389-D4B6ECBDCF90}" type="slidenum">
               <a:rPr lang="zh-CN" altLang="en-US" smtClean="0"/>
               <a:t>‹#›</a:t>
             </a:fld>
@@ -2742,7 +3178,7 @@
     </p:spTree>
     <p:extLst>
       <p:ext uri="{BB962C8B-B14F-4D97-AF65-F5344CB8AC3E}">
-        <p14:creationId xmlns:p14="http://schemas.microsoft.com/office/powerpoint/2010/main" val="4198943164"/>
+        <p14:creationId xmlns:p14="http://schemas.microsoft.com/office/powerpoint/2010/main" val="3306245430"/>
       </p:ext>
     </p:extLst>
   </p:cSld>
@@ -2779,7 +3215,7 @@
           <p:cNvPr id="2" name="标题占位符 1">
             <a:extLst>
               <a:ext uri="{FF2B5EF4-FFF2-40B4-BE49-F238E27FC236}">
-                <a16:creationId xmlns:a16="http://schemas.microsoft.com/office/drawing/2014/main" id="{8BE1CAC3-D8D2-4697-A5FD-01422B7B6CBA}"/>
+                <a16:creationId xmlns:a16="http://schemas.microsoft.com/office/drawing/2014/main" id="{5E392C5A-162C-4AA7-B1D6-1B14986C3114}"/>
               </a:ext>
             </a:extLst>
           </p:cNvPr>
@@ -2817,7 +3253,7 @@
           <p:cNvPr id="3" name="文本占位符 2">
             <a:extLst>
               <a:ext uri="{FF2B5EF4-FFF2-40B4-BE49-F238E27FC236}">
-                <a16:creationId xmlns:a16="http://schemas.microsoft.com/office/drawing/2014/main" id="{2A9E241B-42FD-46FF-B474-78B003BD4BDE}"/>
+                <a16:creationId xmlns:a16="http://schemas.microsoft.com/office/drawing/2014/main" id="{C791BD37-48DD-41A1-B288-A306C974B175}"/>
               </a:ext>
             </a:extLst>
           </p:cNvPr>
@@ -2884,7 +3320,7 @@
           <p:cNvPr id="4" name="日期占位符 3">
             <a:extLst>
               <a:ext uri="{FF2B5EF4-FFF2-40B4-BE49-F238E27FC236}">
-                <a16:creationId xmlns:a16="http://schemas.microsoft.com/office/drawing/2014/main" id="{5D2F8075-C11C-4C1B-958F-0526EA1136BF}"/>
+                <a16:creationId xmlns:a16="http://schemas.microsoft.com/office/drawing/2014/main" id="{AB05E5BE-C12A-440A-995F-0FB133B9992A}"/>
               </a:ext>
             </a:extLst>
           </p:cNvPr>
@@ -2918,9 +3354,9 @@
             </a:lvl1pPr>
           </a:lstStyle>
           <a:p>
-            <a:fld id="{BD6F928D-C15F-4A93-A3B9-C0BA77327B50}" type="datetimeFigureOut">
+            <a:fld id="{D51152E2-A90B-4A10-BAB2-A0BA915797FF}" type="datetimeFigureOut">
               <a:rPr lang="zh-CN" altLang="en-US" smtClean="0"/>
-              <a:t>2024/10/17</a:t>
+              <a:t>2024/11/23</a:t>
             </a:fld>
             <a:endParaRPr lang="zh-CN" altLang="en-US"/>
           </a:p>
@@ -2931,7 +3367,7 @@
           <p:cNvPr id="5" name="页脚占位符 4">
             <a:extLst>
               <a:ext uri="{FF2B5EF4-FFF2-40B4-BE49-F238E27FC236}">
-                <a16:creationId xmlns:a16="http://schemas.microsoft.com/office/drawing/2014/main" id="{6EEECEC0-37B2-4926-B65A-CF2F127F9E72}"/>
+                <a16:creationId xmlns:a16="http://schemas.microsoft.com/office/drawing/2014/main" id="{25FAA6D9-0DCC-4E95-9701-7EF3E310388F}"/>
               </a:ext>
             </a:extLst>
           </p:cNvPr>
@@ -2974,7 +3410,7 @@
           <p:cNvPr id="6" name="灯片编号占位符 5">
             <a:extLst>
               <a:ext uri="{FF2B5EF4-FFF2-40B4-BE49-F238E27FC236}">
-                <a16:creationId xmlns:a16="http://schemas.microsoft.com/office/drawing/2014/main" id="{2E3C115D-F1B7-462F-AE93-A28A99A204AE}"/>
+                <a16:creationId xmlns:a16="http://schemas.microsoft.com/office/drawing/2014/main" id="{95C5290A-F2F8-4BEC-A3FB-3ECC457BB621}"/>
               </a:ext>
             </a:extLst>
           </p:cNvPr>
@@ -3008,7 +3444,7 @@
             </a:lvl1pPr>
           </a:lstStyle>
           <a:p>
-            <a:fld id="{DCF9F7DE-F3F8-4128-81C0-8BA386605225}" type="slidenum">
+            <a:fld id="{9B3D60AC-2F6B-4ED5-9389-D4B6ECBDCF90}" type="slidenum">
               <a:rPr lang="zh-CN" altLang="en-US" smtClean="0"/>
               <a:t>‹#›</a:t>
             </a:fld>
@@ -3019,23 +3455,23 @@
     </p:spTree>
     <p:extLst>
       <p:ext uri="{BB962C8B-B14F-4D97-AF65-F5344CB8AC3E}">
-        <p14:creationId xmlns:p14="http://schemas.microsoft.com/office/powerpoint/2010/main" val="2708404349"/>
+        <p14:creationId xmlns:p14="http://schemas.microsoft.com/office/powerpoint/2010/main" val="1267464699"/>
       </p:ext>
     </p:extLst>
   </p:cSld>
   <p:clrMap bg1="lt1" tx1="dk1" bg2="lt2" tx2="dk2" accent1="accent1" accent2="accent2" accent3="accent3" accent4="accent4" accent5="accent5" accent6="accent6" hlink="hlink" folHlink="folHlink"/>
   <p:sldLayoutIdLst>
-    <p:sldLayoutId id="2147483673" r:id="rId1"/>
-    <p:sldLayoutId id="2147483674" r:id="rId2"/>
-    <p:sldLayoutId id="2147483675" r:id="rId3"/>
-    <p:sldLayoutId id="2147483676" r:id="rId4"/>
-    <p:sldLayoutId id="2147483677" r:id="rId5"/>
-    <p:sldLayoutId id="2147483678" r:id="rId6"/>
-    <p:sldLayoutId id="2147483679" r:id="rId7"/>
-    <p:sldLayoutId id="2147483680" r:id="rId8"/>
-    <p:sldLayoutId id="2147483681" r:id="rId9"/>
-    <p:sldLayoutId id="2147483682" r:id="rId10"/>
-    <p:sldLayoutId id="2147483683" r:id="rId11"/>
+    <p:sldLayoutId id="2147483649" r:id="rId1"/>
+    <p:sldLayoutId id="2147483650" r:id="rId2"/>
+    <p:sldLayoutId id="2147483651" r:id="rId3"/>
+    <p:sldLayoutId id="2147483652" r:id="rId4"/>
+    <p:sldLayoutId id="2147483653" r:id="rId5"/>
+    <p:sldLayoutId id="2147483654" r:id="rId6"/>
+    <p:sldLayoutId id="2147483655" r:id="rId7"/>
+    <p:sldLayoutId id="2147483656" r:id="rId8"/>
+    <p:sldLayoutId id="2147483657" r:id="rId9"/>
+    <p:sldLayoutId id="2147483658" r:id="rId10"/>
+    <p:sldLayoutId id="2147483659" r:id="rId11"/>
   </p:sldLayoutIdLst>
   <p:txStyles>
     <p:titleStyle>
@@ -3353,43 +3789,28 @@
             <p:ph type="ctrTitle"/>
           </p:nvPr>
         </p:nvSpPr>
-        <p:spPr/>
-        <p:txBody>
-          <a:bodyPr/>
-          <a:lstStyle/>
-          <a:p>
+        <p:spPr>
+          <a:xfrm>
+            <a:off x="1882218" y="3000615"/>
+            <a:ext cx="8427563" cy="1255458"/>
+          </a:xfrm>
+        </p:spPr>
+        <p:txBody>
+          <a:bodyPr>
+            <a:normAutofit fontScale="90000"/>
+          </a:bodyPr>
+          <a:lstStyle/>
+          <a:p>
+            <a:r>
+              <a:rPr lang="en-US" altLang="zh-CN" sz="2800" dirty="0"/>
+              <a:t>Research Experience 2</a:t>
+            </a:r>
+            <a:br>
+              <a:rPr lang="en-US" altLang="zh-CN" sz="2800" dirty="0"/>
+            </a:br>
             <a:r>
               <a:rPr lang="en-US" altLang="zh-CN" dirty="0"/>
-              <a:t>Research Experience 2</a:t>
-            </a:r>
-            <a:endParaRPr lang="zh-CN" altLang="en-US" dirty="0"/>
-          </a:p>
-        </p:txBody>
-      </p:sp>
-      <p:sp>
-        <p:nvSpPr>
-          <p:cNvPr id="3" name="副标题 2">
-            <a:extLst>
-              <a:ext uri="{FF2B5EF4-FFF2-40B4-BE49-F238E27FC236}">
-                <a16:creationId xmlns:a16="http://schemas.microsoft.com/office/drawing/2014/main" id="{DB150ECC-C181-4BC2-B6B5-755E448152FB}"/>
-              </a:ext>
-            </a:extLst>
-          </p:cNvPr>
-          <p:cNvSpPr>
-            <a:spLocks noGrp="1"/>
-          </p:cNvSpPr>
-          <p:nvPr>
-            <p:ph type="subTitle" idx="1"/>
-          </p:nvPr>
-        </p:nvSpPr>
-        <p:spPr/>
-        <p:txBody>
-          <a:bodyPr/>
-          <a:lstStyle/>
-          <a:p>
-            <a:r>
-              <a:rPr lang="en-US" altLang="zh-CN" dirty="0"/>
-              <a:t>With Zhen Lu and Yue Yang</a:t>
+              <a:t>Quantum computing and fluid mechanics</a:t>
             </a:r>
             <a:endParaRPr lang="zh-CN" altLang="en-US" dirty="0"/>
           </a:p>
@@ -3430,7 +3851,7 @@
           <p:cNvPr id="2" name="标题 1">
             <a:extLst>
               <a:ext uri="{FF2B5EF4-FFF2-40B4-BE49-F238E27FC236}">
-                <a16:creationId xmlns:a16="http://schemas.microsoft.com/office/drawing/2014/main" id="{B55B6640-8590-48AF-9ABB-461C73AAA41A}"/>
+                <a16:creationId xmlns:a16="http://schemas.microsoft.com/office/drawing/2014/main" id="{8EDF7EEF-616B-4FAB-A913-5F1A2C55DCCD}"/>
               </a:ext>
             </a:extLst>
           </p:cNvPr>
@@ -3443,357 +3864,68 @@
         </p:nvSpPr>
         <p:spPr>
           <a:xfrm>
-            <a:off x="275208" y="0"/>
-            <a:ext cx="11496582" cy="1325563"/>
+            <a:off x="426720" y="36576"/>
+            <a:ext cx="10515600" cy="1325563"/>
+          </a:xfrm>
+        </p:spPr>
+        <p:txBody>
+          <a:bodyPr/>
+          <a:lstStyle/>
+          <a:p>
+            <a:r>
+              <a:rPr lang="en-US" altLang="zh-CN" dirty="0"/>
+              <a:t>Summary and discussion</a:t>
+            </a:r>
+            <a:endParaRPr lang="zh-CN" altLang="en-US" dirty="0"/>
+          </a:p>
+        </p:txBody>
+      </p:sp>
+      <p:sp>
+        <p:nvSpPr>
+          <p:cNvPr id="3" name="内容占位符 2">
+            <a:extLst>
+              <a:ext uri="{FF2B5EF4-FFF2-40B4-BE49-F238E27FC236}">
+                <a16:creationId xmlns:a16="http://schemas.microsoft.com/office/drawing/2014/main" id="{F626AF55-FAC0-49E6-9A5A-D291A7E4C796}"/>
+              </a:ext>
+            </a:extLst>
+          </p:cNvPr>
+          <p:cNvSpPr>
+            <a:spLocks noGrp="1"/>
+          </p:cNvSpPr>
+          <p:nvPr>
+            <p:ph idx="1"/>
+          </p:nvPr>
+        </p:nvSpPr>
+        <p:spPr>
+          <a:xfrm>
+            <a:off x="842772" y="1593787"/>
+            <a:ext cx="10884172" cy="4038917"/>
           </a:xfrm>
         </p:spPr>
         <p:txBody>
           <a:bodyPr>
-            <a:normAutofit/>
+            <a:noAutofit/>
           </a:bodyPr>
           <a:lstStyle/>
           <a:p>
-            <a:r>
-              <a:rPr lang="en-US" altLang="zh-CN" sz="2800" dirty="0"/>
-              <a:t>Failed attempt: transforming nonlinear equations into Schrödinger-like form.</a:t>
-            </a:r>
-            <a:endParaRPr lang="zh-CN" altLang="en-US" sz="2800" dirty="0"/>
-          </a:p>
-        </p:txBody>
-      </p:sp>
-      <p:pic>
-        <p:nvPicPr>
-          <p:cNvPr id="5" name="内容占位符 4">
-            <a:extLst>
-              <a:ext uri="{FF2B5EF4-FFF2-40B4-BE49-F238E27FC236}">
-                <a16:creationId xmlns:a16="http://schemas.microsoft.com/office/drawing/2014/main" id="{96D01D10-89B6-47E5-B01F-F63D0BA39AA9}"/>
-              </a:ext>
-            </a:extLst>
-          </p:cNvPr>
-          <p:cNvPicPr>
-            <a:picLocks noGrp="1" noChangeAspect="1"/>
-          </p:cNvPicPr>
-          <p:nvPr>
-            <p:ph idx="1"/>
-          </p:nvPr>
-        </p:nvPicPr>
-        <p:blipFill>
-          <a:blip r:embed="rId2"/>
-          <a:stretch>
-            <a:fillRect/>
-          </a:stretch>
-        </p:blipFill>
-        <p:spPr>
-          <a:xfrm>
-            <a:off x="1003177" y="3561780"/>
-            <a:ext cx="3067050" cy="781050"/>
-          </a:xfrm>
-        </p:spPr>
-      </p:pic>
-      <p:sp>
-        <p:nvSpPr>
-          <p:cNvPr id="6" name="文本框 5">
-            <a:extLst>
-              <a:ext uri="{FF2B5EF4-FFF2-40B4-BE49-F238E27FC236}">
-                <a16:creationId xmlns:a16="http://schemas.microsoft.com/office/drawing/2014/main" id="{75505CE2-DAE8-4447-BDB3-560B78EF469E}"/>
-              </a:ext>
-            </a:extLst>
-          </p:cNvPr>
-          <p:cNvSpPr txBox="1"/>
-          <p:nvPr/>
-        </p:nvSpPr>
-        <p:spPr>
-          <a:xfrm>
-            <a:off x="861134" y="1518259"/>
-            <a:ext cx="9940401" cy="1569660"/>
-          </a:xfrm>
-          <a:prstGeom prst="rect">
-            <a:avLst/>
-          </a:prstGeom>
-          <a:noFill/>
-        </p:spPr>
-        <p:txBody>
-          <a:bodyPr wrap="square" rtlCol="0">
-            <a:spAutoFit/>
-          </a:bodyPr>
-          <a:lstStyle/>
-          <a:p>
-            <a:r>
-              <a:rPr lang="en-US" altLang="zh-CN" sz="2400" dirty="0"/>
-              <a:t>In the research group, a Schrödinger-like transformation was successfully applied to a simple diffusion equation. However, after replacing the linear source term with a nonlinear source term, no effective method for the Schrödinger-like transformation was found.</a:t>
-            </a:r>
-            <a:endParaRPr lang="zh-CN" altLang="en-US" sz="2400" dirty="0"/>
-          </a:p>
-        </p:txBody>
-      </p:sp>
-      <p:pic>
-        <p:nvPicPr>
-          <p:cNvPr id="8" name="图片 7">
-            <a:extLst>
-              <a:ext uri="{FF2B5EF4-FFF2-40B4-BE49-F238E27FC236}">
-                <a16:creationId xmlns:a16="http://schemas.microsoft.com/office/drawing/2014/main" id="{F67D03DD-5895-49FC-86D1-92A96CB8CEF2}"/>
-              </a:ext>
-            </a:extLst>
-          </p:cNvPr>
-          <p:cNvPicPr>
-            <a:picLocks noChangeAspect="1"/>
-          </p:cNvPicPr>
-          <p:nvPr/>
-        </p:nvPicPr>
-        <p:blipFill>
-          <a:blip r:embed="rId3"/>
-          <a:stretch>
-            <a:fillRect/>
-          </a:stretch>
-        </p:blipFill>
-        <p:spPr>
-          <a:xfrm>
-            <a:off x="6915705" y="3618930"/>
-            <a:ext cx="4152900" cy="723900"/>
-          </a:xfrm>
-          <a:prstGeom prst="rect">
-            <a:avLst/>
-          </a:prstGeom>
-        </p:spPr>
-      </p:pic>
-      <p:cxnSp>
-        <p:nvCxnSpPr>
-          <p:cNvPr id="14" name="直接箭头连接符 13">
-            <a:extLst>
-              <a:ext uri="{FF2B5EF4-FFF2-40B4-BE49-F238E27FC236}">
-                <a16:creationId xmlns:a16="http://schemas.microsoft.com/office/drawing/2014/main" id="{D86E14BC-B54E-4C9B-9B8A-8003B73F9D2D}"/>
-              </a:ext>
-            </a:extLst>
-          </p:cNvPr>
-          <p:cNvCxnSpPr/>
-          <p:nvPr/>
-        </p:nvCxnSpPr>
-        <p:spPr>
-          <a:xfrm>
-            <a:off x="4252404" y="3952305"/>
-            <a:ext cx="2663301" cy="0"/>
-          </a:xfrm>
-          <a:prstGeom prst="straightConnector1">
-            <a:avLst/>
-          </a:prstGeom>
-          <a:ln>
-            <a:tailEnd type="triangle"/>
-          </a:ln>
-        </p:spPr>
-        <p:style>
-          <a:lnRef idx="1">
-            <a:schemeClr val="accent1"/>
-          </a:lnRef>
-          <a:fillRef idx="0">
-            <a:schemeClr val="accent1"/>
-          </a:fillRef>
-          <a:effectRef idx="0">
-            <a:schemeClr val="accent1"/>
-          </a:effectRef>
-          <a:fontRef idx="minor">
-            <a:schemeClr val="tx1"/>
-          </a:fontRef>
-        </p:style>
-      </p:cxnSp>
-      <p:pic>
-        <p:nvPicPr>
-          <p:cNvPr id="17" name="图片 16">
-            <a:extLst>
-              <a:ext uri="{FF2B5EF4-FFF2-40B4-BE49-F238E27FC236}">
-                <a16:creationId xmlns:a16="http://schemas.microsoft.com/office/drawing/2014/main" id="{837C9FB9-49E2-4B6A-82B4-481F7D6B3AA1}"/>
-              </a:ext>
-            </a:extLst>
-          </p:cNvPr>
-          <p:cNvPicPr>
-            <a:picLocks noChangeAspect="1"/>
-          </p:cNvPicPr>
-          <p:nvPr/>
-        </p:nvPicPr>
-        <p:blipFill>
-          <a:blip r:embed="rId4"/>
-          <a:stretch>
-            <a:fillRect/>
-          </a:stretch>
-        </p:blipFill>
-        <p:spPr>
-          <a:xfrm>
-            <a:off x="470886" y="5013781"/>
-            <a:ext cx="4343400" cy="771525"/>
-          </a:xfrm>
-          <a:prstGeom prst="rect">
-            <a:avLst/>
-          </a:prstGeom>
-        </p:spPr>
-      </p:pic>
-      <p:cxnSp>
-        <p:nvCxnSpPr>
-          <p:cNvPr id="19" name="直接箭头连接符 18">
-            <a:extLst>
-              <a:ext uri="{FF2B5EF4-FFF2-40B4-BE49-F238E27FC236}">
-                <a16:creationId xmlns:a16="http://schemas.microsoft.com/office/drawing/2014/main" id="{32D103F0-165A-4933-94DF-D29ED9F8685A}"/>
-              </a:ext>
-            </a:extLst>
-          </p:cNvPr>
-          <p:cNvCxnSpPr/>
-          <p:nvPr/>
-        </p:nvCxnSpPr>
-        <p:spPr>
-          <a:xfrm>
-            <a:off x="5060272" y="5399543"/>
-            <a:ext cx="1855433" cy="0"/>
-          </a:xfrm>
-          <a:prstGeom prst="straightConnector1">
-            <a:avLst/>
-          </a:prstGeom>
-          <a:ln>
-            <a:tailEnd type="triangle"/>
-          </a:ln>
-        </p:spPr>
-        <p:style>
-          <a:lnRef idx="1">
-            <a:schemeClr val="accent1"/>
-          </a:lnRef>
-          <a:fillRef idx="0">
-            <a:schemeClr val="accent1"/>
-          </a:fillRef>
-          <a:effectRef idx="0">
-            <a:schemeClr val="accent1"/>
-          </a:effectRef>
-          <a:fontRef idx="minor">
-            <a:schemeClr val="tx1"/>
-          </a:fontRef>
-        </p:style>
-      </p:cxnSp>
-      <p:sp>
-        <p:nvSpPr>
-          <p:cNvPr id="20" name="文本框 19">
-            <a:extLst>
-              <a:ext uri="{FF2B5EF4-FFF2-40B4-BE49-F238E27FC236}">
-                <a16:creationId xmlns:a16="http://schemas.microsoft.com/office/drawing/2014/main" id="{579F34F9-B3D8-4663-8B33-ED7BCDA92A11}"/>
-              </a:ext>
-            </a:extLst>
-          </p:cNvPr>
-          <p:cNvSpPr txBox="1"/>
-          <p:nvPr/>
-        </p:nvSpPr>
-        <p:spPr>
-          <a:xfrm>
-            <a:off x="8677922" y="4937878"/>
-            <a:ext cx="3187084" cy="923330"/>
-          </a:xfrm>
-          <a:prstGeom prst="rect">
-            <a:avLst/>
-          </a:prstGeom>
-          <a:noFill/>
-        </p:spPr>
-        <p:txBody>
-          <a:bodyPr wrap="square" rtlCol="0">
-            <a:spAutoFit/>
-          </a:bodyPr>
-          <a:lstStyle/>
-          <a:p>
-            <a:r>
-              <a:rPr lang="en-US" altLang="zh-CN" sz="5400" b="1" dirty="0"/>
-              <a:t>?</a:t>
-            </a:r>
-            <a:endParaRPr lang="zh-CN" altLang="en-US" sz="5400" b="1" dirty="0"/>
-          </a:p>
-        </p:txBody>
-      </p:sp>
-      <p:sp>
-        <p:nvSpPr>
-          <p:cNvPr id="22" name="矩形 21">
-            <a:extLst>
-              <a:ext uri="{FF2B5EF4-FFF2-40B4-BE49-F238E27FC236}">
-                <a16:creationId xmlns:a16="http://schemas.microsoft.com/office/drawing/2014/main" id="{3EE89898-B560-4989-98AC-5C0CA4FD4E41}"/>
-              </a:ext>
-            </a:extLst>
-          </p:cNvPr>
-          <p:cNvSpPr/>
-          <p:nvPr/>
-        </p:nvSpPr>
-        <p:spPr>
-          <a:xfrm>
-            <a:off x="7039992" y="4873841"/>
-            <a:ext cx="4018996" cy="923329"/>
-          </a:xfrm>
-          <a:prstGeom prst="rect">
-            <a:avLst/>
-          </a:prstGeom>
-          <a:solidFill>
-            <a:schemeClr val="bg1"/>
-          </a:solidFill>
-          <a:ln>
-            <a:solidFill>
-              <a:schemeClr val="tx1"/>
-            </a:solidFill>
-          </a:ln>
-        </p:spPr>
-        <p:style>
-          <a:lnRef idx="2">
-            <a:schemeClr val="accent1">
-              <a:shade val="50000"/>
-            </a:schemeClr>
-          </a:lnRef>
-          <a:fillRef idx="1">
-            <a:schemeClr val="accent1"/>
-          </a:fillRef>
-          <a:effectRef idx="0">
-            <a:schemeClr val="accent1"/>
-          </a:effectRef>
-          <a:fontRef idx="minor">
-            <a:schemeClr val="lt1"/>
-          </a:fontRef>
-        </p:style>
-        <p:txBody>
-          <a:bodyPr rtlCol="0" anchor="ctr"/>
-          <a:lstStyle/>
-          <a:p>
-            <a:pPr algn="ctr"/>
-            <a:endParaRPr lang="zh-CN" altLang="en-US"/>
-          </a:p>
-        </p:txBody>
-      </p:sp>
-      <p:sp>
-        <p:nvSpPr>
-          <p:cNvPr id="23" name="文本框 22">
-            <a:extLst>
-              <a:ext uri="{FF2B5EF4-FFF2-40B4-BE49-F238E27FC236}">
-                <a16:creationId xmlns:a16="http://schemas.microsoft.com/office/drawing/2014/main" id="{DEB1AE38-0EF9-46F9-92C2-6A78CE71B169}"/>
-              </a:ext>
-            </a:extLst>
-          </p:cNvPr>
-          <p:cNvSpPr txBox="1"/>
-          <p:nvPr/>
-        </p:nvSpPr>
-        <p:spPr>
-          <a:xfrm>
-            <a:off x="8726750" y="4673785"/>
-            <a:ext cx="1544714" cy="1323439"/>
-          </a:xfrm>
-          <a:prstGeom prst="rect">
-            <a:avLst/>
-          </a:prstGeom>
-          <a:noFill/>
-        </p:spPr>
-        <p:txBody>
-          <a:bodyPr wrap="square" rtlCol="0">
-            <a:spAutoFit/>
-          </a:bodyPr>
-          <a:lstStyle/>
-          <a:p>
-            <a:r>
-              <a:rPr lang="en-US" altLang="zh-CN" sz="8000" b="1" dirty="0"/>
-              <a:t>?</a:t>
-            </a:r>
-            <a:endParaRPr lang="zh-CN" altLang="en-US" sz="8000" b="1" dirty="0"/>
+            <a:pPr marL="0" indent="0">
+              <a:lnSpc>
+                <a:spcPct val="150000"/>
+              </a:lnSpc>
+              <a:buNone/>
+            </a:pPr>
+            <a:r>
+              <a:rPr lang="en-US" altLang="zh-CN" dirty="0"/>
+              <a:t>In our research, we have studied various issues related to using quantum computing methods to solve problems encountered in computational fluid dynamics. For example, how to efficiently extract physical information from quantum states, how to transform different types of equations into a form suitable for quantum computing, and how to address boundary value problems, among others.</a:t>
+            </a:r>
+            <a:endParaRPr lang="zh-CN" altLang="en-US" dirty="0"/>
           </a:p>
         </p:txBody>
       </p:sp>
     </p:spTree>
     <p:extLst>
       <p:ext uri="{BB962C8B-B14F-4D97-AF65-F5344CB8AC3E}">
-        <p14:creationId xmlns:p14="http://schemas.microsoft.com/office/powerpoint/2010/main" val="3590820012"/>
+        <p14:creationId xmlns:p14="http://schemas.microsoft.com/office/powerpoint/2010/main" val="3652228482"/>
       </p:ext>
     </p:extLst>
   </p:cSld>
@@ -4318,7 +4450,7 @@
           <p:cNvPr id="2" name="标题 1">
             <a:extLst>
               <a:ext uri="{FF2B5EF4-FFF2-40B4-BE49-F238E27FC236}">
-                <a16:creationId xmlns:a16="http://schemas.microsoft.com/office/drawing/2014/main" id="{4173234F-7AB8-46D6-95D1-0BA7974176C1}"/>
+                <a16:creationId xmlns:a16="http://schemas.microsoft.com/office/drawing/2014/main" id="{8EDF7EEF-616B-4FAB-A913-5F1A2C55DCCD}"/>
               </a:ext>
             </a:extLst>
           </p:cNvPr>
@@ -4331,98 +4463,68 @@
         </p:nvSpPr>
         <p:spPr>
           <a:xfrm>
-            <a:off x="838200" y="587067"/>
+            <a:off x="426720" y="36576"/>
             <a:ext cx="10515600" cy="1325563"/>
           </a:xfrm>
         </p:spPr>
         <p:txBody>
+          <a:bodyPr/>
+          <a:lstStyle/>
+          <a:p>
+            <a:r>
+              <a:rPr lang="en-US" altLang="zh-CN" dirty="0"/>
+              <a:t>Abstract</a:t>
+            </a:r>
+            <a:endParaRPr lang="zh-CN" altLang="en-US" dirty="0"/>
+          </a:p>
+        </p:txBody>
+      </p:sp>
+      <p:sp>
+        <p:nvSpPr>
+          <p:cNvPr id="3" name="内容占位符 2">
+            <a:extLst>
+              <a:ext uri="{FF2B5EF4-FFF2-40B4-BE49-F238E27FC236}">
+                <a16:creationId xmlns:a16="http://schemas.microsoft.com/office/drawing/2014/main" id="{F626AF55-FAC0-49E6-9A5A-D291A7E4C796}"/>
+              </a:ext>
+            </a:extLst>
+          </p:cNvPr>
+          <p:cNvSpPr>
+            <a:spLocks noGrp="1"/>
+          </p:cNvSpPr>
+          <p:nvPr>
+            <p:ph idx="1"/>
+          </p:nvPr>
+        </p:nvSpPr>
+        <p:spPr>
+          <a:xfrm>
+            <a:off x="886968" y="1581595"/>
+            <a:ext cx="10418064" cy="4038917"/>
+          </a:xfrm>
+        </p:spPr>
+        <p:txBody>
           <a:bodyPr>
-            <a:normAutofit fontScale="90000"/>
+            <a:noAutofit/>
           </a:bodyPr>
           <a:lstStyle/>
           <a:p>
-            <a:r>
-              <a:rPr lang="en-US" altLang="zh-CN" dirty="0"/>
-              <a:t>Part 1(2024.1-2024.4)</a:t>
-            </a:r>
-            <a:br>
-              <a:rPr lang="en-US" altLang="zh-CN" dirty="0"/>
-            </a:br>
-            <a:r>
-              <a:rPr lang="en-US" altLang="zh-CN" sz="3600" dirty="0"/>
-              <a:t>Computational Fluid Dynamics and Artificial Intelligence</a:t>
-            </a:r>
-            <a:br>
-              <a:rPr lang="en-US" altLang="zh-CN" dirty="0"/>
-            </a:br>
-            <a:endParaRPr lang="zh-CN" altLang="en-US" dirty="0"/>
-          </a:p>
-        </p:txBody>
-      </p:sp>
-      <p:sp>
-        <p:nvSpPr>
-          <p:cNvPr id="3" name="内容占位符 2">
-            <a:extLst>
-              <a:ext uri="{FF2B5EF4-FFF2-40B4-BE49-F238E27FC236}">
-                <a16:creationId xmlns:a16="http://schemas.microsoft.com/office/drawing/2014/main" id="{BF784C3D-6D53-471B-86BD-F27CA430CDEC}"/>
-              </a:ext>
-            </a:extLst>
-          </p:cNvPr>
-          <p:cNvSpPr>
-            <a:spLocks noGrp="1"/>
-          </p:cNvSpPr>
-          <p:nvPr>
-            <p:ph idx="1"/>
-          </p:nvPr>
-        </p:nvSpPr>
-        <p:spPr>
-          <a:xfrm>
-            <a:off x="838200" y="1816748"/>
-            <a:ext cx="10515600" cy="4351338"/>
-          </a:xfrm>
-        </p:spPr>
-        <p:txBody>
-          <a:bodyPr>
-            <a:normAutofit/>
-          </a:bodyPr>
-          <a:lstStyle/>
-          <a:p>
             <a:pPr marL="0" indent="0">
+              <a:lnSpc>
+                <a:spcPct val="150000"/>
+              </a:lnSpc>
               <a:buNone/>
             </a:pPr>
             <a:r>
-              <a:rPr lang="en-US" altLang="zh-CN" sz="2400" dirty="0"/>
-              <a:t>Overview: The emergence of </a:t>
-            </a:r>
-            <a:r>
-              <a:rPr lang="en-US" altLang="zh-CN" sz="2400" dirty="0" err="1"/>
-              <a:t>ChatGPT</a:t>
-            </a:r>
-            <a:r>
-              <a:rPr lang="en-US" altLang="zh-CN" sz="2400" dirty="0"/>
-              <a:t> has made people realize the power of AI. For engineers, AI is also a powerful tool for assisting in programming and numerical computations. This research project utilizes </a:t>
-            </a:r>
-            <a:r>
-              <a:rPr lang="en-US" altLang="zh-CN" sz="2400" dirty="0" err="1"/>
-              <a:t>ChatGPT</a:t>
-            </a:r>
-            <a:r>
-              <a:rPr lang="en-US" altLang="zh-CN" sz="2400" dirty="0"/>
-              <a:t> and the open-source AI program CHATGLM developed by Tsinghua University, China, to explore the impact of different prompts on AI programming for numerical fluid mechanics calculations. Additionally, it attempts to use multimodal models to solve computational fluid dynamics problems. For example, it investigates how to structure prompts so that AI can better understand boundary and initial conditions and provide appropriate computational formats. Furthermore, it explores the possibility of converting boundary shapes into images for input into multimodal models.</a:t>
-            </a:r>
-          </a:p>
-          <a:p>
-            <a:pPr marL="0" indent="0">
-              <a:buNone/>
-            </a:pPr>
-            <a:endParaRPr lang="en-US" altLang="zh-CN" sz="2400" dirty="0"/>
+              <a:rPr lang="en-US" altLang="zh-CN" dirty="0"/>
+              <a:t>Quantum computing has emerged to be the next disruptive technology since Feynman pointed out the enormous potential of quantum simulation. Compared to conventional digital computing, quantum computing can dramatically reduce the execution time. We attempt to use quantum computing to solve fluid mechanics problems.</a:t>
+            </a:r>
+            <a:endParaRPr lang="zh-CN" altLang="en-US" dirty="0"/>
           </a:p>
         </p:txBody>
       </p:sp>
     </p:spTree>
     <p:extLst>
       <p:ext uri="{BB962C8B-B14F-4D97-AF65-F5344CB8AC3E}">
-        <p14:creationId xmlns:p14="http://schemas.microsoft.com/office/powerpoint/2010/main" val="384606886"/>
+        <p14:creationId xmlns:p14="http://schemas.microsoft.com/office/powerpoint/2010/main" val="3613001520"/>
       </p:ext>
     </p:extLst>
   </p:cSld>
@@ -4454,339 +4556,6 @@
           <p:cNvPr id="2" name="标题 1">
             <a:extLst>
               <a:ext uri="{FF2B5EF4-FFF2-40B4-BE49-F238E27FC236}">
-                <a16:creationId xmlns:a16="http://schemas.microsoft.com/office/drawing/2014/main" id="{6925786D-4319-4730-A68F-6A62A1299A64}"/>
-              </a:ext>
-            </a:extLst>
-          </p:cNvPr>
-          <p:cNvSpPr>
-            <a:spLocks noGrp="1"/>
-          </p:cNvSpPr>
-          <p:nvPr>
-            <p:ph type="title"/>
-          </p:nvPr>
-        </p:nvSpPr>
-        <p:spPr/>
-        <p:txBody>
-          <a:bodyPr/>
-          <a:lstStyle/>
-          <a:p>
-            <a:r>
-              <a:rPr lang="en-US" altLang="zh-CN" dirty="0"/>
-              <a:t>Research Summary and Findings</a:t>
-            </a:r>
-            <a:endParaRPr lang="zh-CN" altLang="en-US" dirty="0"/>
-          </a:p>
-        </p:txBody>
-      </p:sp>
-      <p:sp>
-        <p:nvSpPr>
-          <p:cNvPr id="3" name="内容占位符 2">
-            <a:extLst>
-              <a:ext uri="{FF2B5EF4-FFF2-40B4-BE49-F238E27FC236}">
-                <a16:creationId xmlns:a16="http://schemas.microsoft.com/office/drawing/2014/main" id="{8C1779E3-B2CB-4D03-B1EA-3A691AF91FB2}"/>
-              </a:ext>
-            </a:extLst>
-          </p:cNvPr>
-          <p:cNvSpPr>
-            <a:spLocks noGrp="1"/>
-          </p:cNvSpPr>
-          <p:nvPr>
-            <p:ph idx="1"/>
-          </p:nvPr>
-        </p:nvSpPr>
-        <p:spPr/>
-        <p:txBody>
-          <a:bodyPr/>
-          <a:lstStyle/>
-          <a:p>
-            <a:pPr marL="0" indent="0">
-              <a:buNone/>
-            </a:pPr>
-            <a:r>
-              <a:rPr lang="en-US" altLang="zh-CN" dirty="0"/>
-              <a:t>Due to the overlap of this research with the Computational Fluid Dynamics (CFD) course during the same semester, only a few simple CFD models were studied. Although no significant conclusive results were achieved, this research experience allowed me to learn how to use common CFD methods with Python and MATLAB to solve problems. Additionally, I became more proficient in using </a:t>
-            </a:r>
-            <a:r>
-              <a:rPr lang="en-US" altLang="zh-CN" dirty="0" err="1"/>
-              <a:t>ChatGPT</a:t>
-            </a:r>
-            <a:r>
-              <a:rPr lang="en-US" altLang="zh-CN" dirty="0"/>
-              <a:t>, and learning about open-source models helped me acquire the skills to download and deploy them. These experiences have been highly beneficial for me.</a:t>
-            </a:r>
-          </a:p>
-          <a:p>
-            <a:endParaRPr lang="zh-CN" altLang="en-US" dirty="0"/>
-          </a:p>
-        </p:txBody>
-      </p:sp>
-    </p:spTree>
-    <p:extLst>
-      <p:ext uri="{BB962C8B-B14F-4D97-AF65-F5344CB8AC3E}">
-        <p14:creationId xmlns:p14="http://schemas.microsoft.com/office/powerpoint/2010/main" val="769985830"/>
-      </p:ext>
-    </p:extLst>
-  </p:cSld>
-  <p:clrMapOvr>
-    <a:masterClrMapping/>
-  </p:clrMapOvr>
-</p:sld>
-</file>
-
-<file path=ppt/slides/slide4.xml><?xml version="1.0" encoding="utf-8"?>
-<p:sld xmlns:a="http://schemas.openxmlformats.org/drawingml/2006/main" xmlns:r="http://schemas.openxmlformats.org/officeDocument/2006/relationships" xmlns:p="http://schemas.openxmlformats.org/presentationml/2006/main">
-  <p:cSld>
-    <p:spTree>
-      <p:nvGrpSpPr>
-        <p:cNvPr id="1" name=""/>
-        <p:cNvGrpSpPr/>
-        <p:nvPr/>
-      </p:nvGrpSpPr>
-      <p:grpSpPr>
-        <a:xfrm>
-          <a:off x="0" y="0"/>
-          <a:ext cx="0" cy="0"/>
-          <a:chOff x="0" y="0"/>
-          <a:chExt cx="0" cy="0"/>
-        </a:xfrm>
-      </p:grpSpPr>
-      <p:sp>
-        <p:nvSpPr>
-          <p:cNvPr id="2" name="标题 1">
-            <a:extLst>
-              <a:ext uri="{FF2B5EF4-FFF2-40B4-BE49-F238E27FC236}">
-                <a16:creationId xmlns:a16="http://schemas.microsoft.com/office/drawing/2014/main" id="{200E84F5-616A-47AB-9D28-2F6AC984A08D}"/>
-              </a:ext>
-            </a:extLst>
-          </p:cNvPr>
-          <p:cNvSpPr>
-            <a:spLocks noGrp="1"/>
-          </p:cNvSpPr>
-          <p:nvPr>
-            <p:ph type="title"/>
-          </p:nvPr>
-        </p:nvSpPr>
-        <p:spPr>
-          <a:xfrm>
-            <a:off x="1068648" y="5703"/>
-            <a:ext cx="10605117" cy="532660"/>
-          </a:xfrm>
-        </p:spPr>
-        <p:txBody>
-          <a:bodyPr>
-            <a:normAutofit/>
-          </a:bodyPr>
-          <a:lstStyle/>
-          <a:p>
-            <a:r>
-              <a:rPr lang="en-US" altLang="zh-CN" sz="2800" dirty="0"/>
-              <a:t>Some empirical conclusions:</a:t>
-            </a:r>
-            <a:endParaRPr lang="zh-CN" altLang="en-US" sz="2800" dirty="0"/>
-          </a:p>
-        </p:txBody>
-      </p:sp>
-      <p:sp>
-        <p:nvSpPr>
-          <p:cNvPr id="3" name="内容占位符 2">
-            <a:extLst>
-              <a:ext uri="{FF2B5EF4-FFF2-40B4-BE49-F238E27FC236}">
-                <a16:creationId xmlns:a16="http://schemas.microsoft.com/office/drawing/2014/main" id="{9DF8220A-60B3-45AE-887A-FF5A3E8AD5E7}"/>
-              </a:ext>
-            </a:extLst>
-          </p:cNvPr>
-          <p:cNvSpPr>
-            <a:spLocks noGrp="1"/>
-          </p:cNvSpPr>
-          <p:nvPr>
-            <p:ph idx="1"/>
-          </p:nvPr>
-        </p:nvSpPr>
-        <p:spPr>
-          <a:xfrm>
-            <a:off x="838199" y="538363"/>
-            <a:ext cx="10515600" cy="6208666"/>
-          </a:xfrm>
-        </p:spPr>
-        <p:txBody>
-          <a:bodyPr>
-            <a:normAutofit/>
-          </a:bodyPr>
-          <a:lstStyle/>
-          <a:p>
-            <a:r>
-              <a:rPr lang="en-US" altLang="zh-CN" sz="2200" dirty="0"/>
-              <a:t>Provide numerical formats and handling methods for the computational domain and various types of boundaries separately, avoiding singularities at corner points.</a:t>
-            </a:r>
-          </a:p>
-          <a:p>
-            <a:r>
-              <a:rPr lang="en-US" altLang="zh-CN" sz="2200" dirty="0"/>
-              <a:t>Avoid ambiguity when describing boundary shapes to ensure uniqueness (when converting to images for processing by multimodal models, use common symbols and annotation methods to mark information as comprehensively as possible).</a:t>
-            </a:r>
-          </a:p>
-          <a:p>
-            <a:r>
-              <a:rPr lang="en-US" altLang="zh-CN" sz="2200" dirty="0"/>
-              <a:t>When solving more complex problems, break the problem down into steps, ensuring that each step is not too lengthy.</a:t>
-            </a:r>
-          </a:p>
-          <a:p>
-            <a:r>
-              <a:rPr lang="en-US" altLang="zh-CN" sz="2200" dirty="0"/>
-              <a:t>The ability to understand certain formats (e.g., special shock-capturing formats) is relatively weak, so it is necessary to input the relevant format information before running.</a:t>
-            </a:r>
-          </a:p>
-          <a:p>
-            <a:endParaRPr lang="en-US" altLang="zh-CN" dirty="0"/>
-          </a:p>
-          <a:p>
-            <a:pPr marL="0" indent="0">
-              <a:buNone/>
-            </a:pPr>
-            <a:r>
-              <a:rPr lang="en-US" altLang="zh-CN" sz="2400" dirty="0"/>
-              <a:t>Overall, AI can handle problems with simple boundary conditions and fewer computational steps quite well. When dealing with more complex problems, if the boundary conditions and computational formats are relatively simple, it is also possible to avoid the AI from stopping calculations or making errors by breaking the problem down into smaller tasks, provided that the AI fully understands the boundary conditions and computational formats.</a:t>
-            </a:r>
-          </a:p>
-          <a:p>
-            <a:endParaRPr lang="zh-CN" altLang="en-US" dirty="0"/>
-          </a:p>
-        </p:txBody>
-      </p:sp>
-    </p:spTree>
-    <p:extLst>
-      <p:ext uri="{BB962C8B-B14F-4D97-AF65-F5344CB8AC3E}">
-        <p14:creationId xmlns:p14="http://schemas.microsoft.com/office/powerpoint/2010/main" val="1894826534"/>
-      </p:ext>
-    </p:extLst>
-  </p:cSld>
-  <p:clrMapOvr>
-    <a:masterClrMapping/>
-  </p:clrMapOvr>
-</p:sld>
-</file>
-
-<file path=ppt/slides/slide5.xml><?xml version="1.0" encoding="utf-8"?>
-<p:sld xmlns:a="http://schemas.openxmlformats.org/drawingml/2006/main" xmlns:r="http://schemas.openxmlformats.org/officeDocument/2006/relationships" xmlns:p="http://schemas.openxmlformats.org/presentationml/2006/main">
-  <p:cSld>
-    <p:spTree>
-      <p:nvGrpSpPr>
-        <p:cNvPr id="1" name=""/>
-        <p:cNvGrpSpPr/>
-        <p:nvPr/>
-      </p:nvGrpSpPr>
-      <p:grpSpPr>
-        <a:xfrm>
-          <a:off x="0" y="0"/>
-          <a:ext cx="0" cy="0"/>
-          <a:chOff x="0" y="0"/>
-          <a:chExt cx="0" cy="0"/>
-        </a:xfrm>
-      </p:grpSpPr>
-      <p:sp>
-        <p:nvSpPr>
-          <p:cNvPr id="2" name="标题 1">
-            <a:extLst>
-              <a:ext uri="{FF2B5EF4-FFF2-40B4-BE49-F238E27FC236}">
-                <a16:creationId xmlns:a16="http://schemas.microsoft.com/office/drawing/2014/main" id="{10412976-C88D-4226-AA5D-3ADB2483895D}"/>
-              </a:ext>
-            </a:extLst>
-          </p:cNvPr>
-          <p:cNvSpPr>
-            <a:spLocks noGrp="1"/>
-          </p:cNvSpPr>
-          <p:nvPr>
-            <p:ph type="title"/>
-          </p:nvPr>
-        </p:nvSpPr>
-        <p:spPr/>
-        <p:txBody>
-          <a:bodyPr/>
-          <a:lstStyle/>
-          <a:p>
-            <a:r>
-              <a:rPr lang="en-US" altLang="zh-CN" dirty="0"/>
-              <a:t>Part 2(2024.4-present)</a:t>
-            </a:r>
-            <a:br>
-              <a:rPr lang="en-US" altLang="zh-CN" dirty="0"/>
-            </a:br>
-            <a:r>
-              <a:rPr lang="en-US" altLang="zh-CN" dirty="0"/>
-              <a:t>Quantum computing of fluid dynamics</a:t>
-            </a:r>
-            <a:endParaRPr lang="zh-CN" altLang="en-US" dirty="0"/>
-          </a:p>
-        </p:txBody>
-      </p:sp>
-      <p:sp>
-        <p:nvSpPr>
-          <p:cNvPr id="3" name="内容占位符 2">
-            <a:extLst>
-              <a:ext uri="{FF2B5EF4-FFF2-40B4-BE49-F238E27FC236}">
-                <a16:creationId xmlns:a16="http://schemas.microsoft.com/office/drawing/2014/main" id="{D2F7F807-5EA9-43B5-A038-6F410F95822A}"/>
-              </a:ext>
-            </a:extLst>
-          </p:cNvPr>
-          <p:cNvSpPr>
-            <a:spLocks noGrp="1"/>
-          </p:cNvSpPr>
-          <p:nvPr>
-            <p:ph idx="1"/>
-          </p:nvPr>
-        </p:nvSpPr>
-        <p:spPr/>
-        <p:txBody>
-          <a:bodyPr/>
-          <a:lstStyle/>
-          <a:p>
-            <a:pPr marL="0" indent="0">
-              <a:buNone/>
-            </a:pPr>
-            <a:r>
-              <a:rPr lang="en-US" altLang="zh-CN" dirty="0"/>
-              <a:t>Overview: Quantum computing has emerged to be the next disruptive technology since Feynman pointed out the enormous potential of quantum simulation. Compared to conventional digital computing, quantum computing can dramatically reduce the execution time, memory usage, and energy consumption. We attempt to use quantum computing to solve fluid mechanics problems. But simulating fluid dynamics on a quantum computer is intrinsically difficult due to the nonlinear and non-Hamiltonian nature of the Navier-Stokes equation. We attempt to solve some of these problems.</a:t>
-            </a:r>
-            <a:endParaRPr lang="zh-CN" altLang="en-US" dirty="0"/>
-          </a:p>
-        </p:txBody>
-      </p:sp>
-    </p:spTree>
-    <p:extLst>
-      <p:ext uri="{BB962C8B-B14F-4D97-AF65-F5344CB8AC3E}">
-        <p14:creationId xmlns:p14="http://schemas.microsoft.com/office/powerpoint/2010/main" val="1860000598"/>
-      </p:ext>
-    </p:extLst>
-  </p:cSld>
-  <p:clrMapOvr>
-    <a:masterClrMapping/>
-  </p:clrMapOvr>
-</p:sld>
-</file>
-
-<file path=ppt/slides/slide6.xml><?xml version="1.0" encoding="utf-8"?>
-<p:sld xmlns:a="http://schemas.openxmlformats.org/drawingml/2006/main" xmlns:r="http://schemas.openxmlformats.org/officeDocument/2006/relationships" xmlns:p="http://schemas.openxmlformats.org/presentationml/2006/main">
-  <p:cSld>
-    <p:spTree>
-      <p:nvGrpSpPr>
-        <p:cNvPr id="1" name=""/>
-        <p:cNvGrpSpPr/>
-        <p:nvPr/>
-      </p:nvGrpSpPr>
-      <p:grpSpPr>
-        <a:xfrm>
-          <a:off x="0" y="0"/>
-          <a:ext cx="0" cy="0"/>
-          <a:chOff x="0" y="0"/>
-          <a:chExt cx="0" cy="0"/>
-        </a:xfrm>
-      </p:grpSpPr>
-      <p:sp>
-        <p:nvSpPr>
-          <p:cNvPr id="2" name="标题 1">
-            <a:extLst>
-              <a:ext uri="{FF2B5EF4-FFF2-40B4-BE49-F238E27FC236}">
                 <a16:creationId xmlns:a16="http://schemas.microsoft.com/office/drawing/2014/main" id="{ACBC7DE9-10FE-4DFD-ADB7-C940DC4CAB6A}"/>
               </a:ext>
             </a:extLst>
@@ -4847,7 +4616,7 @@
         <p:spPr>
           <a:xfrm>
             <a:off x="0" y="1390619"/>
-            <a:ext cx="5246811" cy="4351338"/>
+            <a:ext cx="5778631" cy="4792392"/>
           </a:xfrm>
         </p:spPr>
       </p:pic>
@@ -4942,7 +4711,7 @@
 </p:sld>
 </file>
 
-<file path=ppt/slides/slide7.xml><?xml version="1.0" encoding="utf-8"?>
+<file path=ppt/slides/slide4.xml><?xml version="1.0" encoding="utf-8"?>
 <p:sld xmlns:a="http://schemas.openxmlformats.org/drawingml/2006/main" xmlns:r="http://schemas.openxmlformats.org/officeDocument/2006/relationships" xmlns:p="http://schemas.openxmlformats.org/presentationml/2006/main">
   <p:cSld>
     <p:spTree>
@@ -5275,6 +5044,600 @@
 </p:sld>
 </file>
 
+<file path=ppt/slides/slide5.xml><?xml version="1.0" encoding="utf-8"?>
+<p:sld xmlns:a="http://schemas.openxmlformats.org/drawingml/2006/main" xmlns:r="http://schemas.openxmlformats.org/officeDocument/2006/relationships" xmlns:p="http://schemas.openxmlformats.org/presentationml/2006/main">
+  <p:cSld>
+    <p:spTree>
+      <p:nvGrpSpPr>
+        <p:cNvPr id="1" name=""/>
+        <p:cNvGrpSpPr/>
+        <p:nvPr/>
+      </p:nvGrpSpPr>
+      <p:grpSpPr>
+        <a:xfrm>
+          <a:off x="0" y="0"/>
+          <a:ext cx="0" cy="0"/>
+          <a:chOff x="0" y="0"/>
+          <a:chExt cx="0" cy="0"/>
+        </a:xfrm>
+      </p:grpSpPr>
+      <p:sp>
+        <p:nvSpPr>
+          <p:cNvPr id="3" name="内容占位符 2">
+            <a:extLst>
+              <a:ext uri="{FF2B5EF4-FFF2-40B4-BE49-F238E27FC236}">
+                <a16:creationId xmlns:a16="http://schemas.microsoft.com/office/drawing/2014/main" id="{7D1593B9-9B74-4D2B-8835-150AB5617E57}"/>
+              </a:ext>
+            </a:extLst>
+          </p:cNvPr>
+          <p:cNvSpPr>
+            <a:spLocks noGrp="1"/>
+          </p:cNvSpPr>
+          <p:nvPr>
+            <p:ph idx="1"/>
+          </p:nvPr>
+        </p:nvSpPr>
+        <p:spPr>
+          <a:xfrm>
+            <a:off x="612559" y="582752"/>
+            <a:ext cx="10515600" cy="4351338"/>
+          </a:xfrm>
+        </p:spPr>
+        <p:txBody>
+          <a:bodyPr/>
+          <a:lstStyle/>
+          <a:p>
+            <a:pPr marL="0" indent="0">
+              <a:buNone/>
+            </a:pPr>
+            <a:r>
+              <a:rPr lang="en-US" altLang="zh-CN" dirty="0"/>
+              <a:t>Building on my senior's research, I discovered that the square of </a:t>
+            </a:r>
+            <a:r>
+              <a:rPr lang="zh-CN" altLang="en-US" dirty="0"/>
+              <a:t>𝑘</a:t>
+            </a:r>
+            <a:r>
+              <a:rPr lang="en-US" altLang="zh-CN" dirty="0"/>
+              <a:t> can be replaced with a polynomial form of </a:t>
+            </a:r>
+            <a:r>
+              <a:rPr lang="zh-CN" altLang="en-US" dirty="0"/>
+              <a:t>𝑘</a:t>
+            </a:r>
+            <a:r>
+              <a:rPr lang="en-US" altLang="zh-CN" dirty="0"/>
+              <a:t>, which can further be approximated through a Taylor expansion for a general form.</a:t>
+            </a:r>
+            <a:endParaRPr lang="zh-CN" altLang="en-US" dirty="0"/>
+          </a:p>
+        </p:txBody>
+      </p:sp>
+      <p:sp>
+        <p:nvSpPr>
+          <p:cNvPr id="9" name="文本框 8">
+            <a:extLst>
+              <a:ext uri="{FF2B5EF4-FFF2-40B4-BE49-F238E27FC236}">
+                <a16:creationId xmlns:a16="http://schemas.microsoft.com/office/drawing/2014/main" id="{48FB144A-C28A-4076-8F18-02FE0F4DDD0F}"/>
+              </a:ext>
+            </a:extLst>
+          </p:cNvPr>
+          <p:cNvSpPr txBox="1"/>
+          <p:nvPr/>
+        </p:nvSpPr>
+        <p:spPr>
+          <a:xfrm>
+            <a:off x="9066159" y="3429000"/>
+            <a:ext cx="1464815" cy="307777"/>
+          </a:xfrm>
+          <a:prstGeom prst="rect">
+            <a:avLst/>
+          </a:prstGeom>
+          <a:noFill/>
+        </p:spPr>
+        <p:txBody>
+          <a:bodyPr wrap="square" rtlCol="0">
+            <a:spAutoFit/>
+          </a:bodyPr>
+          <a:lstStyle/>
+          <a:p>
+            <a:r>
+              <a:rPr lang="en-US" altLang="zh-CN" sz="1400" dirty="0"/>
+              <a:t>(b)</a:t>
+            </a:r>
+            <a:endParaRPr lang="zh-CN" altLang="en-US" sz="1400" dirty="0"/>
+          </a:p>
+        </p:txBody>
+      </p:sp>
+      <p:sp>
+        <p:nvSpPr>
+          <p:cNvPr id="10" name="文本框 9">
+            <a:extLst>
+              <a:ext uri="{FF2B5EF4-FFF2-40B4-BE49-F238E27FC236}">
+                <a16:creationId xmlns:a16="http://schemas.microsoft.com/office/drawing/2014/main" id="{1CF52C25-4F22-4A52-BDF6-CF562C3546EB}"/>
+              </a:ext>
+            </a:extLst>
+          </p:cNvPr>
+          <p:cNvSpPr txBox="1"/>
+          <p:nvPr/>
+        </p:nvSpPr>
+        <p:spPr>
+          <a:xfrm>
+            <a:off x="612559" y="4863566"/>
+            <a:ext cx="9489999" cy="369332"/>
+          </a:xfrm>
+          <a:prstGeom prst="rect">
+            <a:avLst/>
+          </a:prstGeom>
+          <a:noFill/>
+        </p:spPr>
+        <p:txBody>
+          <a:bodyPr wrap="square" rtlCol="0">
+            <a:spAutoFit/>
+          </a:bodyPr>
+          <a:lstStyle/>
+          <a:p>
+            <a:endParaRPr lang="zh-CN" altLang="en-US" dirty="0"/>
+          </a:p>
+        </p:txBody>
+      </p:sp>
+      <p:pic>
+        <p:nvPicPr>
+          <p:cNvPr id="14" name="图片 13">
+            <a:extLst>
+              <a:ext uri="{FF2B5EF4-FFF2-40B4-BE49-F238E27FC236}">
+                <a16:creationId xmlns:a16="http://schemas.microsoft.com/office/drawing/2014/main" id="{4292B955-CE1D-4B8E-A5D7-D38F86106219}"/>
+              </a:ext>
+            </a:extLst>
+          </p:cNvPr>
+          <p:cNvPicPr>
+            <a:picLocks noChangeAspect="1"/>
+          </p:cNvPicPr>
+          <p:nvPr/>
+        </p:nvPicPr>
+        <p:blipFill>
+          <a:blip r:embed="rId2">
+            <a:extLst>
+              <a:ext uri="{28A0092B-C50C-407E-A947-70E740481C1C}">
+                <a14:useLocalDpi xmlns:a14="http://schemas.microsoft.com/office/drawing/2010/main" val="0"/>
+              </a:ext>
+            </a:extLst>
+          </a:blip>
+          <a:stretch>
+            <a:fillRect/>
+          </a:stretch>
+        </p:blipFill>
+        <p:spPr>
+          <a:xfrm>
+            <a:off x="2227653" y="2221439"/>
+            <a:ext cx="6241321" cy="1691787"/>
+          </a:xfrm>
+          <a:prstGeom prst="rect">
+            <a:avLst/>
+          </a:prstGeom>
+        </p:spPr>
+      </p:pic>
+      <p:pic>
+        <p:nvPicPr>
+          <p:cNvPr id="16" name="图片 15">
+            <a:extLst>
+              <a:ext uri="{FF2B5EF4-FFF2-40B4-BE49-F238E27FC236}">
+                <a16:creationId xmlns:a16="http://schemas.microsoft.com/office/drawing/2014/main" id="{11A1DAE4-03A2-4F6C-B727-5878D0B8F523}"/>
+              </a:ext>
+            </a:extLst>
+          </p:cNvPr>
+          <p:cNvPicPr>
+            <a:picLocks noChangeAspect="1"/>
+          </p:cNvPicPr>
+          <p:nvPr/>
+        </p:nvPicPr>
+        <p:blipFill>
+          <a:blip r:embed="rId3">
+            <a:extLst>
+              <a:ext uri="{28A0092B-C50C-407E-A947-70E740481C1C}">
+                <a14:useLocalDpi xmlns:a14="http://schemas.microsoft.com/office/drawing/2010/main" val="0"/>
+              </a:ext>
+            </a:extLst>
+          </a:blip>
+          <a:stretch>
+            <a:fillRect/>
+          </a:stretch>
+        </p:blipFill>
+        <p:spPr>
+          <a:xfrm>
+            <a:off x="1945719" y="4527987"/>
+            <a:ext cx="7849280" cy="1409822"/>
+          </a:xfrm>
+          <a:prstGeom prst="rect">
+            <a:avLst/>
+          </a:prstGeom>
+        </p:spPr>
+      </p:pic>
+      <p:sp>
+        <p:nvSpPr>
+          <p:cNvPr id="11" name="文本框 10">
+            <a:extLst>
+              <a:ext uri="{FF2B5EF4-FFF2-40B4-BE49-F238E27FC236}">
+                <a16:creationId xmlns:a16="http://schemas.microsoft.com/office/drawing/2014/main" id="{47398941-7AE9-4260-9D45-812C9759F556}"/>
+              </a:ext>
+            </a:extLst>
+          </p:cNvPr>
+          <p:cNvSpPr txBox="1"/>
+          <p:nvPr/>
+        </p:nvSpPr>
+        <p:spPr>
+          <a:xfrm>
+            <a:off x="9066159" y="2270092"/>
+            <a:ext cx="1464815" cy="307777"/>
+          </a:xfrm>
+          <a:prstGeom prst="rect">
+            <a:avLst/>
+          </a:prstGeom>
+          <a:noFill/>
+        </p:spPr>
+        <p:txBody>
+          <a:bodyPr wrap="square" rtlCol="0">
+            <a:spAutoFit/>
+          </a:bodyPr>
+          <a:lstStyle/>
+          <a:p>
+            <a:r>
+              <a:rPr lang="en-US" altLang="zh-CN" sz="1400" dirty="0"/>
+              <a:t>(a)</a:t>
+            </a:r>
+            <a:endParaRPr lang="zh-CN" altLang="en-US" sz="1400" dirty="0"/>
+          </a:p>
+        </p:txBody>
+      </p:sp>
+    </p:spTree>
+    <p:extLst>
+      <p:ext uri="{BB962C8B-B14F-4D97-AF65-F5344CB8AC3E}">
+        <p14:creationId xmlns:p14="http://schemas.microsoft.com/office/powerpoint/2010/main" val="118807476"/>
+      </p:ext>
+    </p:extLst>
+  </p:cSld>
+  <p:clrMapOvr>
+    <a:masterClrMapping/>
+  </p:clrMapOvr>
+</p:sld>
+</file>
+
+<file path=ppt/slides/slide6.xml><?xml version="1.0" encoding="utf-8"?>
+<p:sld xmlns:a="http://schemas.openxmlformats.org/drawingml/2006/main" xmlns:r="http://schemas.openxmlformats.org/officeDocument/2006/relationships" xmlns:p="http://schemas.openxmlformats.org/presentationml/2006/main">
+  <p:cSld>
+    <p:spTree>
+      <p:nvGrpSpPr>
+        <p:cNvPr id="1" name=""/>
+        <p:cNvGrpSpPr/>
+        <p:nvPr/>
+      </p:nvGrpSpPr>
+      <p:grpSpPr>
+        <a:xfrm>
+          <a:off x="0" y="0"/>
+          <a:ext cx="0" cy="0"/>
+          <a:chOff x="0" y="0"/>
+          <a:chExt cx="0" cy="0"/>
+        </a:xfrm>
+      </p:grpSpPr>
+      <p:sp>
+        <p:nvSpPr>
+          <p:cNvPr id="3" name="内容占位符 2">
+            <a:extLst>
+              <a:ext uri="{FF2B5EF4-FFF2-40B4-BE49-F238E27FC236}">
+                <a16:creationId xmlns:a16="http://schemas.microsoft.com/office/drawing/2014/main" id="{B99EA5DF-BAE9-41CC-ABC0-F75200D7B667}"/>
+              </a:ext>
+            </a:extLst>
+          </p:cNvPr>
+          <p:cNvSpPr>
+            <a:spLocks noGrp="1"/>
+          </p:cNvSpPr>
+          <p:nvPr>
+            <p:ph idx="1"/>
+          </p:nvPr>
+        </p:nvSpPr>
+        <p:spPr>
+          <a:xfrm>
+            <a:off x="838200" y="447814"/>
+            <a:ext cx="10515600" cy="4351338"/>
+          </a:xfrm>
+        </p:spPr>
+        <p:txBody>
+          <a:bodyPr/>
+          <a:lstStyle/>
+          <a:p>
+            <a:pPr marL="0" indent="0">
+              <a:buNone/>
+            </a:pPr>
+            <a:r>
+              <a:rPr lang="en-US" altLang="zh-CN" dirty="0"/>
+              <a:t>Another discovery: a method was found to extract physical information from multiple quantum states simultaneously.</a:t>
+            </a:r>
+            <a:endParaRPr lang="zh-CN" altLang="en-US" dirty="0"/>
+          </a:p>
+        </p:txBody>
+      </p:sp>
+      <p:pic>
+        <p:nvPicPr>
+          <p:cNvPr id="5" name="图片 4">
+            <a:extLst>
+              <a:ext uri="{FF2B5EF4-FFF2-40B4-BE49-F238E27FC236}">
+                <a16:creationId xmlns:a16="http://schemas.microsoft.com/office/drawing/2014/main" id="{5310CD31-D4FE-48D6-BFFF-28E54A77D8A9}"/>
+              </a:ext>
+            </a:extLst>
+          </p:cNvPr>
+          <p:cNvPicPr>
+            <a:picLocks noChangeAspect="1"/>
+          </p:cNvPicPr>
+          <p:nvPr/>
+        </p:nvPicPr>
+        <p:blipFill>
+          <a:blip r:embed="rId2">
+            <a:extLst>
+              <a:ext uri="{28A0092B-C50C-407E-A947-70E740481C1C}">
+                <a14:useLocalDpi xmlns:a14="http://schemas.microsoft.com/office/drawing/2010/main" val="0"/>
+              </a:ext>
+            </a:extLst>
+          </a:blip>
+          <a:stretch>
+            <a:fillRect/>
+          </a:stretch>
+        </p:blipFill>
+        <p:spPr>
+          <a:xfrm>
+            <a:off x="1658969" y="1519042"/>
+            <a:ext cx="7879763" cy="3429297"/>
+          </a:xfrm>
+          <a:prstGeom prst="rect">
+            <a:avLst/>
+          </a:prstGeom>
+        </p:spPr>
+      </p:pic>
+      <p:sp>
+        <p:nvSpPr>
+          <p:cNvPr id="6" name="文本框 5">
+            <a:extLst>
+              <a:ext uri="{FF2B5EF4-FFF2-40B4-BE49-F238E27FC236}">
+                <a16:creationId xmlns:a16="http://schemas.microsoft.com/office/drawing/2014/main" id="{37512B31-8645-4C28-BBCA-288B6CBECC04}"/>
+              </a:ext>
+            </a:extLst>
+          </p:cNvPr>
+          <p:cNvSpPr txBox="1"/>
+          <p:nvPr/>
+        </p:nvSpPr>
+        <p:spPr>
+          <a:xfrm>
+            <a:off x="1012054" y="5220070"/>
+            <a:ext cx="10341746" cy="1200329"/>
+          </a:xfrm>
+          <a:prstGeom prst="rect">
+            <a:avLst/>
+          </a:prstGeom>
+          <a:noFill/>
+        </p:spPr>
+        <p:txBody>
+          <a:bodyPr wrap="square" rtlCol="0">
+            <a:spAutoFit/>
+          </a:bodyPr>
+          <a:lstStyle/>
+          <a:p>
+            <a:r>
+              <a:rPr lang="en-US" altLang="zh-CN" dirty="0"/>
+              <a:t>The original measurement method required constructing multiple quantum circuits for measurement. However, the newly discovered method allows obtaining results through multiple measurements using a single quantum circuit. For detailed information, please refer to [Quantum Measurement.pdf] on my personal website.</a:t>
+            </a:r>
+            <a:endParaRPr lang="zh-CN" altLang="en-US" dirty="0"/>
+          </a:p>
+        </p:txBody>
+      </p:sp>
+    </p:spTree>
+    <p:extLst>
+      <p:ext uri="{BB962C8B-B14F-4D97-AF65-F5344CB8AC3E}">
+        <p14:creationId xmlns:p14="http://schemas.microsoft.com/office/powerpoint/2010/main" val="2790947193"/>
+      </p:ext>
+    </p:extLst>
+  </p:cSld>
+  <p:clrMapOvr>
+    <a:masterClrMapping/>
+  </p:clrMapOvr>
+</p:sld>
+</file>
+
+<file path=ppt/slides/slide7.xml><?xml version="1.0" encoding="utf-8"?>
+<p:sld xmlns:a="http://schemas.openxmlformats.org/drawingml/2006/main" xmlns:r="http://schemas.openxmlformats.org/officeDocument/2006/relationships" xmlns:p="http://schemas.openxmlformats.org/presentationml/2006/main">
+  <p:cSld>
+    <p:spTree>
+      <p:nvGrpSpPr>
+        <p:cNvPr id="1" name=""/>
+        <p:cNvGrpSpPr/>
+        <p:nvPr/>
+      </p:nvGrpSpPr>
+      <p:grpSpPr>
+        <a:xfrm>
+          <a:off x="0" y="0"/>
+          <a:ext cx="0" cy="0"/>
+          <a:chOff x="0" y="0"/>
+          <a:chExt cx="0" cy="0"/>
+        </a:xfrm>
+      </p:grpSpPr>
+      <p:sp>
+        <p:nvSpPr>
+          <p:cNvPr id="2" name="标题 1">
+            <a:extLst>
+              <a:ext uri="{FF2B5EF4-FFF2-40B4-BE49-F238E27FC236}">
+                <a16:creationId xmlns:a16="http://schemas.microsoft.com/office/drawing/2014/main" id="{8EDF7EEF-616B-4FAB-A913-5F1A2C55DCCD}"/>
+              </a:ext>
+            </a:extLst>
+          </p:cNvPr>
+          <p:cNvSpPr>
+            <a:spLocks noGrp="1"/>
+          </p:cNvSpPr>
+          <p:nvPr>
+            <p:ph type="title"/>
+          </p:nvPr>
+        </p:nvSpPr>
+        <p:spPr>
+          <a:xfrm>
+            <a:off x="426720" y="36576"/>
+            <a:ext cx="10515600" cy="1325563"/>
+          </a:xfrm>
+        </p:spPr>
+        <p:txBody>
+          <a:bodyPr/>
+          <a:lstStyle/>
+          <a:p>
+            <a:r>
+              <a:rPr lang="en-US" altLang="zh-CN" dirty="0"/>
+              <a:t>Recent work</a:t>
+            </a:r>
+            <a:endParaRPr lang="zh-CN" altLang="en-US" dirty="0"/>
+          </a:p>
+        </p:txBody>
+      </p:sp>
+      <p:sp>
+        <p:nvSpPr>
+          <p:cNvPr id="3" name="内容占位符 2">
+            <a:extLst>
+              <a:ext uri="{FF2B5EF4-FFF2-40B4-BE49-F238E27FC236}">
+                <a16:creationId xmlns:a16="http://schemas.microsoft.com/office/drawing/2014/main" id="{F626AF55-FAC0-49E6-9A5A-D291A7E4C796}"/>
+              </a:ext>
+            </a:extLst>
+          </p:cNvPr>
+          <p:cNvSpPr>
+            <a:spLocks noGrp="1"/>
+          </p:cNvSpPr>
+          <p:nvPr>
+            <p:ph idx="1"/>
+          </p:nvPr>
+        </p:nvSpPr>
+        <p:spPr>
+          <a:xfrm>
+            <a:off x="426720" y="1204523"/>
+            <a:ext cx="11641255" cy="4038917"/>
+          </a:xfrm>
+        </p:spPr>
+        <p:txBody>
+          <a:bodyPr>
+            <a:noAutofit/>
+          </a:bodyPr>
+          <a:lstStyle/>
+          <a:p>
+            <a:pPr marL="0" indent="0">
+              <a:lnSpc>
+                <a:spcPct val="150000"/>
+              </a:lnSpc>
+              <a:buNone/>
+            </a:pPr>
+            <a:r>
+              <a:rPr lang="en-US" altLang="zh-CN" dirty="0"/>
+              <a:t>We consider problems with boundary conditions. For different boundary conditions, there are fast diagonalization methods for the matrices corresponding to the difference schemes. We can base our quantum computation on this approach to address boundary value problems.</a:t>
+            </a:r>
+            <a:endParaRPr lang="zh-CN" altLang="en-US" dirty="0"/>
+          </a:p>
+        </p:txBody>
+      </p:sp>
+      <p:pic>
+        <p:nvPicPr>
+          <p:cNvPr id="5" name="图片 4">
+            <a:extLst>
+              <a:ext uri="{FF2B5EF4-FFF2-40B4-BE49-F238E27FC236}">
+                <a16:creationId xmlns:a16="http://schemas.microsoft.com/office/drawing/2014/main" id="{F9291431-A8EC-462E-B2A0-BC2785316DFD}"/>
+              </a:ext>
+            </a:extLst>
+          </p:cNvPr>
+          <p:cNvPicPr>
+            <a:picLocks noChangeAspect="1"/>
+          </p:cNvPicPr>
+          <p:nvPr/>
+        </p:nvPicPr>
+        <p:blipFill>
+          <a:blip r:embed="rId3"/>
+          <a:stretch>
+            <a:fillRect/>
+          </a:stretch>
+        </p:blipFill>
+        <p:spPr>
+          <a:xfrm>
+            <a:off x="4986778" y="4708523"/>
+            <a:ext cx="2978871" cy="1348922"/>
+          </a:xfrm>
+          <a:prstGeom prst="rect">
+            <a:avLst/>
+          </a:prstGeom>
+        </p:spPr>
+      </p:pic>
+      <p:pic>
+        <p:nvPicPr>
+          <p:cNvPr id="7" name="图片 6">
+            <a:extLst>
+              <a:ext uri="{FF2B5EF4-FFF2-40B4-BE49-F238E27FC236}">
+                <a16:creationId xmlns:a16="http://schemas.microsoft.com/office/drawing/2014/main" id="{02E92E78-775B-4EC2-B89F-2C109DA47544}"/>
+              </a:ext>
+            </a:extLst>
+          </p:cNvPr>
+          <p:cNvPicPr>
+            <a:picLocks noChangeAspect="1"/>
+          </p:cNvPicPr>
+          <p:nvPr/>
+        </p:nvPicPr>
+        <p:blipFill>
+          <a:blip r:embed="rId4"/>
+          <a:stretch>
+            <a:fillRect/>
+          </a:stretch>
+        </p:blipFill>
+        <p:spPr>
+          <a:xfrm>
+            <a:off x="8549173" y="4708523"/>
+            <a:ext cx="2918894" cy="1141826"/>
+          </a:xfrm>
+          <a:prstGeom prst="rect">
+            <a:avLst/>
+          </a:prstGeom>
+        </p:spPr>
+      </p:pic>
+      <p:pic>
+        <p:nvPicPr>
+          <p:cNvPr id="9" name="图片 8">
+            <a:extLst>
+              <a:ext uri="{FF2B5EF4-FFF2-40B4-BE49-F238E27FC236}">
+                <a16:creationId xmlns:a16="http://schemas.microsoft.com/office/drawing/2014/main" id="{CAF74FFB-CC43-4B39-A331-328AE00D9D61}"/>
+              </a:ext>
+            </a:extLst>
+          </p:cNvPr>
+          <p:cNvPicPr>
+            <a:picLocks noChangeAspect="1"/>
+          </p:cNvPicPr>
+          <p:nvPr/>
+        </p:nvPicPr>
+        <p:blipFill>
+          <a:blip r:embed="rId5"/>
+          <a:stretch>
+            <a:fillRect/>
+          </a:stretch>
+        </p:blipFill>
+        <p:spPr>
+          <a:xfrm>
+            <a:off x="385871" y="4816043"/>
+            <a:ext cx="4437913" cy="1133883"/>
+          </a:xfrm>
+          <a:prstGeom prst="rect">
+            <a:avLst/>
+          </a:prstGeom>
+        </p:spPr>
+      </p:pic>
+    </p:spTree>
+    <p:extLst>
+      <p:ext uri="{BB962C8B-B14F-4D97-AF65-F5344CB8AC3E}">
+        <p14:creationId xmlns:p14="http://schemas.microsoft.com/office/powerpoint/2010/main" val="4246860563"/>
+      </p:ext>
+    </p:extLst>
+  </p:cSld>
+  <p:clrMapOvr>
+    <a:masterClrMapping/>
+  </p:clrMapOvr>
+</p:sld>
+</file>
+
 <file path=ppt/slides/slide8.xml><?xml version="1.0" encoding="utf-8"?>
 <p:sld xmlns:a="http://schemas.openxmlformats.org/drawingml/2006/main" xmlns:r="http://schemas.openxmlformats.org/officeDocument/2006/relationships" xmlns:p="http://schemas.openxmlformats.org/presentationml/2006/main">
   <p:cSld>
@@ -5294,131 +5657,196 @@
       </p:grpSpPr>
       <p:sp>
         <p:nvSpPr>
-          <p:cNvPr id="3" name="内容占位符 2">
-            <a:extLst>
-              <a:ext uri="{FF2B5EF4-FFF2-40B4-BE49-F238E27FC236}">
-                <a16:creationId xmlns:a16="http://schemas.microsoft.com/office/drawing/2014/main" id="{7D1593B9-9B74-4D2B-8835-150AB5617E57}"/>
-              </a:ext>
-            </a:extLst>
-          </p:cNvPr>
-          <p:cNvSpPr>
-            <a:spLocks noGrp="1"/>
-          </p:cNvSpPr>
-          <p:nvPr>
-            <p:ph idx="1"/>
-          </p:nvPr>
-        </p:nvSpPr>
-        <p:spPr>
-          <a:xfrm>
-            <a:off x="612559" y="582752"/>
-            <a:ext cx="10515600" cy="4351338"/>
-          </a:xfrm>
-        </p:spPr>
-        <p:txBody>
-          <a:bodyPr/>
-          <a:lstStyle/>
-          <a:p>
-            <a:pPr marL="0" indent="0">
-              <a:buNone/>
-            </a:pPr>
-            <a:r>
-              <a:rPr lang="en-US" altLang="zh-CN" dirty="0"/>
-              <a:t>Building on my senior's research, I discovered that the square of </a:t>
-            </a:r>
-            <a:r>
-              <a:rPr lang="zh-CN" altLang="en-US" dirty="0"/>
-              <a:t>𝑘</a:t>
-            </a:r>
-            <a:r>
-              <a:rPr lang="en-US" altLang="zh-CN" dirty="0"/>
-              <a:t> can be replaced with a polynomial form of </a:t>
-            </a:r>
-            <a:r>
-              <a:rPr lang="zh-CN" altLang="en-US" dirty="0"/>
-              <a:t>𝑘</a:t>
-            </a:r>
-            <a:r>
-              <a:rPr lang="en-US" altLang="zh-CN" dirty="0"/>
-              <a:t>, which can further be approximated through a Taylor expansion for a general form.</a:t>
-            </a:r>
-            <a:endParaRPr lang="zh-CN" altLang="en-US" dirty="0"/>
-          </a:p>
-        </p:txBody>
-      </p:sp>
-      <p:sp>
-        <p:nvSpPr>
-          <p:cNvPr id="9" name="文本框 8">
-            <a:extLst>
-              <a:ext uri="{FF2B5EF4-FFF2-40B4-BE49-F238E27FC236}">
-                <a16:creationId xmlns:a16="http://schemas.microsoft.com/office/drawing/2014/main" id="{48FB144A-C28A-4076-8F18-02FE0F4DDD0F}"/>
-              </a:ext>
-            </a:extLst>
-          </p:cNvPr>
-          <p:cNvSpPr txBox="1"/>
-          <p:nvPr/>
-        </p:nvSpPr>
-        <p:spPr>
-          <a:xfrm>
-            <a:off x="9066159" y="3429000"/>
-            <a:ext cx="1464815" cy="307777"/>
-          </a:xfrm>
-          <a:prstGeom prst="rect">
-            <a:avLst/>
-          </a:prstGeom>
-          <a:noFill/>
-        </p:spPr>
-        <p:txBody>
-          <a:bodyPr wrap="square" rtlCol="0">
-            <a:spAutoFit/>
+          <p:cNvPr id="2" name="标题 1">
+            <a:extLst>
+              <a:ext uri="{FF2B5EF4-FFF2-40B4-BE49-F238E27FC236}">
+                <a16:creationId xmlns:a16="http://schemas.microsoft.com/office/drawing/2014/main" id="{49D21CBD-C087-472E-A477-9E3949B9E6E7}"/>
+              </a:ext>
+            </a:extLst>
+          </p:cNvPr>
+          <p:cNvSpPr>
+            <a:spLocks noGrp="1"/>
+          </p:cNvSpPr>
+          <p:nvPr>
+            <p:ph type="ctrTitle"/>
+          </p:nvPr>
+        </p:nvSpPr>
+        <p:spPr>
+          <a:xfrm>
+            <a:off x="0" y="0"/>
+            <a:ext cx="10460610" cy="587654"/>
+          </a:xfrm>
+        </p:spPr>
+        <p:txBody>
+          <a:bodyPr>
+            <a:normAutofit/>
           </a:bodyPr>
           <a:lstStyle/>
           <a:p>
-            <a:r>
-              <a:rPr lang="en-US" altLang="zh-CN" sz="1400" dirty="0"/>
-              <a:t>(b)</a:t>
-            </a:r>
-            <a:endParaRPr lang="zh-CN" altLang="en-US" sz="1400" dirty="0"/>
-          </a:p>
-        </p:txBody>
-      </p:sp>
-      <p:sp>
-        <p:nvSpPr>
-          <p:cNvPr id="10" name="文本框 9">
-            <a:extLst>
-              <a:ext uri="{FF2B5EF4-FFF2-40B4-BE49-F238E27FC236}">
-                <a16:creationId xmlns:a16="http://schemas.microsoft.com/office/drawing/2014/main" id="{1CF52C25-4F22-4A52-BDF6-CF562C3546EB}"/>
-              </a:ext>
-            </a:extLst>
-          </p:cNvPr>
-          <p:cNvSpPr txBox="1"/>
-          <p:nvPr/>
-        </p:nvSpPr>
-        <p:spPr>
-          <a:xfrm>
-            <a:off x="612559" y="4863566"/>
-            <a:ext cx="9489999" cy="369332"/>
-          </a:xfrm>
-          <a:prstGeom prst="rect">
-            <a:avLst/>
-          </a:prstGeom>
-          <a:noFill/>
-        </p:spPr>
-        <p:txBody>
-          <a:bodyPr wrap="square" rtlCol="0">
-            <a:spAutoFit/>
-          </a:bodyPr>
-          <a:lstStyle/>
-          <a:p>
-            <a:endParaRPr lang="zh-CN" altLang="en-US" dirty="0"/>
-          </a:p>
-        </p:txBody>
-      </p:sp>
+            <a:pPr algn="l"/>
+            <a:r>
+              <a:rPr lang="en-US" altLang="zh-CN" sz="3200" b="1" dirty="0"/>
+              <a:t>  Fast diagonalization of different numerical schemes</a:t>
+            </a:r>
+            <a:endParaRPr lang="zh-CN" altLang="en-US" sz="3200" b="1" dirty="0"/>
+          </a:p>
+        </p:txBody>
+      </p:sp>
+      <mc:AlternateContent xmlns:mc="http://schemas.openxmlformats.org/markup-compatibility/2006" xmlns:a14="http://schemas.microsoft.com/office/drawing/2010/main">
+        <mc:Choice Requires="a14">
+          <p:sp>
+            <p:nvSpPr>
+              <p:cNvPr id="3" name="文本框 2">
+                <a:extLst>
+                  <a:ext uri="{FF2B5EF4-FFF2-40B4-BE49-F238E27FC236}">
+                    <a16:creationId xmlns:a16="http://schemas.microsoft.com/office/drawing/2014/main" id="{14EA9939-1DBF-4DE6-AC10-786C08A813FD}"/>
+                  </a:ext>
+                </a:extLst>
+              </p:cNvPr>
+              <p:cNvSpPr txBox="1"/>
+              <p:nvPr/>
+            </p:nvSpPr>
+            <p:spPr>
+              <a:xfrm>
+                <a:off x="244754" y="668349"/>
+                <a:ext cx="7484881" cy="369332"/>
+              </a:xfrm>
+              <a:prstGeom prst="rect">
+                <a:avLst/>
+              </a:prstGeom>
+              <a:noFill/>
+            </p:spPr>
+            <p:txBody>
+              <a:bodyPr wrap="square" rtlCol="0">
+                <a:spAutoFit/>
+              </a:bodyPr>
+              <a:lstStyle/>
+              <a:p>
+                <a:r>
+                  <a:rPr lang="en-US" altLang="zh-CN" dirty="0"/>
+                  <a:t>For the four schemes, we can decompose them quickly :</a:t>
+                </a:r>
+                <a14:m>
+                  <m:oMath xmlns:m="http://schemas.openxmlformats.org/officeDocument/2006/math">
+                    <m:r>
+                      <a:rPr lang="en-US" altLang="zh-CN" b="0" i="0" smtClean="0">
+                        <a:latin typeface="Cambria Math" panose="02040503050406030204" pitchFamily="18" charset="0"/>
+                      </a:rPr>
+                      <m:t> </m:t>
+                    </m:r>
+                    <m:r>
+                      <m:rPr>
+                        <m:sty m:val="p"/>
+                      </m:rPr>
+                      <a:rPr lang="en-US" altLang="zh-CN" b="0" i="0" smtClean="0">
+                        <a:latin typeface="Cambria Math" panose="02040503050406030204" pitchFamily="18" charset="0"/>
+                      </a:rPr>
+                      <m:t>T</m:t>
+                    </m:r>
+                    <m:r>
+                      <a:rPr lang="en-US" altLang="zh-CN" b="0" i="0" smtClean="0">
+                        <a:latin typeface="Cambria Math" panose="02040503050406030204" pitchFamily="18" charset="0"/>
+                      </a:rPr>
+                      <m:t>=</m:t>
+                    </m:r>
+                    <m:sSup>
+                      <m:sSupPr>
+                        <m:ctrlPr>
+                          <a:rPr lang="en-US" altLang="zh-CN" b="0" i="1" smtClean="0">
+                            <a:latin typeface="Cambria Math" panose="02040503050406030204" pitchFamily="18" charset="0"/>
+                          </a:rPr>
+                        </m:ctrlPr>
+                      </m:sSupPr>
+                      <m:e>
+                        <m:r>
+                          <a:rPr lang="en-US" altLang="zh-CN" b="0" i="1" smtClean="0">
+                            <a:latin typeface="Cambria Math" panose="02040503050406030204" pitchFamily="18" charset="0"/>
+                          </a:rPr>
+                          <m:t>𝑉</m:t>
+                        </m:r>
+                      </m:e>
+                      <m:sup>
+                        <m:r>
+                          <a:rPr lang="en-US" altLang="zh-CN" b="0" i="1" smtClean="0">
+                            <a:latin typeface="Cambria Math" panose="02040503050406030204" pitchFamily="18" charset="0"/>
+                          </a:rPr>
+                          <m:t>−1</m:t>
+                        </m:r>
+                      </m:sup>
+                    </m:sSup>
+                    <m:r>
+                      <m:rPr>
+                        <m:sty m:val="p"/>
+                      </m:rPr>
+                      <a:rPr lang="en-US" altLang="zh-CN" b="0" i="1" smtClean="0">
+                        <a:latin typeface="Cambria Math" panose="02040503050406030204" pitchFamily="18" charset="0"/>
+                      </a:rPr>
+                      <m:t>D</m:t>
+                    </m:r>
+                    <m:r>
+                      <a:rPr lang="en-US" altLang="zh-CN" b="0" i="1" smtClean="0">
+                        <a:latin typeface="Cambria Math" panose="02040503050406030204" pitchFamily="18" charset="0"/>
+                      </a:rPr>
+                      <m:t>𝑉</m:t>
+                    </m:r>
+                  </m:oMath>
+                </a14:m>
+                <a:endParaRPr lang="zh-CN" altLang="en-US" dirty="0"/>
+              </a:p>
+            </p:txBody>
+          </p:sp>
+        </mc:Choice>
+        <mc:Fallback xmlns="">
+          <p:sp>
+            <p:nvSpPr>
+              <p:cNvPr id="3" name="文本框 2">
+                <a:extLst>
+                  <a:ext uri="{FF2B5EF4-FFF2-40B4-BE49-F238E27FC236}">
+                    <a16:creationId xmlns:a16="http://schemas.microsoft.com/office/drawing/2014/main" id="{14EA9939-1DBF-4DE6-AC10-786C08A813FD}"/>
+                  </a:ext>
+                </a:extLst>
+              </p:cNvPr>
+              <p:cNvSpPr txBox="1">
+                <a:spLocks noRot="1" noChangeAspect="1" noMove="1" noResize="1" noEditPoints="1" noAdjustHandles="1" noChangeArrowheads="1" noChangeShapeType="1" noTextEdit="1"/>
+              </p:cNvSpPr>
+              <p:nvPr/>
+            </p:nvSpPr>
+            <p:spPr>
+              <a:xfrm>
+                <a:off x="244754" y="668349"/>
+                <a:ext cx="7484881" cy="369332"/>
+              </a:xfrm>
+              <a:prstGeom prst="rect">
+                <a:avLst/>
+              </a:prstGeom>
+              <a:blipFill>
+                <a:blip r:embed="rId2"/>
+                <a:stretch>
+                  <a:fillRect l="-651" t="-10000" b="-26667"/>
+                </a:stretch>
+              </a:blipFill>
+            </p:spPr>
+            <p:txBody>
+              <a:bodyPr/>
+              <a:lstStyle/>
+              <a:p>
+                <a:r>
+                  <a:rPr lang="zh-CN" altLang="en-US">
+                    <a:noFill/>
+                  </a:rPr>
+                  <a:t> </a:t>
+                </a:r>
+              </a:p>
+            </p:txBody>
+          </p:sp>
+        </mc:Fallback>
+      </mc:AlternateContent>
       <p:pic>
         <p:nvPicPr>
-          <p:cNvPr id="14" name="图片 13">
-            <a:extLst>
-              <a:ext uri="{FF2B5EF4-FFF2-40B4-BE49-F238E27FC236}">
-                <a16:creationId xmlns:a16="http://schemas.microsoft.com/office/drawing/2014/main" id="{4292B955-CE1D-4B8E-A5D7-D38F86106219}"/>
+          <p:cNvPr id="4" name="图片 3">
+            <a:extLst>
+              <a:ext uri="{FF2B5EF4-FFF2-40B4-BE49-F238E27FC236}">
+                <a16:creationId xmlns:a16="http://schemas.microsoft.com/office/drawing/2014/main" id="{F9E70491-4EA0-4446-AC53-8E1F41BA16C1}"/>
               </a:ext>
             </a:extLst>
           </p:cNvPr>
@@ -5428,21 +5856,15 @@
           <p:nvPr/>
         </p:nvPicPr>
         <p:blipFill>
-          <a:blip r:embed="rId2">
-            <a:extLst>
-              <a:ext uri="{28A0092B-C50C-407E-A947-70E740481C1C}">
-                <a14:useLocalDpi xmlns:a14="http://schemas.microsoft.com/office/drawing/2010/main" val="0"/>
-              </a:ext>
-            </a:extLst>
-          </a:blip>
+          <a:blip r:embed="rId3"/>
           <a:stretch>
             <a:fillRect/>
           </a:stretch>
         </p:blipFill>
         <p:spPr>
           <a:xfrm>
-            <a:off x="2227653" y="2221439"/>
-            <a:ext cx="6241321" cy="1691787"/>
+            <a:off x="244754" y="1119940"/>
+            <a:ext cx="6165130" cy="691037"/>
           </a:xfrm>
           <a:prstGeom prst="rect">
             <a:avLst/>
@@ -5451,10 +5873,10 @@
       </p:pic>
       <p:pic>
         <p:nvPicPr>
-          <p:cNvPr id="16" name="图片 15">
-            <a:extLst>
-              <a:ext uri="{FF2B5EF4-FFF2-40B4-BE49-F238E27FC236}">
-                <a16:creationId xmlns:a16="http://schemas.microsoft.com/office/drawing/2014/main" id="{11A1DAE4-03A2-4F6C-B727-5878D0B8F523}"/>
+          <p:cNvPr id="9" name="图片 8">
+            <a:extLst>
+              <a:ext uri="{FF2B5EF4-FFF2-40B4-BE49-F238E27FC236}">
+                <a16:creationId xmlns:a16="http://schemas.microsoft.com/office/drawing/2014/main" id="{26E27244-AEE6-4D49-90A5-045C66429B47}"/>
               </a:ext>
             </a:extLst>
           </p:cNvPr>
@@ -5464,7 +5886,7 @@
           <p:nvPr/>
         </p:nvPicPr>
         <p:blipFill>
-          <a:blip r:embed="rId3">
+          <a:blip r:embed="rId4">
             <a:extLst>
               <a:ext uri="{28A0092B-C50C-407E-A947-70E740481C1C}">
                 <a14:useLocalDpi xmlns:a14="http://schemas.microsoft.com/office/drawing/2010/main" val="0"/>
@@ -5477,54 +5899,709 @@
         </p:blipFill>
         <p:spPr>
           <a:xfrm>
-            <a:off x="1945719" y="4527987"/>
-            <a:ext cx="7849280" cy="1409822"/>
+            <a:off x="329938" y="1757540"/>
+            <a:ext cx="2846895" cy="725679"/>
           </a:xfrm>
           <a:prstGeom prst="rect">
             <a:avLst/>
           </a:prstGeom>
         </p:spPr>
       </p:pic>
-      <p:sp>
-        <p:nvSpPr>
-          <p:cNvPr id="11" name="文本框 10">
-            <a:extLst>
-              <a:ext uri="{FF2B5EF4-FFF2-40B4-BE49-F238E27FC236}">
-                <a16:creationId xmlns:a16="http://schemas.microsoft.com/office/drawing/2014/main" id="{47398941-7AE9-4260-9D45-812C9759F556}"/>
-              </a:ext>
-            </a:extLst>
-          </p:cNvPr>
-          <p:cNvSpPr txBox="1"/>
+      <p:pic>
+        <p:nvPicPr>
+          <p:cNvPr id="10" name="图片 9">
+            <a:extLst>
+              <a:ext uri="{FF2B5EF4-FFF2-40B4-BE49-F238E27FC236}">
+                <a16:creationId xmlns:a16="http://schemas.microsoft.com/office/drawing/2014/main" id="{B1609750-F329-4756-93F7-60A12ABD2A83}"/>
+              </a:ext>
+            </a:extLst>
+          </p:cNvPr>
+          <p:cNvPicPr>
+            <a:picLocks noChangeAspect="1"/>
+          </p:cNvPicPr>
           <p:nvPr/>
-        </p:nvSpPr>
-        <p:spPr>
-          <a:xfrm>
-            <a:off x="9066159" y="2270092"/>
-            <a:ext cx="1464815" cy="307777"/>
+        </p:nvPicPr>
+        <p:blipFill>
+          <a:blip r:embed="rId5"/>
+          <a:stretch>
+            <a:fillRect/>
+          </a:stretch>
+        </p:blipFill>
+        <p:spPr>
+          <a:xfrm>
+            <a:off x="4317133" y="1716713"/>
+            <a:ext cx="2616834" cy="793156"/>
           </a:xfrm>
           <a:prstGeom prst="rect">
             <a:avLst/>
           </a:prstGeom>
-          <a:noFill/>
-        </p:spPr>
-        <p:txBody>
-          <a:bodyPr wrap="square" rtlCol="0">
-            <a:spAutoFit/>
-          </a:bodyPr>
-          <a:lstStyle/>
-          <a:p>
-            <a:r>
-              <a:rPr lang="en-US" altLang="zh-CN" sz="1400" dirty="0"/>
-              <a:t>(a)</a:t>
-            </a:r>
-            <a:endParaRPr lang="zh-CN" altLang="en-US" sz="1400" dirty="0"/>
-          </a:p>
-        </p:txBody>
-      </p:sp>
+        </p:spPr>
+      </p:pic>
+      <p:pic>
+        <p:nvPicPr>
+          <p:cNvPr id="15" name="图片 14">
+            <a:extLst>
+              <a:ext uri="{FF2B5EF4-FFF2-40B4-BE49-F238E27FC236}">
+                <a16:creationId xmlns:a16="http://schemas.microsoft.com/office/drawing/2014/main" id="{7C1D9174-8780-4BA2-A535-6F9B153C7AC2}"/>
+              </a:ext>
+            </a:extLst>
+          </p:cNvPr>
+          <p:cNvPicPr>
+            <a:picLocks noChangeAspect="1"/>
+          </p:cNvPicPr>
+          <p:nvPr/>
+        </p:nvPicPr>
+        <p:blipFill>
+          <a:blip r:embed="rId6"/>
+          <a:stretch>
+            <a:fillRect/>
+          </a:stretch>
+        </p:blipFill>
+        <p:spPr>
+          <a:xfrm>
+            <a:off x="329938" y="2981558"/>
+            <a:ext cx="6821668" cy="702231"/>
+          </a:xfrm>
+          <a:prstGeom prst="rect">
+            <a:avLst/>
+          </a:prstGeom>
+        </p:spPr>
+      </p:pic>
+      <p:pic>
+        <p:nvPicPr>
+          <p:cNvPr id="16" name="图片 15">
+            <a:extLst>
+              <a:ext uri="{FF2B5EF4-FFF2-40B4-BE49-F238E27FC236}">
+                <a16:creationId xmlns:a16="http://schemas.microsoft.com/office/drawing/2014/main" id="{2A87528A-BCF2-42FF-ABBB-70C0E245654E}"/>
+              </a:ext>
+            </a:extLst>
+          </p:cNvPr>
+          <p:cNvPicPr>
+            <a:picLocks noChangeAspect="1"/>
+          </p:cNvPicPr>
+          <p:nvPr/>
+        </p:nvPicPr>
+        <p:blipFill>
+          <a:blip r:embed="rId7"/>
+          <a:stretch>
+            <a:fillRect/>
+          </a:stretch>
+        </p:blipFill>
+        <p:spPr>
+          <a:xfrm>
+            <a:off x="329938" y="3656179"/>
+            <a:ext cx="3502646" cy="686669"/>
+          </a:xfrm>
+          <a:prstGeom prst="rect">
+            <a:avLst/>
+          </a:prstGeom>
+        </p:spPr>
+      </p:pic>
+      <p:pic>
+        <p:nvPicPr>
+          <p:cNvPr id="17" name="图片 16">
+            <a:extLst>
+              <a:ext uri="{FF2B5EF4-FFF2-40B4-BE49-F238E27FC236}">
+                <a16:creationId xmlns:a16="http://schemas.microsoft.com/office/drawing/2014/main" id="{3AFE60A4-1246-446D-B576-B3E57B1068A1}"/>
+              </a:ext>
+            </a:extLst>
+          </p:cNvPr>
+          <p:cNvPicPr>
+            <a:picLocks noChangeAspect="1"/>
+          </p:cNvPicPr>
+          <p:nvPr/>
+        </p:nvPicPr>
+        <p:blipFill>
+          <a:blip r:embed="rId8"/>
+          <a:stretch>
+            <a:fillRect/>
+          </a:stretch>
+        </p:blipFill>
+        <p:spPr>
+          <a:xfrm>
+            <a:off x="4398447" y="3630528"/>
+            <a:ext cx="2454206" cy="765582"/>
+          </a:xfrm>
+          <a:prstGeom prst="rect">
+            <a:avLst/>
+          </a:prstGeom>
+        </p:spPr>
+      </p:pic>
+      <p:pic>
+        <p:nvPicPr>
+          <p:cNvPr id="18" name="图片 17">
+            <a:extLst>
+              <a:ext uri="{FF2B5EF4-FFF2-40B4-BE49-F238E27FC236}">
+                <a16:creationId xmlns:a16="http://schemas.microsoft.com/office/drawing/2014/main" id="{1EA1AEEC-E970-4616-ACBB-263BF71AF9D3}"/>
+              </a:ext>
+            </a:extLst>
+          </p:cNvPr>
+          <p:cNvPicPr>
+            <a:picLocks noChangeAspect="1"/>
+          </p:cNvPicPr>
+          <p:nvPr/>
+        </p:nvPicPr>
+        <p:blipFill>
+          <a:blip r:embed="rId9"/>
+          <a:stretch>
+            <a:fillRect/>
+          </a:stretch>
+        </p:blipFill>
+        <p:spPr>
+          <a:xfrm>
+            <a:off x="244754" y="4935873"/>
+            <a:ext cx="7031512" cy="775843"/>
+          </a:xfrm>
+          <a:prstGeom prst="rect">
+            <a:avLst/>
+          </a:prstGeom>
+        </p:spPr>
+      </p:pic>
+      <p:pic>
+        <p:nvPicPr>
+          <p:cNvPr id="19" name="图片 18">
+            <a:extLst>
+              <a:ext uri="{FF2B5EF4-FFF2-40B4-BE49-F238E27FC236}">
+                <a16:creationId xmlns:a16="http://schemas.microsoft.com/office/drawing/2014/main" id="{810CCA29-F940-459A-A1AD-17247E88C8C6}"/>
+              </a:ext>
+            </a:extLst>
+          </p:cNvPr>
+          <p:cNvPicPr>
+            <a:picLocks noChangeAspect="1"/>
+          </p:cNvPicPr>
+          <p:nvPr/>
+        </p:nvPicPr>
+        <p:blipFill>
+          <a:blip r:embed="rId10"/>
+          <a:stretch>
+            <a:fillRect/>
+          </a:stretch>
+        </p:blipFill>
+        <p:spPr>
+          <a:xfrm>
+            <a:off x="235327" y="5678148"/>
+            <a:ext cx="3987195" cy="703263"/>
+          </a:xfrm>
+          <a:prstGeom prst="rect">
+            <a:avLst/>
+          </a:prstGeom>
+        </p:spPr>
+      </p:pic>
+      <p:pic>
+        <p:nvPicPr>
+          <p:cNvPr id="20" name="图片 19">
+            <a:extLst>
+              <a:ext uri="{FF2B5EF4-FFF2-40B4-BE49-F238E27FC236}">
+                <a16:creationId xmlns:a16="http://schemas.microsoft.com/office/drawing/2014/main" id="{CA412EF2-C4D4-47C4-8544-702972C8B872}"/>
+              </a:ext>
+            </a:extLst>
+          </p:cNvPr>
+          <p:cNvPicPr>
+            <a:picLocks noChangeAspect="1"/>
+          </p:cNvPicPr>
+          <p:nvPr/>
+        </p:nvPicPr>
+        <p:blipFill>
+          <a:blip r:embed="rId11"/>
+          <a:stretch>
+            <a:fillRect/>
+          </a:stretch>
+        </p:blipFill>
+        <p:spPr>
+          <a:xfrm>
+            <a:off x="4573228" y="5603621"/>
+            <a:ext cx="2578378" cy="748930"/>
+          </a:xfrm>
+          <a:prstGeom prst="rect">
+            <a:avLst/>
+          </a:prstGeom>
+        </p:spPr>
+      </p:pic>
+      <mc:AlternateContent xmlns:mc="http://schemas.openxmlformats.org/markup-compatibility/2006" xmlns:a14="http://schemas.microsoft.com/office/drawing/2010/main">
+        <mc:Choice Requires="a14">
+          <p:sp>
+            <p:nvSpPr>
+              <p:cNvPr id="21" name="文本框 20">
+                <a:extLst>
+                  <a:ext uri="{FF2B5EF4-FFF2-40B4-BE49-F238E27FC236}">
+                    <a16:creationId xmlns:a16="http://schemas.microsoft.com/office/drawing/2014/main" id="{8450C527-1FBE-4527-AEE0-EE3B3E46D0FD}"/>
+                  </a:ext>
+                </a:extLst>
+              </p:cNvPr>
+              <p:cNvSpPr txBox="1"/>
+              <p:nvPr/>
+            </p:nvSpPr>
+            <p:spPr>
+              <a:xfrm>
+                <a:off x="7151606" y="3179124"/>
+                <a:ext cx="5081931" cy="421654"/>
+              </a:xfrm>
+              <a:prstGeom prst="rect">
+                <a:avLst/>
+              </a:prstGeom>
+              <a:noFill/>
+            </p:spPr>
+            <p:txBody>
+              <a:bodyPr wrap="square" rtlCol="0">
+                <a:spAutoFit/>
+              </a:bodyPr>
+              <a:lstStyle/>
+              <a:p>
+                <a:pPr/>
+                <a14:m>
+                  <m:oMathPara xmlns:m="http://schemas.openxmlformats.org/officeDocument/2006/math">
+                    <m:oMathParaPr>
+                      <m:jc m:val="centerGroup"/>
+                    </m:oMathParaPr>
+                    <m:oMath xmlns:m="http://schemas.openxmlformats.org/officeDocument/2006/math">
+                      <m:r>
+                        <a:rPr lang="en-US" altLang="zh-CN" b="0" i="1" smtClean="0">
+                          <a:latin typeface="Cambria Math" panose="02040503050406030204" pitchFamily="18" charset="0"/>
+                        </a:rPr>
+                        <m:t>𝑠</m:t>
+                      </m:r>
+                      <m:d>
+                        <m:dPr>
+                          <m:ctrlPr>
+                            <a:rPr lang="en-US" altLang="zh-CN" b="0" i="1" smtClean="0">
+                              <a:latin typeface="Cambria Math" panose="02040503050406030204" pitchFamily="18" charset="0"/>
+                            </a:rPr>
+                          </m:ctrlPr>
+                        </m:dPr>
+                        <m:e>
+                          <m:sSub>
+                            <m:sSubPr>
+                              <m:ctrlPr>
+                                <a:rPr lang="en-US" altLang="zh-CN" b="0" i="1" smtClean="0">
+                                  <a:latin typeface="Cambria Math" panose="02040503050406030204" pitchFamily="18" charset="0"/>
+                                </a:rPr>
+                              </m:ctrlPr>
+                            </m:sSubPr>
+                            <m:e>
+                              <m:r>
+                                <a:rPr lang="zh-CN" altLang="en-US" b="0" i="1" smtClean="0">
+                                  <a:latin typeface="Cambria Math" panose="02040503050406030204" pitchFamily="18" charset="0"/>
+                                </a:rPr>
+                                <m:t>𝜃</m:t>
+                              </m:r>
+                            </m:e>
+                            <m:sub>
+                              <m:r>
+                                <a:rPr lang="en-US" altLang="zh-CN" b="0" i="1" smtClean="0">
+                                  <a:latin typeface="Cambria Math" panose="02040503050406030204" pitchFamily="18" charset="0"/>
+                                </a:rPr>
+                                <m:t>𝑗</m:t>
+                              </m:r>
+                            </m:sub>
+                          </m:sSub>
+                        </m:e>
+                      </m:d>
+                      <m:r>
+                        <a:rPr lang="en-US" altLang="zh-CN" b="0" i="1" smtClean="0">
+                          <a:latin typeface="Cambria Math" panose="02040503050406030204" pitchFamily="18" charset="0"/>
+                        </a:rPr>
+                        <m:t>=</m:t>
+                      </m:r>
+                      <m:sSup>
+                        <m:sSupPr>
+                          <m:ctrlPr>
+                            <a:rPr lang="en-US" altLang="zh-CN" b="0" i="1" smtClean="0">
+                              <a:latin typeface="Cambria Math" panose="02040503050406030204" pitchFamily="18" charset="0"/>
+                            </a:rPr>
+                          </m:ctrlPr>
+                        </m:sSupPr>
+                        <m:e>
+                          <m:r>
+                            <a:rPr lang="en-US" altLang="zh-CN" b="0" i="1" smtClean="0">
+                              <a:latin typeface="Cambria Math" panose="02040503050406030204" pitchFamily="18" charset="0"/>
+                            </a:rPr>
+                            <m:t>(</m:t>
+                          </m:r>
+                          <m:r>
+                            <a:rPr lang="en-US" altLang="zh-CN" b="0" i="1" smtClean="0">
+                              <a:latin typeface="Cambria Math" panose="02040503050406030204" pitchFamily="18" charset="0"/>
+                            </a:rPr>
+                            <m:t>𝑠𝑖𝑛</m:t>
+                          </m:r>
+                          <m:sSub>
+                            <m:sSubPr>
+                              <m:ctrlPr>
+                                <a:rPr lang="en-US" altLang="zh-CN" b="0" i="1" smtClean="0">
+                                  <a:latin typeface="Cambria Math" panose="02040503050406030204" pitchFamily="18" charset="0"/>
+                                </a:rPr>
+                              </m:ctrlPr>
+                            </m:sSubPr>
+                            <m:e>
+                              <m:r>
+                                <a:rPr lang="zh-CN" altLang="en-US" b="0" i="1" smtClean="0">
+                                  <a:latin typeface="Cambria Math" panose="02040503050406030204" pitchFamily="18" charset="0"/>
+                                </a:rPr>
+                                <m:t>𝜃</m:t>
+                              </m:r>
+                            </m:e>
+                            <m:sub>
+                              <m:r>
+                                <a:rPr lang="en-US" altLang="zh-CN" b="0" i="1" smtClean="0">
+                                  <a:latin typeface="Cambria Math" panose="02040503050406030204" pitchFamily="18" charset="0"/>
+                                </a:rPr>
+                                <m:t>1</m:t>
+                              </m:r>
+                            </m:sub>
+                          </m:sSub>
+                          <m:r>
+                            <a:rPr lang="en-US" altLang="zh-CN" b="0" i="1" smtClean="0">
+                              <a:latin typeface="Cambria Math" panose="02040503050406030204" pitchFamily="18" charset="0"/>
+                            </a:rPr>
+                            <m:t>,</m:t>
+                          </m:r>
+                          <m:r>
+                            <a:rPr lang="en-US" altLang="zh-CN" b="0" i="1" smtClean="0">
+                              <a:latin typeface="Cambria Math" panose="02040503050406030204" pitchFamily="18" charset="0"/>
+                            </a:rPr>
+                            <m:t>𝑠𝑖𝑛</m:t>
+                          </m:r>
+                          <m:sSub>
+                            <m:sSubPr>
+                              <m:ctrlPr>
+                                <a:rPr lang="en-US" altLang="zh-CN" b="0" i="1" smtClean="0">
+                                  <a:latin typeface="Cambria Math" panose="02040503050406030204" pitchFamily="18" charset="0"/>
+                                </a:rPr>
+                              </m:ctrlPr>
+                            </m:sSubPr>
+                            <m:e>
+                              <m:r>
+                                <a:rPr lang="zh-CN" altLang="en-US" b="0" i="1" smtClean="0">
+                                  <a:latin typeface="Cambria Math" panose="02040503050406030204" pitchFamily="18" charset="0"/>
+                                </a:rPr>
+                                <m:t>𝜃</m:t>
+                              </m:r>
+                            </m:e>
+                            <m:sub>
+                              <m:r>
+                                <a:rPr lang="en-US" altLang="zh-CN" b="0" i="1" smtClean="0">
+                                  <a:latin typeface="Cambria Math" panose="02040503050406030204" pitchFamily="18" charset="0"/>
+                                </a:rPr>
+                                <m:t>2</m:t>
+                              </m:r>
+                            </m:sub>
+                          </m:sSub>
+                          <m:r>
+                            <a:rPr lang="en-US" altLang="zh-CN" b="0" i="1" smtClean="0">
+                              <a:latin typeface="Cambria Math" panose="02040503050406030204" pitchFamily="18" charset="0"/>
+                            </a:rPr>
+                            <m:t>,…,</m:t>
+                          </m:r>
+                          <m:r>
+                            <a:rPr lang="en-US" altLang="zh-CN" b="0" i="1" smtClean="0">
+                              <a:latin typeface="Cambria Math" panose="02040503050406030204" pitchFamily="18" charset="0"/>
+                            </a:rPr>
+                            <m:t>𝑠𝑖𝑛</m:t>
+                          </m:r>
+                          <m:sSub>
+                            <m:sSubPr>
+                              <m:ctrlPr>
+                                <a:rPr lang="en-US" altLang="zh-CN" b="0" i="1" smtClean="0">
+                                  <a:latin typeface="Cambria Math" panose="02040503050406030204" pitchFamily="18" charset="0"/>
+                                </a:rPr>
+                              </m:ctrlPr>
+                            </m:sSubPr>
+                            <m:e>
+                              <m:r>
+                                <a:rPr lang="zh-CN" altLang="en-US" b="0" i="1" smtClean="0">
+                                  <a:latin typeface="Cambria Math" panose="02040503050406030204" pitchFamily="18" charset="0"/>
+                                </a:rPr>
+                                <m:t>𝜃</m:t>
+                              </m:r>
+                            </m:e>
+                            <m:sub>
+                              <m:r>
+                                <a:rPr lang="en-US" altLang="zh-CN" b="0" i="1" smtClean="0">
+                                  <a:latin typeface="Cambria Math" panose="02040503050406030204" pitchFamily="18" charset="0"/>
+                                </a:rPr>
+                                <m:t>𝑛</m:t>
+                              </m:r>
+                            </m:sub>
+                          </m:sSub>
+                          <m:r>
+                            <a:rPr lang="en-US" altLang="zh-CN" b="0" i="1" smtClean="0">
+                              <a:latin typeface="Cambria Math" panose="02040503050406030204" pitchFamily="18" charset="0"/>
+                            </a:rPr>
+                            <m:t>)</m:t>
+                          </m:r>
+                        </m:e>
+                        <m:sup>
+                          <m:r>
+                            <a:rPr lang="en-US" altLang="zh-CN" b="0" i="1" smtClean="0">
+                              <a:latin typeface="Cambria Math" panose="02040503050406030204" pitchFamily="18" charset="0"/>
+                            </a:rPr>
+                            <m:t>𝑇</m:t>
+                          </m:r>
+                        </m:sup>
+                      </m:sSup>
+                    </m:oMath>
+                  </m:oMathPara>
+                </a14:m>
+                <a:endParaRPr lang="zh-CN" altLang="en-US" dirty="0"/>
+              </a:p>
+            </p:txBody>
+          </p:sp>
+        </mc:Choice>
+        <mc:Fallback xmlns="">
+          <p:sp>
+            <p:nvSpPr>
+              <p:cNvPr id="21" name="文本框 20">
+                <a:extLst>
+                  <a:ext uri="{FF2B5EF4-FFF2-40B4-BE49-F238E27FC236}">
+                    <a16:creationId xmlns:a16="http://schemas.microsoft.com/office/drawing/2014/main" id="{8450C527-1FBE-4527-AEE0-EE3B3E46D0FD}"/>
+                  </a:ext>
+                </a:extLst>
+              </p:cNvPr>
+              <p:cNvSpPr txBox="1">
+                <a:spLocks noRot="1" noChangeAspect="1" noMove="1" noResize="1" noEditPoints="1" noAdjustHandles="1" noChangeArrowheads="1" noChangeShapeType="1" noTextEdit="1"/>
+              </p:cNvSpPr>
+              <p:nvPr/>
+            </p:nvSpPr>
+            <p:spPr>
+              <a:xfrm>
+                <a:off x="7151606" y="3179124"/>
+                <a:ext cx="5081931" cy="421654"/>
+              </a:xfrm>
+              <a:prstGeom prst="rect">
+                <a:avLst/>
+              </a:prstGeom>
+              <a:blipFill>
+                <a:blip r:embed="rId12"/>
+                <a:stretch>
+                  <a:fillRect b="-4348"/>
+                </a:stretch>
+              </a:blipFill>
+            </p:spPr>
+            <p:txBody>
+              <a:bodyPr/>
+              <a:lstStyle/>
+              <a:p>
+                <a:r>
+                  <a:rPr lang="zh-CN" altLang="en-US">
+                    <a:noFill/>
+                  </a:rPr>
+                  <a:t> </a:t>
+                </a:r>
+              </a:p>
+            </p:txBody>
+          </p:sp>
+        </mc:Fallback>
+      </mc:AlternateContent>
+      <mc:AlternateContent xmlns:mc="http://schemas.openxmlformats.org/markup-compatibility/2006" xmlns:a14="http://schemas.microsoft.com/office/drawing/2010/main">
+        <mc:Choice Requires="a14">
+          <p:sp>
+            <p:nvSpPr>
+              <p:cNvPr id="22" name="文本框 21">
+                <a:extLst>
+                  <a:ext uri="{FF2B5EF4-FFF2-40B4-BE49-F238E27FC236}">
+                    <a16:creationId xmlns:a16="http://schemas.microsoft.com/office/drawing/2014/main" id="{A7D61334-A36F-4BE1-9895-FC49310553F2}"/>
+                  </a:ext>
+                </a:extLst>
+              </p:cNvPr>
+              <p:cNvSpPr txBox="1"/>
+              <p:nvPr/>
+            </p:nvSpPr>
+            <p:spPr>
+              <a:xfrm>
+                <a:off x="7418516" y="3898993"/>
+                <a:ext cx="3657600" cy="369332"/>
+              </a:xfrm>
+              <a:prstGeom prst="rect">
+                <a:avLst/>
+              </a:prstGeom>
+              <a:noFill/>
+            </p:spPr>
+            <p:txBody>
+              <a:bodyPr wrap="square" rtlCol="0">
+                <a:spAutoFit/>
+              </a:bodyPr>
+              <a:lstStyle/>
+              <a:p>
+                <a:pPr/>
+                <a14:m>
+                  <m:oMathPara xmlns:m="http://schemas.openxmlformats.org/officeDocument/2006/math">
+                    <m:oMathParaPr>
+                      <m:jc m:val="centerGroup"/>
+                    </m:oMathParaPr>
+                    <m:oMath xmlns:m="http://schemas.openxmlformats.org/officeDocument/2006/math">
+                      <m:r>
+                        <a:rPr lang="en-US" altLang="zh-CN" b="0" i="1" smtClean="0">
+                          <a:latin typeface="Cambria Math" panose="02040503050406030204" pitchFamily="18" charset="0"/>
+                        </a:rPr>
+                        <m:t>𝐷</m:t>
+                      </m:r>
+                      <m:r>
+                        <a:rPr lang="en-US" altLang="zh-CN" b="0" i="1" smtClean="0">
+                          <a:latin typeface="Cambria Math" panose="02040503050406030204" pitchFamily="18" charset="0"/>
+                        </a:rPr>
+                        <m:t>=</m:t>
+                      </m:r>
+                      <m:r>
+                        <a:rPr lang="en-US" altLang="zh-CN" b="0" i="1" smtClean="0">
+                          <a:latin typeface="Cambria Math" panose="02040503050406030204" pitchFamily="18" charset="0"/>
+                        </a:rPr>
+                        <m:t>𝐷𝑖𝑎𝑔</m:t>
+                      </m:r>
+                      <m:r>
+                        <a:rPr lang="en-US" altLang="zh-CN" b="0" i="1" smtClean="0">
+                          <a:latin typeface="Cambria Math" panose="02040503050406030204" pitchFamily="18" charset="0"/>
+                        </a:rPr>
+                        <m:t>(</m:t>
+                      </m:r>
+                      <m:sSub>
+                        <m:sSubPr>
+                          <m:ctrlPr>
+                            <a:rPr lang="en-US" altLang="zh-CN" b="0" i="1" smtClean="0">
+                              <a:latin typeface="Cambria Math" panose="02040503050406030204" pitchFamily="18" charset="0"/>
+                            </a:rPr>
+                          </m:ctrlPr>
+                        </m:sSubPr>
+                        <m:e>
+                          <m:r>
+                            <a:rPr lang="zh-CN" altLang="en-US" b="0" i="1" smtClean="0">
+                              <a:latin typeface="Cambria Math" panose="02040503050406030204" pitchFamily="18" charset="0"/>
+                            </a:rPr>
+                            <m:t>𝜆</m:t>
+                          </m:r>
+                        </m:e>
+                        <m:sub>
+                          <m:r>
+                            <a:rPr lang="en-US" altLang="zh-CN" b="0" i="1" smtClean="0">
+                              <a:latin typeface="Cambria Math" panose="02040503050406030204" pitchFamily="18" charset="0"/>
+                            </a:rPr>
+                            <m:t>1</m:t>
+                          </m:r>
+                        </m:sub>
+                      </m:sSub>
+                      <m:r>
+                        <a:rPr lang="en-US" altLang="zh-CN" b="0" i="1" smtClean="0">
+                          <a:latin typeface="Cambria Math" panose="02040503050406030204" pitchFamily="18" charset="0"/>
+                        </a:rPr>
+                        <m:t>,</m:t>
+                      </m:r>
+                      <m:sSub>
+                        <m:sSubPr>
+                          <m:ctrlPr>
+                            <a:rPr lang="en-US" altLang="zh-CN" b="0" i="1" smtClean="0">
+                              <a:latin typeface="Cambria Math" panose="02040503050406030204" pitchFamily="18" charset="0"/>
+                            </a:rPr>
+                          </m:ctrlPr>
+                        </m:sSubPr>
+                        <m:e>
+                          <m:r>
+                            <a:rPr lang="zh-CN" altLang="en-US" b="0" i="1" smtClean="0">
+                              <a:latin typeface="Cambria Math" panose="02040503050406030204" pitchFamily="18" charset="0"/>
+                            </a:rPr>
+                            <m:t>𝜆</m:t>
+                          </m:r>
+                        </m:e>
+                        <m:sub>
+                          <m:r>
+                            <a:rPr lang="en-US" altLang="zh-CN" b="0" i="1" smtClean="0">
+                              <a:latin typeface="Cambria Math" panose="02040503050406030204" pitchFamily="18" charset="0"/>
+                            </a:rPr>
+                            <m:t>2</m:t>
+                          </m:r>
+                        </m:sub>
+                      </m:sSub>
+                      <m:r>
+                        <a:rPr lang="en-US" altLang="zh-CN" b="0" i="1" smtClean="0">
+                          <a:latin typeface="Cambria Math" panose="02040503050406030204" pitchFamily="18" charset="0"/>
+                        </a:rPr>
+                        <m:t>,…,</m:t>
+                      </m:r>
+                      <m:sSub>
+                        <m:sSubPr>
+                          <m:ctrlPr>
+                            <a:rPr lang="en-US" altLang="zh-CN" b="0" i="1" smtClean="0">
+                              <a:latin typeface="Cambria Math" panose="02040503050406030204" pitchFamily="18" charset="0"/>
+                            </a:rPr>
+                          </m:ctrlPr>
+                        </m:sSubPr>
+                        <m:e>
+                          <m:r>
+                            <a:rPr lang="zh-CN" altLang="en-US" b="0" i="1" smtClean="0">
+                              <a:latin typeface="Cambria Math" panose="02040503050406030204" pitchFamily="18" charset="0"/>
+                            </a:rPr>
+                            <m:t>𝜆</m:t>
+                          </m:r>
+                        </m:e>
+                        <m:sub>
+                          <m:r>
+                            <a:rPr lang="en-US" altLang="zh-CN" b="0" i="1" smtClean="0">
+                              <a:latin typeface="Cambria Math" panose="02040503050406030204" pitchFamily="18" charset="0"/>
+                            </a:rPr>
+                            <m:t>𝑁</m:t>
+                          </m:r>
+                        </m:sub>
+                      </m:sSub>
+                      <m:r>
+                        <a:rPr lang="en-US" altLang="zh-CN" b="0" i="1" smtClean="0">
+                          <a:latin typeface="Cambria Math" panose="02040503050406030204" pitchFamily="18" charset="0"/>
+                        </a:rPr>
+                        <m:t>)</m:t>
+                      </m:r>
+                    </m:oMath>
+                  </m:oMathPara>
+                </a14:m>
+                <a:endParaRPr lang="zh-CN" altLang="en-US" dirty="0"/>
+              </a:p>
+            </p:txBody>
+          </p:sp>
+        </mc:Choice>
+        <mc:Fallback xmlns="">
+          <p:sp>
+            <p:nvSpPr>
+              <p:cNvPr id="22" name="文本框 21">
+                <a:extLst>
+                  <a:ext uri="{FF2B5EF4-FFF2-40B4-BE49-F238E27FC236}">
+                    <a16:creationId xmlns:a16="http://schemas.microsoft.com/office/drawing/2014/main" id="{A7D61334-A36F-4BE1-9895-FC49310553F2}"/>
+                  </a:ext>
+                </a:extLst>
+              </p:cNvPr>
+              <p:cNvSpPr txBox="1">
+                <a:spLocks noRot="1" noChangeAspect="1" noMove="1" noResize="1" noEditPoints="1" noAdjustHandles="1" noChangeArrowheads="1" noChangeShapeType="1" noTextEdit="1"/>
+              </p:cNvSpPr>
+              <p:nvPr/>
+            </p:nvSpPr>
+            <p:spPr>
+              <a:xfrm>
+                <a:off x="7418516" y="3898993"/>
+                <a:ext cx="3657600" cy="369332"/>
+              </a:xfrm>
+              <a:prstGeom prst="rect">
+                <a:avLst/>
+              </a:prstGeom>
+              <a:blipFill>
+                <a:blip r:embed="rId13"/>
+                <a:stretch>
+                  <a:fillRect b="-13333"/>
+                </a:stretch>
+              </a:blipFill>
+            </p:spPr>
+            <p:txBody>
+              <a:bodyPr/>
+              <a:lstStyle/>
+              <a:p>
+                <a:r>
+                  <a:rPr lang="zh-CN" altLang="en-US">
+                    <a:noFill/>
+                  </a:rPr>
+                  <a:t> </a:t>
+                </a:r>
+              </a:p>
+            </p:txBody>
+          </p:sp>
+        </mc:Fallback>
+      </mc:AlternateContent>
     </p:spTree>
     <p:extLst>
       <p:ext uri="{BB962C8B-B14F-4D97-AF65-F5344CB8AC3E}">
-        <p14:creationId xmlns:p14="http://schemas.microsoft.com/office/powerpoint/2010/main" val="118807476"/>
+        <p14:creationId xmlns:p14="http://schemas.microsoft.com/office/powerpoint/2010/main" val="2172573408"/>
       </p:ext>
     </p:extLst>
   </p:cSld>
@@ -5553,47 +6630,47 @@
       </p:grpSpPr>
       <p:sp>
         <p:nvSpPr>
-          <p:cNvPr id="3" name="内容占位符 2">
-            <a:extLst>
-              <a:ext uri="{FF2B5EF4-FFF2-40B4-BE49-F238E27FC236}">
-                <a16:creationId xmlns:a16="http://schemas.microsoft.com/office/drawing/2014/main" id="{B99EA5DF-BAE9-41CC-ABC0-F75200D7B667}"/>
-              </a:ext>
-            </a:extLst>
-          </p:cNvPr>
-          <p:cNvSpPr>
-            <a:spLocks noGrp="1"/>
-          </p:cNvSpPr>
-          <p:nvPr>
-            <p:ph idx="1"/>
-          </p:nvPr>
-        </p:nvSpPr>
-        <p:spPr>
-          <a:xfrm>
-            <a:off x="838200" y="447814"/>
-            <a:ext cx="10515600" cy="4351338"/>
-          </a:xfrm>
-        </p:spPr>
-        <p:txBody>
-          <a:bodyPr/>
-          <a:lstStyle/>
-          <a:p>
-            <a:pPr marL="0" indent="0">
-              <a:buNone/>
-            </a:pPr>
-            <a:r>
-              <a:rPr lang="en-US" altLang="zh-CN" dirty="0"/>
-              <a:t>Another discovery: a method was found to extract physical information from multiple quantum states simultaneously.</a:t>
-            </a:r>
-            <a:endParaRPr lang="zh-CN" altLang="en-US" dirty="0"/>
+          <p:cNvPr id="2" name="标题 1">
+            <a:extLst>
+              <a:ext uri="{FF2B5EF4-FFF2-40B4-BE49-F238E27FC236}">
+                <a16:creationId xmlns:a16="http://schemas.microsoft.com/office/drawing/2014/main" id="{49D21CBD-C087-472E-A477-9E3949B9E6E7}"/>
+              </a:ext>
+            </a:extLst>
+          </p:cNvPr>
+          <p:cNvSpPr>
+            <a:spLocks noGrp="1"/>
+          </p:cNvSpPr>
+          <p:nvPr>
+            <p:ph type="ctrTitle"/>
+          </p:nvPr>
+        </p:nvSpPr>
+        <p:spPr>
+          <a:xfrm>
+            <a:off x="0" y="0"/>
+            <a:ext cx="10460610" cy="587654"/>
+          </a:xfrm>
+        </p:spPr>
+        <p:txBody>
+          <a:bodyPr>
+            <a:normAutofit/>
+          </a:bodyPr>
+          <a:lstStyle/>
+          <a:p>
+            <a:pPr algn="l"/>
+            <a:r>
+              <a:rPr lang="en-US" altLang="zh-CN" sz="3200" b="1" dirty="0"/>
+              <a:t>  Handling computational problems</a:t>
+            </a:r>
+            <a:endParaRPr lang="zh-CN" altLang="en-US" sz="3200" b="1" dirty="0"/>
           </a:p>
         </p:txBody>
       </p:sp>
       <p:pic>
         <p:nvPicPr>
-          <p:cNvPr id="5" name="图片 4">
-            <a:extLst>
-              <a:ext uri="{FF2B5EF4-FFF2-40B4-BE49-F238E27FC236}">
-                <a16:creationId xmlns:a16="http://schemas.microsoft.com/office/drawing/2014/main" id="{5310CD31-D4FE-48D6-BFFF-28E54A77D8A9}"/>
+          <p:cNvPr id="6" name="图片 5">
+            <a:extLst>
+              <a:ext uri="{FF2B5EF4-FFF2-40B4-BE49-F238E27FC236}">
+                <a16:creationId xmlns:a16="http://schemas.microsoft.com/office/drawing/2014/main" id="{C5E91D37-F4B1-4C73-9272-F08ECC9EA21F}"/>
               </a:ext>
             </a:extLst>
           </p:cNvPr>
@@ -5603,33 +6680,117 @@
           <p:nvPr/>
         </p:nvPicPr>
         <p:blipFill>
-          <a:blip r:embed="rId2">
-            <a:extLst>
-              <a:ext uri="{28A0092B-C50C-407E-A947-70E740481C1C}">
-                <a14:useLocalDpi xmlns:a14="http://schemas.microsoft.com/office/drawing/2010/main" val="0"/>
-              </a:ext>
-            </a:extLst>
-          </a:blip>
+          <a:blip r:embed="rId2"/>
           <a:stretch>
             <a:fillRect/>
           </a:stretch>
         </p:blipFill>
         <p:spPr>
           <a:xfrm>
-            <a:off x="1658969" y="1519042"/>
-            <a:ext cx="7879763" cy="3429297"/>
+            <a:off x="254794" y="866234"/>
+            <a:ext cx="1257300" cy="590550"/>
           </a:xfrm>
           <a:prstGeom prst="rect">
             <a:avLst/>
           </a:prstGeom>
         </p:spPr>
       </p:pic>
-      <p:sp>
-        <p:nvSpPr>
-          <p:cNvPr id="6" name="文本框 5">
-            <a:extLst>
-              <a:ext uri="{FF2B5EF4-FFF2-40B4-BE49-F238E27FC236}">
-                <a16:creationId xmlns:a16="http://schemas.microsoft.com/office/drawing/2014/main" id="{37512B31-8645-4C28-BBCA-288B6CBECC04}"/>
+      <p:pic>
+        <p:nvPicPr>
+          <p:cNvPr id="8" name="图片 7">
+            <a:extLst>
+              <a:ext uri="{FF2B5EF4-FFF2-40B4-BE49-F238E27FC236}">
+                <a16:creationId xmlns:a16="http://schemas.microsoft.com/office/drawing/2014/main" id="{5D46889D-41B6-4FD7-8193-ADBAB86B9C70}"/>
+              </a:ext>
+            </a:extLst>
+          </p:cNvPr>
+          <p:cNvPicPr>
+            <a:picLocks noChangeAspect="1"/>
+          </p:cNvPicPr>
+          <p:nvPr/>
+        </p:nvPicPr>
+        <p:blipFill>
+          <a:blip r:embed="rId3"/>
+          <a:stretch>
+            <a:fillRect/>
+          </a:stretch>
+        </p:blipFill>
+        <p:spPr>
+          <a:xfrm>
+            <a:off x="2136889" y="743546"/>
+            <a:ext cx="2714625" cy="657225"/>
+          </a:xfrm>
+          <a:prstGeom prst="rect">
+            <a:avLst/>
+          </a:prstGeom>
+        </p:spPr>
+      </p:pic>
+      <p:pic>
+        <p:nvPicPr>
+          <p:cNvPr id="12" name="图片 11">
+            <a:extLst>
+              <a:ext uri="{FF2B5EF4-FFF2-40B4-BE49-F238E27FC236}">
+                <a16:creationId xmlns:a16="http://schemas.microsoft.com/office/drawing/2014/main" id="{CDE88CF0-7D10-4334-B485-A341FBAE12D9}"/>
+              </a:ext>
+            </a:extLst>
+          </p:cNvPr>
+          <p:cNvPicPr>
+            <a:picLocks noChangeAspect="1"/>
+          </p:cNvPicPr>
+          <p:nvPr/>
+        </p:nvPicPr>
+        <p:blipFill>
+          <a:blip r:embed="rId4"/>
+          <a:stretch>
+            <a:fillRect/>
+          </a:stretch>
+        </p:blipFill>
+        <p:spPr>
+          <a:xfrm>
+            <a:off x="200025" y="1524794"/>
+            <a:ext cx="2190750" cy="304800"/>
+          </a:xfrm>
+          <a:prstGeom prst="rect">
+            <a:avLst/>
+          </a:prstGeom>
+        </p:spPr>
+      </p:pic>
+      <p:pic>
+        <p:nvPicPr>
+          <p:cNvPr id="14" name="图片 13">
+            <a:extLst>
+              <a:ext uri="{FF2B5EF4-FFF2-40B4-BE49-F238E27FC236}">
+                <a16:creationId xmlns:a16="http://schemas.microsoft.com/office/drawing/2014/main" id="{84677DAE-E224-4831-B7B0-5E164C355BE5}"/>
+              </a:ext>
+            </a:extLst>
+          </p:cNvPr>
+          <p:cNvPicPr>
+            <a:picLocks noChangeAspect="1"/>
+          </p:cNvPicPr>
+          <p:nvPr/>
+        </p:nvPicPr>
+        <p:blipFill>
+          <a:blip r:embed="rId5"/>
+          <a:stretch>
+            <a:fillRect/>
+          </a:stretch>
+        </p:blipFill>
+        <p:spPr>
+          <a:xfrm>
+            <a:off x="2579311" y="1325907"/>
+            <a:ext cx="3705225" cy="590550"/>
+          </a:xfrm>
+          <a:prstGeom prst="rect">
+            <a:avLst/>
+          </a:prstGeom>
+        </p:spPr>
+      </p:pic>
+      <p:sp>
+        <p:nvSpPr>
+          <p:cNvPr id="23" name="文本框 22">
+            <a:extLst>
+              <a:ext uri="{FF2B5EF4-FFF2-40B4-BE49-F238E27FC236}">
+                <a16:creationId xmlns:a16="http://schemas.microsoft.com/office/drawing/2014/main" id="{EDF03963-155D-4520-8579-38DD0E2B9D1E}"/>
               </a:ext>
             </a:extLst>
           </p:cNvPr>
@@ -5638,8 +6799,8 @@
         </p:nvSpPr>
         <p:spPr>
           <a:xfrm>
-            <a:off x="1012054" y="5220070"/>
-            <a:ext cx="10341746" cy="1200329"/>
+            <a:off x="254794" y="1897604"/>
+            <a:ext cx="10935288" cy="1569660"/>
           </a:xfrm>
           <a:prstGeom prst="rect">
             <a:avLst/>
@@ -5653,17 +6814,87 @@
           <a:lstStyle/>
           <a:p>
             <a:r>
-              <a:rPr lang="en-US" altLang="zh-CN" dirty="0"/>
-              <a:t>The original measurement method required constructing multiple quantum circuits for measurement. However, the newly discovered method allows obtaining results through multiple measurements using a single quantum circuit. For detailed information, please refer to [Quantum Measurement.pdf] on my personal website.</a:t>
-            </a:r>
-            <a:endParaRPr lang="zh-CN" altLang="en-US" dirty="0"/>
+              <a:rPr lang="en-US" altLang="zh-CN" sz="2400" dirty="0"/>
+              <a:t>By applying appropriate methods (such as block-encoding or Fourier transform) to the diagonal matrix, we can transform it into a unitary diagonal matrix related to the wavenumber. Then, we can construct a quantum circuit composed of basic quantum gates for computation using the previous method.</a:t>
+            </a:r>
+            <a:endParaRPr lang="zh-CN" altLang="en-US" sz="2400" dirty="0"/>
+          </a:p>
+        </p:txBody>
+      </p:sp>
+      <p:sp>
+        <p:nvSpPr>
+          <p:cNvPr id="24" name="文本框 23">
+            <a:extLst>
+              <a:ext uri="{FF2B5EF4-FFF2-40B4-BE49-F238E27FC236}">
+                <a16:creationId xmlns:a16="http://schemas.microsoft.com/office/drawing/2014/main" id="{A346BE34-FAC5-4730-B131-C9E7789FF8EF}"/>
+              </a:ext>
+            </a:extLst>
+          </p:cNvPr>
+          <p:cNvSpPr txBox="1"/>
+          <p:nvPr/>
+        </p:nvSpPr>
+        <p:spPr>
+          <a:xfrm>
+            <a:off x="254794" y="3823792"/>
+            <a:ext cx="11274458" cy="3231654"/>
+          </a:xfrm>
+          <a:prstGeom prst="rect">
+            <a:avLst/>
+          </a:prstGeom>
+          <a:noFill/>
+        </p:spPr>
+        <p:txBody>
+          <a:bodyPr wrap="square" rtlCol="0">
+            <a:spAutoFit/>
+          </a:bodyPr>
+          <a:lstStyle/>
+          <a:p>
+            <a:pPr>
+              <a:lnSpc>
+                <a:spcPct val="150000"/>
+              </a:lnSpc>
+            </a:pPr>
+            <a:r>
+              <a:rPr lang="en-US" altLang="zh-CN" sz="2400" dirty="0"/>
+              <a:t>Current difficulties:</a:t>
+            </a:r>
+          </a:p>
+          <a:p>
+            <a:pPr marL="457200" indent="-457200">
+              <a:lnSpc>
+                <a:spcPct val="150000"/>
+              </a:lnSpc>
+              <a:buAutoNum type="arabicPeriod"/>
+            </a:pPr>
+            <a:r>
+              <a:rPr lang="en-US" altLang="zh-CN" sz="2400" dirty="0"/>
+              <a:t>The analysis of eigenvalue decomposition for higher-order numerical schemes has not been conducted yet, and it is unclear whether they have a unified format.</a:t>
+            </a:r>
+          </a:p>
+          <a:p>
+            <a:pPr marL="457200" indent="-457200">
+              <a:lnSpc>
+                <a:spcPct val="150000"/>
+              </a:lnSpc>
+              <a:buAutoNum type="arabicPeriod"/>
+            </a:pPr>
+            <a:r>
+              <a:rPr lang="en-US" altLang="zh-CN" sz="2400" dirty="0"/>
+              <a:t>In problems with boundary conditions, the use of block-encoding and Fourier transforms may be more challenging.</a:t>
+            </a:r>
+          </a:p>
+          <a:p>
+            <a:pPr marL="457200" indent="-457200">
+              <a:buAutoNum type="arabicPeriod"/>
+            </a:pPr>
+            <a:endParaRPr lang="en-US" altLang="zh-CN" sz="2400" dirty="0"/>
           </a:p>
         </p:txBody>
       </p:sp>
     </p:spTree>
     <p:extLst>
       <p:ext uri="{BB962C8B-B14F-4D97-AF65-F5344CB8AC3E}">
-        <p14:creationId xmlns:p14="http://schemas.microsoft.com/office/powerpoint/2010/main" val="2790947193"/>
+        <p14:creationId xmlns:p14="http://schemas.microsoft.com/office/powerpoint/2010/main" val="1179528967"/>
       </p:ext>
     </p:extLst>
   </p:cSld>
@@ -5966,4 +7197,299 @@
     </a:ext>
   </a:extLst>
 </a:theme>
+</file>
+
+<file path=ppt/theme/theme2.xml><?xml version="1.0" encoding="utf-8"?>
+<a:theme xmlns:a="http://schemas.openxmlformats.org/drawingml/2006/main" name="Office 主题​​">
+  <a:themeElements>
+    <a:clrScheme name="Office">
+      <a:dk1>
+        <a:sysClr val="windowText" lastClr="000000"/>
+      </a:dk1>
+      <a:lt1>
+        <a:sysClr val="window" lastClr="FFFFFF"/>
+      </a:lt1>
+      <a:dk2>
+        <a:srgbClr val="44546A"/>
+      </a:dk2>
+      <a:lt2>
+        <a:srgbClr val="E7E6E6"/>
+      </a:lt2>
+      <a:accent1>
+        <a:srgbClr val="4472C4"/>
+      </a:accent1>
+      <a:accent2>
+        <a:srgbClr val="ED7D31"/>
+      </a:accent2>
+      <a:accent3>
+        <a:srgbClr val="A5A5A5"/>
+      </a:accent3>
+      <a:accent4>
+        <a:srgbClr val="FFC000"/>
+      </a:accent4>
+      <a:accent5>
+        <a:srgbClr val="5B9BD5"/>
+      </a:accent5>
+      <a:accent6>
+        <a:srgbClr val="70AD47"/>
+      </a:accent6>
+      <a:hlink>
+        <a:srgbClr val="0563C1"/>
+      </a:hlink>
+      <a:folHlink>
+        <a:srgbClr val="954F72"/>
+      </a:folHlink>
+    </a:clrScheme>
+    <a:fontScheme name="Office">
+      <a:majorFont>
+        <a:latin typeface="等线 Light" panose="020F0302020204030204"/>
+        <a:ea typeface=""/>
+        <a:cs typeface=""/>
+        <a:font script="Jpan" typeface="游ゴシック Light"/>
+        <a:font script="Hang" typeface="맑은 고딕"/>
+        <a:font script="Hans" typeface="等线 Light"/>
+        <a:font script="Hant" typeface="新細明體"/>
+        <a:font script="Arab" typeface="Times New Roman"/>
+        <a:font script="Hebr" typeface="Times New Roman"/>
+        <a:font script="Thai" typeface="Angsana New"/>
+        <a:font script="Ethi" typeface="Nyala"/>
+        <a:font script="Beng" typeface="Vrinda"/>
+        <a:font script="Gujr" typeface="Shruti"/>
+        <a:font script="Khmr" typeface="MoolBoran"/>
+        <a:font script="Knda" typeface="Tunga"/>
+        <a:font script="Guru" typeface="Raavi"/>
+        <a:font script="Cans" typeface="Euphemia"/>
+        <a:font script="Cher" typeface="Plantagenet Cherokee"/>
+        <a:font script="Yiii" typeface="Microsoft Yi Baiti"/>
+        <a:font script="Tibt" typeface="Microsoft Himalaya"/>
+        <a:font script="Thaa" typeface="MV Boli"/>
+        <a:font script="Deva" typeface="Mangal"/>
+        <a:font script="Telu" typeface="Gautami"/>
+        <a:font script="Taml" typeface="Latha"/>
+        <a:font script="Syrc" typeface="Estrangelo Edessa"/>
+        <a:font script="Orya" typeface="Kalinga"/>
+        <a:font script="Mlym" typeface="Kartika"/>
+        <a:font script="Laoo" typeface="DokChampa"/>
+        <a:font script="Sinh" typeface="Iskoola Pota"/>
+        <a:font script="Mong" typeface="Mongolian Baiti"/>
+        <a:font script="Viet" typeface="Times New Roman"/>
+        <a:font script="Uigh" typeface="Microsoft Uighur"/>
+        <a:font script="Geor" typeface="Sylfaen"/>
+        <a:font script="Armn" typeface="Arial"/>
+        <a:font script="Bugi" typeface="Leelawadee UI"/>
+        <a:font script="Bopo" typeface="Microsoft JhengHei"/>
+        <a:font script="Java" typeface="Javanese Text"/>
+        <a:font script="Lisu" typeface="Segoe UI"/>
+        <a:font script="Mymr" typeface="Myanmar Text"/>
+        <a:font script="Nkoo" typeface="Ebrima"/>
+        <a:font script="Olck" typeface="Nirmala UI"/>
+        <a:font script="Osma" typeface="Ebrima"/>
+        <a:font script="Phag" typeface="Phagspa"/>
+        <a:font script="Syrn" typeface="Estrangelo Edessa"/>
+        <a:font script="Syrj" typeface="Estrangelo Edessa"/>
+        <a:font script="Syre" typeface="Estrangelo Edessa"/>
+        <a:font script="Sora" typeface="Nirmala UI"/>
+        <a:font script="Tale" typeface="Microsoft Tai Le"/>
+        <a:font script="Talu" typeface="Microsoft New Tai Lue"/>
+        <a:font script="Tfng" typeface="Ebrima"/>
+      </a:majorFont>
+      <a:minorFont>
+        <a:latin typeface="等线" panose="020F0502020204030204"/>
+        <a:ea typeface=""/>
+        <a:cs typeface=""/>
+        <a:font script="Jpan" typeface="游ゴシック"/>
+        <a:font script="Hang" typeface="맑은 고딕"/>
+        <a:font script="Hans" typeface="等线"/>
+        <a:font script="Hant" typeface="新細明體"/>
+        <a:font script="Arab" typeface="Arial"/>
+        <a:font script="Hebr" typeface="Arial"/>
+        <a:font script="Thai" typeface="Cordia New"/>
+        <a:font script="Ethi" typeface="Nyala"/>
+        <a:font script="Beng" typeface="Vrinda"/>
+        <a:font script="Gujr" typeface="Shruti"/>
+        <a:font script="Khmr" typeface="DaunPenh"/>
+        <a:font script="Knda" typeface="Tunga"/>
+        <a:font script="Guru" typeface="Raavi"/>
+        <a:font script="Cans" typeface="Euphemia"/>
+        <a:font script="Cher" typeface="Plantagenet Cherokee"/>
+        <a:font script="Yiii" typeface="Microsoft Yi Baiti"/>
+        <a:font script="Tibt" typeface="Microsoft Himalaya"/>
+        <a:font script="Thaa" typeface="MV Boli"/>
+        <a:font script="Deva" typeface="Mangal"/>
+        <a:font script="Telu" typeface="Gautami"/>
+        <a:font script="Taml" typeface="Latha"/>
+        <a:font script="Syrc" typeface="Estrangelo Edessa"/>
+        <a:font script="Orya" typeface="Kalinga"/>
+        <a:font script="Mlym" typeface="Kartika"/>
+        <a:font script="Laoo" typeface="DokChampa"/>
+        <a:font script="Sinh" typeface="Iskoola Pota"/>
+        <a:font script="Mong" typeface="Mongolian Baiti"/>
+        <a:font script="Viet" typeface="Arial"/>
+        <a:font script="Uigh" typeface="Microsoft Uighur"/>
+        <a:font script="Geor" typeface="Sylfaen"/>
+        <a:font script="Armn" typeface="Arial"/>
+        <a:font script="Bugi" typeface="Leelawadee UI"/>
+        <a:font script="Bopo" typeface="Microsoft JhengHei"/>
+        <a:font script="Java" typeface="Javanese Text"/>
+        <a:font script="Lisu" typeface="Segoe UI"/>
+        <a:font script="Mymr" typeface="Myanmar Text"/>
+        <a:font script="Nkoo" typeface="Ebrima"/>
+        <a:font script="Olck" typeface="Nirmala UI"/>
+        <a:font script="Osma" typeface="Ebrima"/>
+        <a:font script="Phag" typeface="Phagspa"/>
+        <a:font script="Syrn" typeface="Estrangelo Edessa"/>
+        <a:font script="Syrj" typeface="Estrangelo Edessa"/>
+        <a:font script="Syre" typeface="Estrangelo Edessa"/>
+        <a:font script="Sora" typeface="Nirmala UI"/>
+        <a:font script="Tale" typeface="Microsoft Tai Le"/>
+        <a:font script="Talu" typeface="Microsoft New Tai Lue"/>
+        <a:font script="Tfng" typeface="Ebrima"/>
+      </a:minorFont>
+    </a:fontScheme>
+    <a:fmtScheme name="Office">
+      <a:fillStyleLst>
+        <a:solidFill>
+          <a:schemeClr val="phClr"/>
+        </a:solidFill>
+        <a:gradFill rotWithShape="1">
+          <a:gsLst>
+            <a:gs pos="0">
+              <a:schemeClr val="phClr">
+                <a:lumMod val="110000"/>
+                <a:satMod val="105000"/>
+                <a:tint val="67000"/>
+              </a:schemeClr>
+            </a:gs>
+            <a:gs pos="50000">
+              <a:schemeClr val="phClr">
+                <a:lumMod val="105000"/>
+                <a:satMod val="103000"/>
+                <a:tint val="73000"/>
+              </a:schemeClr>
+            </a:gs>
+            <a:gs pos="100000">
+              <a:schemeClr val="phClr">
+                <a:lumMod val="105000"/>
+                <a:satMod val="109000"/>
+                <a:tint val="81000"/>
+              </a:schemeClr>
+            </a:gs>
+          </a:gsLst>
+          <a:lin ang="5400000" scaled="0"/>
+        </a:gradFill>
+        <a:gradFill rotWithShape="1">
+          <a:gsLst>
+            <a:gs pos="0">
+              <a:schemeClr val="phClr">
+                <a:satMod val="103000"/>
+                <a:lumMod val="102000"/>
+                <a:tint val="94000"/>
+              </a:schemeClr>
+            </a:gs>
+            <a:gs pos="50000">
+              <a:schemeClr val="phClr">
+                <a:satMod val="110000"/>
+                <a:lumMod val="100000"/>
+                <a:shade val="100000"/>
+              </a:schemeClr>
+            </a:gs>
+            <a:gs pos="100000">
+              <a:schemeClr val="phClr">
+                <a:lumMod val="99000"/>
+                <a:satMod val="120000"/>
+                <a:shade val="78000"/>
+              </a:schemeClr>
+            </a:gs>
+          </a:gsLst>
+          <a:lin ang="5400000" scaled="0"/>
+        </a:gradFill>
+      </a:fillStyleLst>
+      <a:lnStyleLst>
+        <a:ln w="6350" cap="flat" cmpd="sng" algn="ctr">
+          <a:solidFill>
+            <a:schemeClr val="phClr"/>
+          </a:solidFill>
+          <a:prstDash val="solid"/>
+          <a:miter lim="800000"/>
+        </a:ln>
+        <a:ln w="12700" cap="flat" cmpd="sng" algn="ctr">
+          <a:solidFill>
+            <a:schemeClr val="phClr"/>
+          </a:solidFill>
+          <a:prstDash val="solid"/>
+          <a:miter lim="800000"/>
+        </a:ln>
+        <a:ln w="19050" cap="flat" cmpd="sng" algn="ctr">
+          <a:solidFill>
+            <a:schemeClr val="phClr"/>
+          </a:solidFill>
+          <a:prstDash val="solid"/>
+          <a:miter lim="800000"/>
+        </a:ln>
+      </a:lnStyleLst>
+      <a:effectStyleLst>
+        <a:effectStyle>
+          <a:effectLst/>
+        </a:effectStyle>
+        <a:effectStyle>
+          <a:effectLst/>
+        </a:effectStyle>
+        <a:effectStyle>
+          <a:effectLst>
+            <a:outerShdw blurRad="57150" dist="19050" dir="5400000" algn="ctr" rotWithShape="0">
+              <a:srgbClr val="000000">
+                <a:alpha val="63000"/>
+              </a:srgbClr>
+            </a:outerShdw>
+          </a:effectLst>
+        </a:effectStyle>
+      </a:effectStyleLst>
+      <a:bgFillStyleLst>
+        <a:solidFill>
+          <a:schemeClr val="phClr"/>
+        </a:solidFill>
+        <a:solidFill>
+          <a:schemeClr val="phClr">
+            <a:tint val="95000"/>
+            <a:satMod val="170000"/>
+          </a:schemeClr>
+        </a:solidFill>
+        <a:gradFill rotWithShape="1">
+          <a:gsLst>
+            <a:gs pos="0">
+              <a:schemeClr val="phClr">
+                <a:tint val="93000"/>
+                <a:satMod val="150000"/>
+                <a:shade val="98000"/>
+                <a:lumMod val="102000"/>
+              </a:schemeClr>
+            </a:gs>
+            <a:gs pos="50000">
+              <a:schemeClr val="phClr">
+                <a:tint val="98000"/>
+                <a:satMod val="130000"/>
+                <a:shade val="90000"/>
+                <a:lumMod val="103000"/>
+              </a:schemeClr>
+            </a:gs>
+            <a:gs pos="100000">
+              <a:schemeClr val="phClr">
+                <a:shade val="63000"/>
+                <a:satMod val="120000"/>
+              </a:schemeClr>
+            </a:gs>
+          </a:gsLst>
+          <a:lin ang="5400000" scaled="0"/>
+        </a:gradFill>
+      </a:bgFillStyleLst>
+    </a:fmtScheme>
+  </a:themeElements>
+  <a:objectDefaults/>
+  <a:extraClrSchemeLst/>
+  <a:extLst>
+    <a:ext uri="{05A4C25C-085E-4340-85A3-A5531E510DB2}">
+      <thm15:themeFamily xmlns:thm15="http://schemas.microsoft.com/office/thememl/2012/main" name="Office Theme" id="{62F939B6-93AF-4DB8-9C6B-D6C7DFDC589F}" vid="{4A3C46E8-61CC-4603-A589-7422A47A8E4A}"/>
+    </a:ext>
+  </a:extLst>
+</a:theme>
 </file>